--- a/_posts/ithome/2021/10.KNN/10.KNN.pptx
+++ b/_posts/ithome/2021/10.KNN/10.KNN.pptx
@@ -8,6 +8,7 @@
     <p:sldId id="257" r:id="rId2"/>
     <p:sldId id="258" r:id="rId3"/>
     <p:sldId id="259" r:id="rId4"/>
+    <p:sldId id="260" r:id="rId5"/>
   </p:sldIdLst>
   <p:sldSz cx="12192000" cy="6858000"/>
   <p:notesSz cx="6858000" cy="9144000"/>
@@ -106,6 +107,11 @@
       </a:defRPr>
     </a:lvl9pPr>
   </p:defaultTextStyle>
+  <p:extLst>
+    <p:ext uri="{EFAFB233-063F-42B5-8137-9DF3F51BA10A}">
+      <p15:sldGuideLst xmlns:p15="http://schemas.microsoft.com/office/powerpoint/2012/main"/>
+    </p:ext>
+  </p:extLst>
 </p:presentation>
 </file>
 
@@ -258,7 +264,7 @@
           <a:p>
             <a:fld id="{32A48CA4-AC9B-A849-A20F-CF8CEE1BB5FD}" type="datetimeFigureOut">
               <a:rPr lang="en-TW" smtClean="0"/>
-              <a:t>2021/9/10</a:t>
+              <a:t>2021/9/11</a:t>
             </a:fld>
             <a:endParaRPr lang="en-TW"/>
           </a:p>
@@ -458,7 +464,7 @@
           <a:p>
             <a:fld id="{32A48CA4-AC9B-A849-A20F-CF8CEE1BB5FD}" type="datetimeFigureOut">
               <a:rPr lang="en-TW" smtClean="0"/>
-              <a:t>2021/9/10</a:t>
+              <a:t>2021/9/11</a:t>
             </a:fld>
             <a:endParaRPr lang="en-TW"/>
           </a:p>
@@ -668,7 +674,7 @@
           <a:p>
             <a:fld id="{32A48CA4-AC9B-A849-A20F-CF8CEE1BB5FD}" type="datetimeFigureOut">
               <a:rPr lang="en-TW" smtClean="0"/>
-              <a:t>2021/9/10</a:t>
+              <a:t>2021/9/11</a:t>
             </a:fld>
             <a:endParaRPr lang="en-TW"/>
           </a:p>
@@ -868,7 +874,7 @@
           <a:p>
             <a:fld id="{32A48CA4-AC9B-A849-A20F-CF8CEE1BB5FD}" type="datetimeFigureOut">
               <a:rPr lang="en-TW" smtClean="0"/>
-              <a:t>2021/9/10</a:t>
+              <a:t>2021/9/11</a:t>
             </a:fld>
             <a:endParaRPr lang="en-TW"/>
           </a:p>
@@ -1144,7 +1150,7 @@
           <a:p>
             <a:fld id="{32A48CA4-AC9B-A849-A20F-CF8CEE1BB5FD}" type="datetimeFigureOut">
               <a:rPr lang="en-TW" smtClean="0"/>
-              <a:t>2021/9/10</a:t>
+              <a:t>2021/9/11</a:t>
             </a:fld>
             <a:endParaRPr lang="en-TW"/>
           </a:p>
@@ -1412,7 +1418,7 @@
           <a:p>
             <a:fld id="{32A48CA4-AC9B-A849-A20F-CF8CEE1BB5FD}" type="datetimeFigureOut">
               <a:rPr lang="en-TW" smtClean="0"/>
-              <a:t>2021/9/10</a:t>
+              <a:t>2021/9/11</a:t>
             </a:fld>
             <a:endParaRPr lang="en-TW"/>
           </a:p>
@@ -1827,7 +1833,7 @@
           <a:p>
             <a:fld id="{32A48CA4-AC9B-A849-A20F-CF8CEE1BB5FD}" type="datetimeFigureOut">
               <a:rPr lang="en-TW" smtClean="0"/>
-              <a:t>2021/9/10</a:t>
+              <a:t>2021/9/11</a:t>
             </a:fld>
             <a:endParaRPr lang="en-TW"/>
           </a:p>
@@ -1969,7 +1975,7 @@
           <a:p>
             <a:fld id="{32A48CA4-AC9B-A849-A20F-CF8CEE1BB5FD}" type="datetimeFigureOut">
               <a:rPr lang="en-TW" smtClean="0"/>
-              <a:t>2021/9/10</a:t>
+              <a:t>2021/9/11</a:t>
             </a:fld>
             <a:endParaRPr lang="en-TW"/>
           </a:p>
@@ -2082,7 +2088,7 @@
           <a:p>
             <a:fld id="{32A48CA4-AC9B-A849-A20F-CF8CEE1BB5FD}" type="datetimeFigureOut">
               <a:rPr lang="en-TW" smtClean="0"/>
-              <a:t>2021/9/10</a:t>
+              <a:t>2021/9/11</a:t>
             </a:fld>
             <a:endParaRPr lang="en-TW"/>
           </a:p>
@@ -2395,7 +2401,7 @@
           <a:p>
             <a:fld id="{32A48CA4-AC9B-A849-A20F-CF8CEE1BB5FD}" type="datetimeFigureOut">
               <a:rPr lang="en-TW" smtClean="0"/>
-              <a:t>2021/9/10</a:t>
+              <a:t>2021/9/11</a:t>
             </a:fld>
             <a:endParaRPr lang="en-TW"/>
           </a:p>
@@ -2684,7 +2690,7 @@
           <a:p>
             <a:fld id="{32A48CA4-AC9B-A849-A20F-CF8CEE1BB5FD}" type="datetimeFigureOut">
               <a:rPr lang="en-TW" smtClean="0"/>
-              <a:t>2021/9/10</a:t>
+              <a:t>2021/9/11</a:t>
             </a:fld>
             <a:endParaRPr lang="en-TW"/>
           </a:p>
@@ -2927,7 +2933,7 @@
           <a:p>
             <a:fld id="{32A48CA4-AC9B-A849-A20F-CF8CEE1BB5FD}" type="datetimeFigureOut">
               <a:rPr lang="en-TW" smtClean="0"/>
-              <a:t>2021/9/10</a:t>
+              <a:t>2021/9/11</a:t>
             </a:fld>
             <a:endParaRPr lang="en-TW"/>
           </a:p>
@@ -9431,6 +9437,258 @@
 </p:sld>
 </file>
 
+<file path=ppt/slides/slide4.xml><?xml version="1.0" encoding="utf-8"?>
+<p:sld xmlns:a="http://schemas.openxmlformats.org/drawingml/2006/main" xmlns:r="http://schemas.openxmlformats.org/officeDocument/2006/relationships" xmlns:p="http://schemas.openxmlformats.org/presentationml/2006/main">
+  <p:cSld>
+    <p:spTree>
+      <p:nvGrpSpPr>
+        <p:cNvPr id="1" name=""/>
+        <p:cNvGrpSpPr/>
+        <p:nvPr/>
+      </p:nvGrpSpPr>
+      <p:grpSpPr>
+        <a:xfrm>
+          <a:off x="0" y="0"/>
+          <a:ext cx="0" cy="0"/>
+          <a:chOff x="0" y="0"/>
+          <a:chExt cx="0" cy="0"/>
+        </a:xfrm>
+      </p:grpSpPr>
+      <p:pic>
+        <p:nvPicPr>
+          <p:cNvPr id="3" name="Picture 2">
+            <a:extLst>
+              <a:ext uri="{FF2B5EF4-FFF2-40B4-BE49-F238E27FC236}">
+                <a16:creationId xmlns:a16="http://schemas.microsoft.com/office/drawing/2014/main" id="{462D7B0C-6810-384E-8B2A-648233D87B39}"/>
+              </a:ext>
+            </a:extLst>
+          </p:cNvPr>
+          <p:cNvPicPr>
+            <a:picLocks noChangeAspect="1"/>
+          </p:cNvPicPr>
+          <p:nvPr/>
+        </p:nvPicPr>
+        <p:blipFill rotWithShape="1">
+          <a:blip r:embed="rId2"/>
+          <a:srcRect t="543"/>
+          <a:stretch/>
+        </p:blipFill>
+        <p:spPr>
+          <a:xfrm>
+            <a:off x="1719499" y="1517926"/>
+            <a:ext cx="3105419" cy="2855737"/>
+          </a:xfrm>
+          <a:prstGeom prst="rect">
+            <a:avLst/>
+          </a:prstGeom>
+        </p:spPr>
+      </p:pic>
+      <p:pic>
+        <p:nvPicPr>
+          <p:cNvPr id="5" name="Picture 4">
+            <a:extLst>
+              <a:ext uri="{FF2B5EF4-FFF2-40B4-BE49-F238E27FC236}">
+                <a16:creationId xmlns:a16="http://schemas.microsoft.com/office/drawing/2014/main" id="{09FE548F-B385-1F44-89FA-BBB763FEE8A1}"/>
+              </a:ext>
+            </a:extLst>
+          </p:cNvPr>
+          <p:cNvPicPr>
+            <a:picLocks noChangeAspect="1"/>
+          </p:cNvPicPr>
+          <p:nvPr/>
+        </p:nvPicPr>
+        <p:blipFill>
+          <a:blip r:embed="rId3"/>
+          <a:stretch>
+            <a:fillRect/>
+          </a:stretch>
+        </p:blipFill>
+        <p:spPr>
+          <a:xfrm>
+            <a:off x="6374454" y="1517926"/>
+            <a:ext cx="2949368" cy="2855737"/>
+          </a:xfrm>
+          <a:prstGeom prst="rect">
+            <a:avLst/>
+          </a:prstGeom>
+        </p:spPr>
+      </p:pic>
+      <p:sp>
+        <p:nvSpPr>
+          <p:cNvPr id="6" name="Rounded Rectangle 5">
+            <a:extLst>
+              <a:ext uri="{FF2B5EF4-FFF2-40B4-BE49-F238E27FC236}">
+                <a16:creationId xmlns:a16="http://schemas.microsoft.com/office/drawing/2014/main" id="{A47ED002-6865-734B-B76A-6276A2E17BD8}"/>
+              </a:ext>
+            </a:extLst>
+          </p:cNvPr>
+          <p:cNvSpPr/>
+          <p:nvPr/>
+        </p:nvSpPr>
+        <p:spPr>
+          <a:xfrm>
+            <a:off x="2628706" y="4761456"/>
+            <a:ext cx="1222744" cy="353683"/>
+          </a:xfrm>
+          <a:prstGeom prst="roundRect">
+            <a:avLst/>
+          </a:prstGeom>
+          <a:solidFill>
+            <a:srgbClr val="D2A66C"/>
+          </a:solidFill>
+          <a:ln w="12700" cap="flat" cmpd="sng" algn="ctr">
+            <a:noFill/>
+            <a:prstDash val="solid"/>
+            <a:miter lim="800000"/>
+          </a:ln>
+          <a:effectLst/>
+        </p:spPr>
+        <p:txBody>
+          <a:bodyPr rtlCol="0" anchor="ctr"/>
+          <a:lstStyle/>
+          <a:p>
+            <a:pPr marL="0" marR="0" lvl="0" indent="0" algn="ctr" defTabSz="914377" eaLnBrk="1" fontAlgn="auto" latinLnBrk="0" hangingPunct="1">
+              <a:lnSpc>
+                <a:spcPct val="130000"/>
+              </a:lnSpc>
+              <a:spcBef>
+                <a:spcPts val="0"/>
+              </a:spcBef>
+              <a:spcAft>
+                <a:spcPts val="0"/>
+              </a:spcAft>
+              <a:buClrTx/>
+              <a:buSzTx/>
+              <a:buFontTx/>
+              <a:buNone/>
+              <a:tabLst/>
+              <a:defRPr/>
+            </a:pPr>
+            <a:r>
+              <a:rPr lang="en-TW" sz="1400" kern="0" dirty="0">
+                <a:solidFill>
+                  <a:srgbClr val="FFFFFF"/>
+                </a:solidFill>
+                <a:latin typeface="微软雅黑" panose="020B0503020204020204" pitchFamily="34" charset="-122"/>
+                <a:ea typeface="微软雅黑" panose="020B0503020204020204" pitchFamily="34" charset="-122"/>
+              </a:rPr>
+              <a:t>真實分類</a:t>
+            </a:r>
+            <a:endParaRPr kumimoji="0" lang="en-TW" sz="1400" b="0" i="0" u="none" strike="noStrike" kern="0" cap="none" spc="0" normalizeH="0" baseline="0" noProof="0" dirty="0">
+              <a:ln>
+                <a:noFill/>
+              </a:ln>
+              <a:solidFill>
+                <a:srgbClr val="FFFFFF"/>
+              </a:solidFill>
+              <a:effectLst/>
+              <a:uLnTx/>
+              <a:uFillTx/>
+              <a:latin typeface="微软雅黑" panose="020B0503020204020204" pitchFamily="34" charset="-122"/>
+              <a:ea typeface="微软雅黑" panose="020B0503020204020204" pitchFamily="34" charset="-122"/>
+              <a:cs typeface="+mn-cs"/>
+            </a:endParaRPr>
+          </a:p>
+        </p:txBody>
+      </p:sp>
+      <p:sp>
+        <p:nvSpPr>
+          <p:cNvPr id="7" name="Rounded Rectangle 6">
+            <a:extLst>
+              <a:ext uri="{FF2B5EF4-FFF2-40B4-BE49-F238E27FC236}">
+                <a16:creationId xmlns:a16="http://schemas.microsoft.com/office/drawing/2014/main" id="{6F25096D-4B6A-6E4E-BD18-EE46CEDBEFAF}"/>
+              </a:ext>
+            </a:extLst>
+          </p:cNvPr>
+          <p:cNvSpPr/>
+          <p:nvPr/>
+        </p:nvSpPr>
+        <p:spPr>
+          <a:xfrm>
+            <a:off x="7364427" y="4761457"/>
+            <a:ext cx="1222744" cy="353683"/>
+          </a:xfrm>
+          <a:prstGeom prst="roundRect">
+            <a:avLst/>
+          </a:prstGeom>
+          <a:solidFill>
+            <a:srgbClr val="D2A66C"/>
+          </a:solidFill>
+          <a:ln w="12700" cap="flat" cmpd="sng" algn="ctr">
+            <a:noFill/>
+            <a:prstDash val="solid"/>
+            <a:miter lim="800000"/>
+          </a:ln>
+          <a:effectLst/>
+        </p:spPr>
+        <p:txBody>
+          <a:bodyPr rtlCol="0" anchor="ctr"/>
+          <a:lstStyle/>
+          <a:p>
+            <a:pPr marL="0" marR="0" lvl="0" indent="0" algn="ctr" defTabSz="914377" eaLnBrk="1" fontAlgn="auto" latinLnBrk="0" hangingPunct="1">
+              <a:lnSpc>
+                <a:spcPct val="130000"/>
+              </a:lnSpc>
+              <a:spcBef>
+                <a:spcPts val="0"/>
+              </a:spcBef>
+              <a:spcAft>
+                <a:spcPts val="0"/>
+              </a:spcAft>
+              <a:buClrTx/>
+              <a:buSzTx/>
+              <a:buFontTx/>
+              <a:buNone/>
+              <a:tabLst/>
+              <a:defRPr/>
+            </a:pPr>
+            <a:r>
+              <a:rPr kumimoji="0" lang="zh-TW" altLang="en-US" sz="1400" b="0" i="0" u="none" strike="noStrike" kern="0" cap="none" spc="0" normalizeH="0" baseline="0" noProof="0" dirty="0">
+                <a:ln>
+                  <a:noFill/>
+                </a:ln>
+                <a:solidFill>
+                  <a:srgbClr val="FFFFFF"/>
+                </a:solidFill>
+                <a:effectLst/>
+                <a:uLnTx/>
+                <a:uFillTx/>
+                <a:latin typeface="Arial"/>
+                <a:ea typeface="微软雅黑"/>
+                <a:cs typeface="+mn-cs"/>
+              </a:rPr>
+              <a:t>模型預測</a:t>
+            </a:r>
+            <a:endParaRPr kumimoji="0" lang="en-TW" sz="1400" b="0" i="0" u="none" strike="noStrike" kern="0" cap="none" spc="0" normalizeH="0" baseline="0" noProof="0" dirty="0">
+              <a:ln>
+                <a:noFill/>
+              </a:ln>
+              <a:solidFill>
+                <a:srgbClr val="FFFFFF"/>
+              </a:solidFill>
+              <a:effectLst/>
+              <a:uLnTx/>
+              <a:uFillTx/>
+              <a:latin typeface="微软雅黑" panose="020B0503020204020204" pitchFamily="34" charset="-122"/>
+              <a:ea typeface="微软雅黑" panose="020B0503020204020204" pitchFamily="34" charset="-122"/>
+              <a:cs typeface="+mn-cs"/>
+            </a:endParaRPr>
+          </a:p>
+        </p:txBody>
+      </p:sp>
+    </p:spTree>
+    <p:extLst>
+      <p:ext uri="{BB962C8B-B14F-4D97-AF65-F5344CB8AC3E}">
+        <p14:creationId xmlns:p14="http://schemas.microsoft.com/office/powerpoint/2010/main" val="606792388"/>
+      </p:ext>
+    </p:extLst>
+  </p:cSld>
+  <p:clrMapOvr>
+    <a:masterClrMapping/>
+  </p:clrMapOvr>
+</p:sld>
+</file>
+
 <file path=ppt/theme/theme1.xml><?xml version="1.0" encoding="utf-8"?>
 <a:theme xmlns:a="http://schemas.openxmlformats.org/drawingml/2006/main" name="Office Theme">
   <a:themeElements>

--- a/_posts/ithome/2021/10.KNN/10.KNN.pptx
+++ b/_posts/ithome/2021/10.KNN/10.KNN.pptx
@@ -7,8 +7,10 @@
   <p:sldIdLst>
     <p:sldId id="257" r:id="rId2"/>
     <p:sldId id="258" r:id="rId3"/>
-    <p:sldId id="259" r:id="rId4"/>
-    <p:sldId id="260" r:id="rId5"/>
+    <p:sldId id="261" r:id="rId4"/>
+    <p:sldId id="259" r:id="rId5"/>
+    <p:sldId id="260" r:id="rId6"/>
+    <p:sldId id="262" r:id="rId7"/>
   </p:sldIdLst>
   <p:sldSz cx="12192000" cy="6858000"/>
   <p:notesSz cx="6858000" cy="9144000"/>
@@ -264,7 +266,7 @@
           <a:p>
             <a:fld id="{32A48CA4-AC9B-A849-A20F-CF8CEE1BB5FD}" type="datetimeFigureOut">
               <a:rPr lang="en-TW" smtClean="0"/>
-              <a:t>2021/9/11</a:t>
+              <a:t>2021/9/22</a:t>
             </a:fld>
             <a:endParaRPr lang="en-TW"/>
           </a:p>
@@ -464,7 +466,7 @@
           <a:p>
             <a:fld id="{32A48CA4-AC9B-A849-A20F-CF8CEE1BB5FD}" type="datetimeFigureOut">
               <a:rPr lang="en-TW" smtClean="0"/>
-              <a:t>2021/9/11</a:t>
+              <a:t>2021/9/22</a:t>
             </a:fld>
             <a:endParaRPr lang="en-TW"/>
           </a:p>
@@ -674,7 +676,7 @@
           <a:p>
             <a:fld id="{32A48CA4-AC9B-A849-A20F-CF8CEE1BB5FD}" type="datetimeFigureOut">
               <a:rPr lang="en-TW" smtClean="0"/>
-              <a:t>2021/9/11</a:t>
+              <a:t>2021/9/22</a:t>
             </a:fld>
             <a:endParaRPr lang="en-TW"/>
           </a:p>
@@ -874,7 +876,7 @@
           <a:p>
             <a:fld id="{32A48CA4-AC9B-A849-A20F-CF8CEE1BB5FD}" type="datetimeFigureOut">
               <a:rPr lang="en-TW" smtClean="0"/>
-              <a:t>2021/9/11</a:t>
+              <a:t>2021/9/22</a:t>
             </a:fld>
             <a:endParaRPr lang="en-TW"/>
           </a:p>
@@ -1150,7 +1152,7 @@
           <a:p>
             <a:fld id="{32A48CA4-AC9B-A849-A20F-CF8CEE1BB5FD}" type="datetimeFigureOut">
               <a:rPr lang="en-TW" smtClean="0"/>
-              <a:t>2021/9/11</a:t>
+              <a:t>2021/9/22</a:t>
             </a:fld>
             <a:endParaRPr lang="en-TW"/>
           </a:p>
@@ -1418,7 +1420,7 @@
           <a:p>
             <a:fld id="{32A48CA4-AC9B-A849-A20F-CF8CEE1BB5FD}" type="datetimeFigureOut">
               <a:rPr lang="en-TW" smtClean="0"/>
-              <a:t>2021/9/11</a:t>
+              <a:t>2021/9/22</a:t>
             </a:fld>
             <a:endParaRPr lang="en-TW"/>
           </a:p>
@@ -1833,7 +1835,7 @@
           <a:p>
             <a:fld id="{32A48CA4-AC9B-A849-A20F-CF8CEE1BB5FD}" type="datetimeFigureOut">
               <a:rPr lang="en-TW" smtClean="0"/>
-              <a:t>2021/9/11</a:t>
+              <a:t>2021/9/22</a:t>
             </a:fld>
             <a:endParaRPr lang="en-TW"/>
           </a:p>
@@ -1975,7 +1977,7 @@
           <a:p>
             <a:fld id="{32A48CA4-AC9B-A849-A20F-CF8CEE1BB5FD}" type="datetimeFigureOut">
               <a:rPr lang="en-TW" smtClean="0"/>
-              <a:t>2021/9/11</a:t>
+              <a:t>2021/9/22</a:t>
             </a:fld>
             <a:endParaRPr lang="en-TW"/>
           </a:p>
@@ -2088,7 +2090,7 @@
           <a:p>
             <a:fld id="{32A48CA4-AC9B-A849-A20F-CF8CEE1BB5FD}" type="datetimeFigureOut">
               <a:rPr lang="en-TW" smtClean="0"/>
-              <a:t>2021/9/11</a:t>
+              <a:t>2021/9/22</a:t>
             </a:fld>
             <a:endParaRPr lang="en-TW"/>
           </a:p>
@@ -2401,7 +2403,7 @@
           <a:p>
             <a:fld id="{32A48CA4-AC9B-A849-A20F-CF8CEE1BB5FD}" type="datetimeFigureOut">
               <a:rPr lang="en-TW" smtClean="0"/>
-              <a:t>2021/9/11</a:t>
+              <a:t>2021/9/22</a:t>
             </a:fld>
             <a:endParaRPr lang="en-TW"/>
           </a:p>
@@ -2690,7 +2692,7 @@
           <a:p>
             <a:fld id="{32A48CA4-AC9B-A849-A20F-CF8CEE1BB5FD}" type="datetimeFigureOut">
               <a:rPr lang="en-TW" smtClean="0"/>
-              <a:t>2021/9/11</a:t>
+              <a:t>2021/9/22</a:t>
             </a:fld>
             <a:endParaRPr lang="en-TW"/>
           </a:p>
@@ -2933,7 +2935,7 @@
           <a:p>
             <a:fld id="{32A48CA4-AC9B-A849-A20F-CF8CEE1BB5FD}" type="datetimeFigureOut">
               <a:rPr lang="en-TW" smtClean="0"/>
-              <a:t>2021/9/11</a:t>
+              <a:t>2021/9/22</a:t>
             </a:fld>
             <a:endParaRPr lang="en-TW"/>
           </a:p>
@@ -3364,7 +3366,7 @@
         </p:nvCxnSpPr>
         <p:spPr>
           <a:xfrm flipV="1">
-            <a:off x="1290738" y="2572087"/>
+            <a:off x="1592297" y="2572087"/>
             <a:ext cx="0" cy="2178122"/>
           </a:xfrm>
           <a:prstGeom prst="straightConnector1">
@@ -3398,7 +3400,7 @@
         </p:nvCxnSpPr>
         <p:spPr>
           <a:xfrm>
-            <a:off x="1280464" y="4748497"/>
+            <a:off x="1582023" y="4748497"/>
             <a:ext cx="3801438" cy="1712"/>
           </a:xfrm>
           <a:prstGeom prst="straightConnector1">
@@ -3430,7 +3432,7 @@
         </p:nvSpPr>
         <p:spPr>
           <a:xfrm>
-            <a:off x="5153901" y="4548748"/>
+            <a:off x="5455460" y="4548748"/>
             <a:ext cx="304892" cy="369332"/>
           </a:xfrm>
           <a:prstGeom prst="rect">
@@ -3480,7 +3482,7 @@
         </p:nvSpPr>
         <p:spPr>
           <a:xfrm>
-            <a:off x="1136033" y="2073060"/>
+            <a:off x="1437592" y="2073060"/>
             <a:ext cx="288862" cy="369332"/>
           </a:xfrm>
           <a:prstGeom prst="rect">
@@ -3530,7 +3532,7 @@
         </p:nvSpPr>
         <p:spPr>
           <a:xfrm>
-            <a:off x="3258327" y="3501157"/>
+            <a:off x="3559886" y="3501157"/>
             <a:ext cx="108000" cy="108000"/>
           </a:xfrm>
           <a:prstGeom prst="ellipse">
@@ -3602,7 +3604,7 @@
         </p:nvSpPr>
         <p:spPr>
           <a:xfrm>
-            <a:off x="3051108" y="3647339"/>
+            <a:off x="3352667" y="3647339"/>
             <a:ext cx="108000" cy="108000"/>
           </a:xfrm>
           <a:prstGeom prst="ellipse">
@@ -3674,7 +3676,7 @@
         </p:nvSpPr>
         <p:spPr>
           <a:xfrm>
-            <a:off x="3471485" y="3179807"/>
+            <a:off x="3773044" y="3179807"/>
             <a:ext cx="108000" cy="108000"/>
           </a:xfrm>
           <a:prstGeom prst="ellipse">
@@ -3746,7 +3748,7 @@
         </p:nvSpPr>
         <p:spPr>
           <a:xfrm>
-            <a:off x="2914742" y="3467908"/>
+            <a:off x="3216301" y="3467908"/>
             <a:ext cx="108000" cy="108000"/>
           </a:xfrm>
           <a:prstGeom prst="ellipse">
@@ -3818,7 +3820,7 @@
         </p:nvSpPr>
         <p:spPr>
           <a:xfrm>
-            <a:off x="3767140" y="2863084"/>
+            <a:off x="4068699" y="2863084"/>
             <a:ext cx="108000" cy="108000"/>
           </a:xfrm>
           <a:prstGeom prst="ellipse">
@@ -3890,7 +3892,7 @@
         </p:nvSpPr>
         <p:spPr>
           <a:xfrm>
-            <a:off x="3946312" y="3164694"/>
+            <a:off x="4247871" y="3164694"/>
             <a:ext cx="108000" cy="108000"/>
           </a:xfrm>
           <a:prstGeom prst="ellipse">
@@ -3962,7 +3964,7 @@
         </p:nvSpPr>
         <p:spPr>
           <a:xfrm>
-            <a:off x="3659140" y="3218694"/>
+            <a:off x="3960699" y="3218694"/>
             <a:ext cx="108000" cy="108000"/>
           </a:xfrm>
           <a:prstGeom prst="ellipse">
@@ -4034,7 +4036,7 @@
         </p:nvSpPr>
         <p:spPr>
           <a:xfrm>
-            <a:off x="3306482" y="3773768"/>
+            <a:off x="3608041" y="3773768"/>
             <a:ext cx="108000" cy="108000"/>
           </a:xfrm>
           <a:prstGeom prst="ellipse">
@@ -4106,7 +4108,7 @@
         </p:nvSpPr>
         <p:spPr>
           <a:xfrm>
-            <a:off x="2047149" y="4077120"/>
+            <a:off x="2348708" y="4077120"/>
             <a:ext cx="108000" cy="108000"/>
           </a:xfrm>
           <a:prstGeom prst="ellipse">
@@ -4178,7 +4180,7 @@
         </p:nvSpPr>
         <p:spPr>
           <a:xfrm>
-            <a:off x="2264832" y="3939467"/>
+            <a:off x="2566391" y="3939467"/>
             <a:ext cx="108000" cy="108000"/>
           </a:xfrm>
           <a:prstGeom prst="ellipse">
@@ -4250,7 +4252,7 @@
         </p:nvSpPr>
         <p:spPr>
           <a:xfrm>
-            <a:off x="2101149" y="4323791"/>
+            <a:off x="2402708" y="4323791"/>
             <a:ext cx="108000" cy="108000"/>
           </a:xfrm>
           <a:prstGeom prst="ellipse">
@@ -4322,7 +4324,7 @@
         </p:nvSpPr>
         <p:spPr>
           <a:xfrm>
-            <a:off x="2587664" y="3966467"/>
+            <a:off x="2889223" y="3966467"/>
             <a:ext cx="108000" cy="108000"/>
           </a:xfrm>
           <a:prstGeom prst="ellipse">
@@ -4394,7 +4396,7 @@
         </p:nvSpPr>
         <p:spPr>
           <a:xfrm>
-            <a:off x="2820865" y="4025171"/>
+            <a:off x="3122424" y="4025171"/>
             <a:ext cx="108000" cy="108000"/>
           </a:xfrm>
           <a:prstGeom prst="ellipse">
@@ -4466,7 +4468,7 @@
         </p:nvSpPr>
         <p:spPr>
           <a:xfrm>
-            <a:off x="2402232" y="3835014"/>
+            <a:off x="2703791" y="3835014"/>
             <a:ext cx="108000" cy="108000"/>
           </a:xfrm>
           <a:prstGeom prst="ellipse">
@@ -4538,7 +4540,7 @@
         </p:nvSpPr>
         <p:spPr>
           <a:xfrm>
-            <a:off x="2597924" y="4215791"/>
+            <a:off x="2899483" y="4215791"/>
             <a:ext cx="108000" cy="108000"/>
           </a:xfrm>
           <a:prstGeom prst="ellipse">
@@ -4610,7 +4612,7 @@
         </p:nvSpPr>
         <p:spPr>
           <a:xfrm>
-            <a:off x="2322208" y="4138198"/>
+            <a:off x="2623767" y="4138198"/>
             <a:ext cx="108000" cy="108000"/>
           </a:xfrm>
           <a:prstGeom prst="ellipse">
@@ -4682,7 +4684,7 @@
         </p:nvSpPr>
         <p:spPr>
           <a:xfrm>
-            <a:off x="2687853" y="3792808"/>
+            <a:off x="2989412" y="3792808"/>
             <a:ext cx="108000" cy="108000"/>
           </a:xfrm>
           <a:prstGeom prst="ellipse">
@@ -4754,7 +4756,7 @@
         </p:nvSpPr>
         <p:spPr>
           <a:xfrm>
-            <a:off x="3553581" y="3692485"/>
+            <a:off x="3855140" y="3692485"/>
             <a:ext cx="144000" cy="144000"/>
           </a:xfrm>
           <a:prstGeom prst="ellipse">
@@ -4825,7 +4827,7 @@
         </p:nvCxnSpPr>
         <p:spPr>
           <a:xfrm flipH="1" flipV="1">
-            <a:off x="3350511" y="3572075"/>
+            <a:off x="3652070" y="3572075"/>
             <a:ext cx="224158" cy="141498"/>
           </a:xfrm>
           <a:prstGeom prst="line">
@@ -4860,7 +4862,7 @@
         </p:nvCxnSpPr>
         <p:spPr>
           <a:xfrm flipH="1">
-            <a:off x="3414482" y="3764485"/>
+            <a:off x="3716041" y="3764485"/>
             <a:ext cx="139099" cy="63283"/>
           </a:xfrm>
           <a:prstGeom prst="line">
@@ -5891,7 +5893,7 @@
         </p:nvSpPr>
         <p:spPr>
           <a:xfrm>
-            <a:off x="2439736" y="5312288"/>
+            <a:off x="2741295" y="5312288"/>
             <a:ext cx="1222744" cy="353683"/>
           </a:xfrm>
           <a:prstGeom prst="roundRect">
@@ -5993,7 +5995,7 @@
         </p:nvSpPr>
         <p:spPr>
           <a:xfrm>
-            <a:off x="3324857" y="4016220"/>
+            <a:off x="3626416" y="4016220"/>
             <a:ext cx="601447" cy="369332"/>
           </a:xfrm>
           <a:prstGeom prst="rect">
@@ -6079,6 +6081,551 @@
           </a:p>
         </p:txBody>
       </p:sp>
+      <p:grpSp>
+        <p:nvGrpSpPr>
+          <p:cNvPr id="84" name="Group 83">
+            <a:extLst>
+              <a:ext uri="{FF2B5EF4-FFF2-40B4-BE49-F238E27FC236}">
+                <a16:creationId xmlns:a16="http://schemas.microsoft.com/office/drawing/2014/main" id="{95A82B81-8E75-A64C-95A4-BBC0A7C1B649}"/>
+              </a:ext>
+            </a:extLst>
+          </p:cNvPr>
+          <p:cNvGrpSpPr/>
+          <p:nvPr/>
+        </p:nvGrpSpPr>
+        <p:grpSpPr>
+          <a:xfrm>
+            <a:off x="1456868" y="5048854"/>
+            <a:ext cx="9302184" cy="2054723"/>
+            <a:chOff x="3360126" y="3971848"/>
+            <a:chExt cx="5764444" cy="1050587"/>
+          </a:xfrm>
+        </p:grpSpPr>
+        <p:grpSp>
+          <p:nvGrpSpPr>
+            <p:cNvPr id="85" name="Group 84">
+              <a:extLst>
+                <a:ext uri="{FF2B5EF4-FFF2-40B4-BE49-F238E27FC236}">
+                  <a16:creationId xmlns:a16="http://schemas.microsoft.com/office/drawing/2014/main" id="{3F72561A-A71A-F64D-BC3E-37066457D67A}"/>
+                </a:ext>
+              </a:extLst>
+            </p:cNvPr>
+            <p:cNvGrpSpPr/>
+            <p:nvPr/>
+          </p:nvGrpSpPr>
+          <p:grpSpPr>
+            <a:xfrm>
+              <a:off x="3360126" y="4381750"/>
+              <a:ext cx="2735874" cy="215396"/>
+              <a:chOff x="7237110" y="4330673"/>
+              <a:chExt cx="2735874" cy="215396"/>
+            </a:xfrm>
+          </p:grpSpPr>
+          <p:sp>
+            <p:nvSpPr>
+              <p:cNvPr id="90" name="Intelligent Information Retrieval Laboratory">
+                <a:extLst>
+                  <a:ext uri="{FF2B5EF4-FFF2-40B4-BE49-F238E27FC236}">
+                    <a16:creationId xmlns:a16="http://schemas.microsoft.com/office/drawing/2014/main" id="{94C1D3F0-7C9E-1E40-8FE5-290942C040A5}"/>
+                  </a:ext>
+                </a:extLst>
+              </p:cNvPr>
+              <p:cNvSpPr txBox="1"/>
+              <p:nvPr/>
+            </p:nvSpPr>
+            <p:spPr>
+              <a:xfrm>
+                <a:off x="7237110" y="4330673"/>
+                <a:ext cx="2590800" cy="215396"/>
+              </a:xfrm>
+              <a:prstGeom prst="rect">
+                <a:avLst/>
+              </a:prstGeom>
+              <a:noFill/>
+              <a:ln w="12700" cap="flat">
+                <a:noFill/>
+                <a:miter lim="400000"/>
+              </a:ln>
+              <a:effectLst/>
+              <a:extLst>
+                <a:ext uri="{C572A759-6A51-4108-AA02-DFA0A04FC94B}">
+                  <ma14:wrappingTextBoxFlag xmlns="" xmlns:m="http://schemas.openxmlformats.org/officeDocument/2006/math" xmlns:a14="http://schemas.microsoft.com/office/drawing/2010/main" xmlns:ma14="http://schemas.microsoft.com/office/mac/drawingml/2011/main" val="1"/>
+                </a:ext>
+              </a:extLst>
+            </p:spPr>
+            <p:txBody>
+              <a:bodyPr wrap="square" lIns="71437" tIns="71437" rIns="71437" bIns="71437" numCol="1" anchor="ctr">
+                <a:spAutoFit/>
+              </a:bodyPr>
+              <a:lstStyle>
+                <a:lvl1pPr algn="l" defTabSz="821531">
+                  <a:defRPr sz="2400" b="0">
+                    <a:solidFill>
+                      <a:srgbClr val="FFFFFF"/>
+                    </a:solidFill>
+                    <a:latin typeface="Helvetica Neue Bold Condensed"/>
+                    <a:ea typeface="Helvetica Neue Bold Condensed"/>
+                    <a:cs typeface="Helvetica Neue Bold Condensed"/>
+                    <a:sym typeface="Helvetica Neue Bold Condensed"/>
+                  </a:defRPr>
+                </a:lvl1pPr>
+              </a:lstStyle>
+              <a:p>
+                <a:r>
+                  <a:rPr kumimoji="0" lang="zh-TW" altLang="en-US" sz="1400" b="0" i="0" u="none" strike="noStrike" cap="none" spc="0" normalizeH="0" baseline="0" dirty="0">
+                    <a:ln>
+                      <a:noFill/>
+                    </a:ln>
+                    <a:solidFill>
+                      <a:schemeClr val="tx1">
+                        <a:alpha val="15000"/>
+                      </a:schemeClr>
+                    </a:solidFill>
+                    <a:effectLst/>
+                    <a:uFillTx/>
+                    <a:latin typeface="Helvetica Neue Bold Condensed"/>
+                    <a:ea typeface="Helvetica Neue Bold Condensed"/>
+                    <a:cs typeface="Helvetica Neue Bold Condensed"/>
+                    <a:sym typeface="Helvetica Neue Bold Condensed"/>
+                  </a:rPr>
+                  <a:t>第</a:t>
+                </a:r>
+                <a:r>
+                  <a:rPr kumimoji="0" lang="en-US" altLang="zh-TW" sz="1400" b="0" i="0" u="none" strike="noStrike" cap="none" spc="0" normalizeH="0" baseline="0" dirty="0">
+                    <a:ln>
+                      <a:noFill/>
+                    </a:ln>
+                    <a:solidFill>
+                      <a:schemeClr val="tx1">
+                        <a:alpha val="15000"/>
+                      </a:schemeClr>
+                    </a:solidFill>
+                    <a:effectLst/>
+                    <a:uFillTx/>
+                    <a:latin typeface="Helvetica Neue Bold Condensed"/>
+                    <a:ea typeface="Helvetica Neue Bold Condensed"/>
+                    <a:cs typeface="Helvetica Neue Bold Condensed"/>
+                    <a:sym typeface="Helvetica Neue Bold Condensed"/>
+                  </a:rPr>
+                  <a:t>13</a:t>
+                </a:r>
+                <a:r>
+                  <a:rPr kumimoji="0" lang="zh-TW" altLang="en-US" sz="1400" b="0" i="0" u="none" strike="noStrike" cap="none" spc="0" normalizeH="0" baseline="0" dirty="0">
+                    <a:ln>
+                      <a:noFill/>
+                    </a:ln>
+                    <a:solidFill>
+                      <a:schemeClr val="tx1">
+                        <a:alpha val="15000"/>
+                      </a:schemeClr>
+                    </a:solidFill>
+                    <a:effectLst/>
+                    <a:uFillTx/>
+                    <a:latin typeface="Helvetica Neue Bold Condensed"/>
+                    <a:ea typeface="Helvetica Neue Bold Condensed"/>
+                    <a:cs typeface="Helvetica Neue Bold Condensed"/>
+                    <a:sym typeface="Helvetica Neue Bold Condensed"/>
+                  </a:rPr>
+                  <a:t>屆 </a:t>
+                </a:r>
+                <a:r>
+                  <a:rPr kumimoji="0" lang="en-US" sz="1800" b="0" i="0" u="none" strike="noStrike" cap="none" spc="0" normalizeH="0" baseline="0" dirty="0">
+                    <a:ln>
+                      <a:noFill/>
+                    </a:ln>
+                    <a:solidFill>
+                      <a:schemeClr val="tx1">
+                        <a:alpha val="15000"/>
+                      </a:schemeClr>
+                    </a:solidFill>
+                    <a:effectLst/>
+                    <a:uFillTx/>
+                    <a:latin typeface="Helvetica Neue Bold Condensed"/>
+                    <a:ea typeface="Helvetica Neue Bold Condensed"/>
+                    <a:cs typeface="Helvetica Neue Bold Condensed"/>
+                    <a:sym typeface="Helvetica Neue Bold Condensed"/>
+                  </a:rPr>
+                  <a:t>iT</a:t>
+                </a:r>
+                <a:r>
+                  <a:rPr kumimoji="0" lang="zh-TW" altLang="en-US" sz="1600" b="0" i="0" u="none" strike="noStrike" cap="none" spc="0" normalizeH="0" baseline="0" dirty="0">
+                    <a:ln>
+                      <a:noFill/>
+                    </a:ln>
+                    <a:solidFill>
+                      <a:schemeClr val="tx1">
+                        <a:alpha val="15000"/>
+                      </a:schemeClr>
+                    </a:solidFill>
+                    <a:effectLst/>
+                    <a:uFillTx/>
+                    <a:latin typeface="Helvetica Neue Bold Condensed"/>
+                    <a:ea typeface="Helvetica Neue Bold Condensed"/>
+                    <a:cs typeface="Helvetica Neue Bold Condensed"/>
+                    <a:sym typeface="Helvetica Neue Bold Condensed"/>
+                  </a:rPr>
+                  <a:t>邦</a:t>
+                </a:r>
+                <a:r>
+                  <a:rPr kumimoji="0" lang="zh-TW" altLang="en-US" sz="1200" b="0" i="0" u="none" strike="noStrike" cap="none" spc="0" normalizeH="0" baseline="0" dirty="0">
+                    <a:ln>
+                      <a:noFill/>
+                    </a:ln>
+                    <a:solidFill>
+                      <a:schemeClr val="tx1">
+                        <a:alpha val="15000"/>
+                      </a:schemeClr>
+                    </a:solidFill>
+                    <a:effectLst/>
+                    <a:uFillTx/>
+                    <a:latin typeface="Helvetica Neue Bold Condensed"/>
+                    <a:ea typeface="Helvetica Neue Bold Condensed"/>
+                    <a:cs typeface="Helvetica Neue Bold Condensed"/>
+                    <a:sym typeface="Helvetica Neue Bold Condensed"/>
+                  </a:rPr>
+                  <a:t>幫忙</a:t>
+                </a:r>
+                <a:r>
+                  <a:rPr kumimoji="0" lang="zh-TW" altLang="en-US" sz="1600" b="0" i="0" u="none" strike="noStrike" cap="none" spc="0" normalizeH="0" baseline="0" dirty="0">
+                    <a:ln>
+                      <a:noFill/>
+                    </a:ln>
+                    <a:solidFill>
+                      <a:schemeClr val="tx1">
+                        <a:alpha val="15000"/>
+                      </a:schemeClr>
+                    </a:solidFill>
+                    <a:effectLst/>
+                    <a:uFillTx/>
+                    <a:latin typeface="Helvetica Neue Bold Condensed"/>
+                    <a:ea typeface="Helvetica Neue Bold Condensed"/>
+                    <a:cs typeface="Helvetica Neue Bold Condensed"/>
+                    <a:sym typeface="Helvetica Neue Bold Condensed"/>
+                  </a:rPr>
+                  <a:t> 鐵人賽</a:t>
+                </a:r>
+                <a:endParaRPr sz="1600" dirty="0">
+                  <a:solidFill>
+                    <a:schemeClr val="tx1">
+                      <a:alpha val="15000"/>
+                    </a:schemeClr>
+                  </a:solidFill>
+                </a:endParaRPr>
+              </a:p>
+            </p:txBody>
+          </p:sp>
+          <p:sp>
+            <p:nvSpPr>
+              <p:cNvPr id="91" name="Intelligent Information Retrieval Laboratory">
+                <a:extLst>
+                  <a:ext uri="{FF2B5EF4-FFF2-40B4-BE49-F238E27FC236}">
+                    <a16:creationId xmlns:a16="http://schemas.microsoft.com/office/drawing/2014/main" id="{FB5A376A-C646-AE40-87FE-608DEAB0C227}"/>
+                  </a:ext>
+                </a:extLst>
+              </p:cNvPr>
+              <p:cNvSpPr txBox="1"/>
+              <p:nvPr/>
+            </p:nvSpPr>
+            <p:spPr>
+              <a:xfrm>
+                <a:off x="8753784" y="4354105"/>
+                <a:ext cx="1219200" cy="183922"/>
+              </a:xfrm>
+              <a:prstGeom prst="rect">
+                <a:avLst/>
+              </a:prstGeom>
+              <a:noFill/>
+              <a:ln w="12700" cap="flat">
+                <a:noFill/>
+                <a:miter lim="400000"/>
+              </a:ln>
+              <a:effectLst/>
+              <a:extLst>
+                <a:ext uri="{C572A759-6A51-4108-AA02-DFA0A04FC94B}">
+                  <ma14:wrappingTextBoxFlag xmlns="" xmlns:m="http://schemas.openxmlformats.org/officeDocument/2006/math" xmlns:a14="http://schemas.microsoft.com/office/drawing/2010/main" xmlns:ma14="http://schemas.microsoft.com/office/mac/drawingml/2011/main" val="1"/>
+                </a:ext>
+              </a:extLst>
+            </p:spPr>
+            <p:txBody>
+              <a:bodyPr wrap="square" lIns="71437" tIns="71437" rIns="71437" bIns="71437" numCol="1" anchor="ctr">
+                <a:spAutoFit/>
+              </a:bodyPr>
+              <a:lstStyle>
+                <a:lvl1pPr algn="l" defTabSz="821531">
+                  <a:defRPr sz="2400" b="0">
+                    <a:solidFill>
+                      <a:srgbClr val="FFFFFF"/>
+                    </a:solidFill>
+                    <a:latin typeface="Helvetica Neue Bold Condensed"/>
+                    <a:ea typeface="Helvetica Neue Bold Condensed"/>
+                    <a:cs typeface="Helvetica Neue Bold Condensed"/>
+                    <a:sym typeface="Helvetica Neue Bold Condensed"/>
+                  </a:defRPr>
+                </a:lvl1pPr>
+              </a:lstStyle>
+              <a:p>
+                <a:r>
+                  <a:rPr kumimoji="0" lang="en-US" altLang="zh-TW" sz="1400" b="0" i="0" u="none" strike="noStrike" cap="none" spc="0" normalizeH="0" baseline="0" dirty="0">
+                    <a:ln>
+                      <a:noFill/>
+                    </a:ln>
+                    <a:solidFill>
+                      <a:schemeClr val="tx1">
+                        <a:alpha val="15000"/>
+                      </a:schemeClr>
+                    </a:solidFill>
+                    <a:effectLst/>
+                    <a:uFillTx/>
+                    <a:latin typeface="Helvetica Neue Bold Condensed"/>
+                    <a:ea typeface="Helvetica Neue Bold Condensed"/>
+                    <a:cs typeface="Helvetica Neue Bold Condensed"/>
+                    <a:sym typeface="Helvetica Neue Bold Condensed"/>
+                  </a:rPr>
+                  <a:t>AI &amp; Data </a:t>
+                </a:r>
+                <a:r>
+                  <a:rPr kumimoji="0" lang="zh-TW" altLang="en-US" sz="1400" b="0" i="0" u="none" strike="noStrike" cap="none" spc="0" normalizeH="0" baseline="0" dirty="0">
+                    <a:ln>
+                      <a:noFill/>
+                    </a:ln>
+                    <a:solidFill>
+                      <a:schemeClr val="tx1">
+                        <a:alpha val="15000"/>
+                      </a:schemeClr>
+                    </a:solidFill>
+                    <a:effectLst/>
+                    <a:uFillTx/>
+                    <a:latin typeface="Helvetica Neue Bold Condensed"/>
+                    <a:ea typeface="Helvetica Neue Bold Condensed"/>
+                    <a:cs typeface="Helvetica Neue Bold Condensed"/>
+                    <a:sym typeface="Helvetica Neue Bold Condensed"/>
+                  </a:rPr>
+                  <a:t>組</a:t>
+                </a:r>
+                <a:endParaRPr sz="1600" dirty="0">
+                  <a:solidFill>
+                    <a:schemeClr val="tx1">
+                      <a:alpha val="15000"/>
+                    </a:schemeClr>
+                  </a:solidFill>
+                </a:endParaRPr>
+              </a:p>
+            </p:txBody>
+          </p:sp>
+        </p:grpSp>
+        <p:grpSp>
+          <p:nvGrpSpPr>
+            <p:cNvPr id="86" name="Group 85">
+              <a:extLst>
+                <a:ext uri="{FF2B5EF4-FFF2-40B4-BE49-F238E27FC236}">
+                  <a16:creationId xmlns:a16="http://schemas.microsoft.com/office/drawing/2014/main" id="{87D8F888-FA82-7E4A-9226-A19461214208}"/>
+                </a:ext>
+              </a:extLst>
+            </p:cNvPr>
+            <p:cNvGrpSpPr/>
+            <p:nvPr/>
+          </p:nvGrpSpPr>
+          <p:grpSpPr>
+            <a:xfrm>
+              <a:off x="7247835" y="3971848"/>
+              <a:ext cx="1876735" cy="1050587"/>
+              <a:chOff x="3891792" y="3940042"/>
+              <a:chExt cx="1876735" cy="1050587"/>
+            </a:xfrm>
+          </p:grpSpPr>
+          <p:pic>
+            <p:nvPicPr>
+              <p:cNvPr id="87" name="Picture 86">
+                <a:extLst>
+                  <a:ext uri="{FF2B5EF4-FFF2-40B4-BE49-F238E27FC236}">
+                    <a16:creationId xmlns:a16="http://schemas.microsoft.com/office/drawing/2014/main" id="{C0708F8A-A6A8-1D4C-AD0C-C7E62DFB0AF7}"/>
+                  </a:ext>
+                </a:extLst>
+              </p:cNvPr>
+              <p:cNvPicPr>
+                <a:picLocks noChangeAspect="1" noChangeArrowheads="1"/>
+              </p:cNvPicPr>
+              <p:nvPr/>
+            </p:nvPicPr>
+            <p:blipFill>
+              <a:blip r:embed="rId2">
+                <a:duotone>
+                  <a:prstClr val="black"/>
+                  <a:schemeClr val="tx1">
+                    <a:tint val="45000"/>
+                    <a:satMod val="400000"/>
+                  </a:schemeClr>
+                </a:duotone>
+                <a:alphaModFix amt="20000"/>
+              </a:blip>
+              <a:srcRect/>
+              <a:stretch/>
+            </p:blipFill>
+            <p:spPr bwMode="auto">
+              <a:xfrm>
+                <a:off x="4489805" y="3940042"/>
+                <a:ext cx="1050587" cy="1050587"/>
+              </a:xfrm>
+              <a:prstGeom prst="rect">
+                <a:avLst/>
+              </a:prstGeom>
+              <a:noFill/>
+              <a:extLst>
+                <a:ext uri="{909E8E84-426E-40DD-AFC4-6F175D3DCCD1}">
+                  <a14:hiddenFill xmlns:a14="http://schemas.microsoft.com/office/drawing/2010/main">
+                    <a:solidFill>
+                      <a:srgbClr val="FFFFFF"/>
+                    </a:solidFill>
+                  </a14:hiddenFill>
+                </a:ext>
+              </a:extLst>
+            </p:spPr>
+          </p:pic>
+          <p:pic>
+            <p:nvPicPr>
+              <p:cNvPr id="88" name="Picture 4" descr="Youtube logo | Logok">
+                <a:extLst>
+                  <a:ext uri="{FF2B5EF4-FFF2-40B4-BE49-F238E27FC236}">
+                    <a16:creationId xmlns:a16="http://schemas.microsoft.com/office/drawing/2014/main" id="{355AE3CB-808F-0647-A83D-EB28A1455FE9}"/>
+                  </a:ext>
+                </a:extLst>
+              </p:cNvPr>
+              <p:cNvPicPr>
+                <a:picLocks noChangeAspect="1" noChangeArrowheads="1"/>
+              </p:cNvPicPr>
+              <p:nvPr/>
+            </p:nvPicPr>
+            <p:blipFill>
+              <a:blip r:embed="rId3">
+                <a:alphaModFix amt="20000"/>
+                <a:extLst>
+                  <a:ext uri="{28A0092B-C50C-407E-A947-70E740481C1C}">
+                    <a14:useLocalDpi xmlns:a14="http://schemas.microsoft.com/office/drawing/2010/main" val="0"/>
+                  </a:ext>
+                </a:extLst>
+              </a:blip>
+              <a:srcRect/>
+              <a:stretch>
+                <a:fillRect/>
+              </a:stretch>
+            </p:blipFill>
+            <p:spPr bwMode="auto">
+              <a:xfrm>
+                <a:off x="3891792" y="4187926"/>
+                <a:ext cx="739756" cy="554817"/>
+              </a:xfrm>
+              <a:prstGeom prst="rect">
+                <a:avLst/>
+              </a:prstGeom>
+              <a:noFill/>
+              <a:extLst>
+                <a:ext uri="{909E8E84-426E-40DD-AFC4-6F175D3DCCD1}">
+                  <a14:hiddenFill xmlns:a14="http://schemas.microsoft.com/office/drawing/2010/main">
+                    <a:solidFill>
+                      <a:srgbClr val="FFFFFF"/>
+                    </a:solidFill>
+                  </a14:hiddenFill>
+                </a:ext>
+              </a:extLst>
+            </p:spPr>
+          </p:pic>
+          <p:sp>
+            <p:nvSpPr>
+              <p:cNvPr id="89" name="Intelligent Information Retrieval Laboratory">
+                <a:extLst>
+                  <a:ext uri="{FF2B5EF4-FFF2-40B4-BE49-F238E27FC236}">
+                    <a16:creationId xmlns:a16="http://schemas.microsoft.com/office/drawing/2014/main" id="{D3A10DD1-2069-DD4A-BA23-8B59672BE406}"/>
+                  </a:ext>
+                </a:extLst>
+              </p:cNvPr>
+              <p:cNvSpPr txBox="1"/>
+              <p:nvPr/>
+            </p:nvSpPr>
+            <p:spPr>
+              <a:xfrm>
+                <a:off x="4549327" y="4365369"/>
+                <a:ext cx="1219200" cy="215396"/>
+              </a:xfrm>
+              <a:prstGeom prst="rect">
+                <a:avLst/>
+              </a:prstGeom>
+              <a:noFill/>
+              <a:ln w="12700" cap="flat">
+                <a:noFill/>
+                <a:miter lim="400000"/>
+              </a:ln>
+              <a:effectLst/>
+              <a:extLst>
+                <a:ext uri="{C572A759-6A51-4108-AA02-DFA0A04FC94B}">
+                  <ma14:wrappingTextBoxFlag xmlns="" xmlns:m="http://schemas.openxmlformats.org/officeDocument/2006/math" xmlns:a14="http://schemas.microsoft.com/office/drawing/2010/main" xmlns:ma14="http://schemas.microsoft.com/office/mac/drawingml/2011/main" val="1"/>
+                </a:ext>
+              </a:extLst>
+            </p:spPr>
+            <p:txBody>
+              <a:bodyPr wrap="square" lIns="71437" tIns="71437" rIns="71437" bIns="71437" numCol="1" anchor="ctr">
+                <a:spAutoFit/>
+              </a:bodyPr>
+              <a:lstStyle>
+                <a:lvl1pPr algn="l" defTabSz="821531">
+                  <a:defRPr sz="2400" b="0">
+                    <a:solidFill>
+                      <a:srgbClr val="FFFFFF"/>
+                    </a:solidFill>
+                    <a:latin typeface="Helvetica Neue Bold Condensed"/>
+                    <a:ea typeface="Helvetica Neue Bold Condensed"/>
+                    <a:cs typeface="Helvetica Neue Bold Condensed"/>
+                    <a:sym typeface="Helvetica Neue Bold Condensed"/>
+                  </a:defRPr>
+                </a:lvl1pPr>
+              </a:lstStyle>
+              <a:p>
+                <a:r>
+                  <a:rPr kumimoji="0" lang="en-US" altLang="zh-TW" sz="1800" b="0" i="0" u="none" strike="noStrike" cap="none" spc="0" normalizeH="0" baseline="0" dirty="0">
+                    <a:ln>
+                      <a:noFill/>
+                    </a:ln>
+                    <a:solidFill>
+                      <a:schemeClr val="tx1">
+                        <a:alpha val="15000"/>
+                      </a:schemeClr>
+                    </a:solidFill>
+                    <a:effectLst/>
+                    <a:uFillTx/>
+                    <a:latin typeface="Helvetica Neue Bold Condensed"/>
+                    <a:ea typeface="Helvetica Neue Bold Condensed"/>
+                    <a:cs typeface="Helvetica Neue Bold Condensed"/>
+                    <a:sym typeface="Helvetica Neue Bold Condensed"/>
+                  </a:rPr>
+                  <a:t>10</a:t>
+                </a:r>
+                <a:r>
+                  <a:rPr kumimoji="0" lang="zh-TW" altLang="en-US" sz="1800" b="0" i="0" u="none" strike="noStrike" cap="none" spc="0" normalizeH="0" baseline="0" dirty="0">
+                    <a:ln>
+                      <a:noFill/>
+                    </a:ln>
+                    <a:solidFill>
+                      <a:schemeClr val="tx1">
+                        <a:alpha val="15000"/>
+                      </a:schemeClr>
+                    </a:solidFill>
+                    <a:effectLst/>
+                    <a:uFillTx/>
+                    <a:sym typeface="Helvetica Neue Bold Condensed"/>
+                  </a:rPr>
+                  <a:t>程式中</a:t>
+                </a:r>
+                <a:endParaRPr sz="2000" dirty="0">
+                  <a:solidFill>
+                    <a:schemeClr val="tx1">
+                      <a:alpha val="15000"/>
+                    </a:schemeClr>
+                  </a:solidFill>
+                </a:endParaRPr>
+              </a:p>
+            </p:txBody>
+          </p:sp>
+        </p:grpSp>
+      </p:grpSp>
     </p:spTree>
     <p:extLst>
       <p:ext uri="{BB962C8B-B14F-4D97-AF65-F5344CB8AC3E}">
@@ -6984,7 +7531,7 @@
         </p:nvSpPr>
         <p:spPr>
           <a:xfrm>
-            <a:off x="3529699" y="1923000"/>
+            <a:off x="4045265" y="2292651"/>
             <a:ext cx="237067" cy="191911"/>
           </a:xfrm>
           <a:prstGeom prst="triangle">
@@ -7052,7 +7599,7 @@
         </p:nvSpPr>
         <p:spPr>
           <a:xfrm>
-            <a:off x="2691498" y="1932456"/>
+            <a:off x="3207064" y="2302107"/>
             <a:ext cx="237067" cy="191911"/>
           </a:xfrm>
           <a:prstGeom prst="triangle">
@@ -7120,7 +7667,7 @@
         </p:nvSpPr>
         <p:spPr>
           <a:xfrm>
-            <a:off x="4249366" y="2191816"/>
+            <a:off x="4764932" y="2561467"/>
             <a:ext cx="237067" cy="191911"/>
           </a:xfrm>
           <a:prstGeom prst="triangle">
@@ -7188,7 +7735,7 @@
         </p:nvSpPr>
         <p:spPr>
           <a:xfrm>
-            <a:off x="3411165" y="3039894"/>
+            <a:off x="3926731" y="3409545"/>
             <a:ext cx="237067" cy="191911"/>
           </a:xfrm>
           <a:prstGeom prst="triangle">
@@ -7256,7 +7803,7 @@
         </p:nvSpPr>
         <p:spPr>
           <a:xfrm>
-            <a:off x="3195364" y="3393577"/>
+            <a:off x="3710930" y="3763228"/>
             <a:ext cx="237067" cy="191911"/>
           </a:xfrm>
           <a:prstGeom prst="triangle">
@@ -7326,7 +7873,7 @@
         </p:nvSpPr>
         <p:spPr>
           <a:xfrm>
-            <a:off x="1692433" y="2191816"/>
+            <a:off x="2207999" y="2561467"/>
             <a:ext cx="180000" cy="180000"/>
           </a:xfrm>
           <a:prstGeom prst="rect">
@@ -7396,7 +7943,7 @@
         </p:nvSpPr>
         <p:spPr>
           <a:xfrm>
-            <a:off x="1692433" y="2895171"/>
+            <a:off x="2207999" y="3264822"/>
             <a:ext cx="180000" cy="180000"/>
           </a:xfrm>
           <a:prstGeom prst="rect">
@@ -7466,7 +8013,7 @@
         </p:nvSpPr>
         <p:spPr>
           <a:xfrm>
-            <a:off x="1692433" y="3308315"/>
+            <a:off x="2207999" y="3677966"/>
             <a:ext cx="180000" cy="180000"/>
           </a:xfrm>
           <a:prstGeom prst="rect">
@@ -7536,7 +8083,7 @@
         </p:nvSpPr>
         <p:spPr>
           <a:xfrm>
-            <a:off x="2111533" y="2920403"/>
+            <a:off x="2627099" y="3290054"/>
             <a:ext cx="180000" cy="180000"/>
           </a:xfrm>
           <a:prstGeom prst="rect">
@@ -7606,7 +8153,7 @@
         </p:nvSpPr>
         <p:spPr>
           <a:xfrm>
-            <a:off x="3174098" y="2437314"/>
+            <a:off x="3689664" y="2806965"/>
             <a:ext cx="180000" cy="180000"/>
           </a:xfrm>
           <a:prstGeom prst="rect">
@@ -7676,7 +8223,7 @@
         </p:nvSpPr>
         <p:spPr>
           <a:xfrm>
-            <a:off x="2587076" y="3300555"/>
+            <a:off x="3102642" y="3670206"/>
             <a:ext cx="180000" cy="180000"/>
           </a:xfrm>
           <a:prstGeom prst="rect">
@@ -7746,7 +8293,7 @@
         </p:nvSpPr>
         <p:spPr>
           <a:xfrm>
-            <a:off x="2526444" y="2702424"/>
+            <a:off x="3042010" y="3072075"/>
             <a:ext cx="1260000" cy="1260000"/>
           </a:xfrm>
           <a:prstGeom prst="ellipse">
@@ -7816,7 +8363,7 @@
         </p:nvSpPr>
         <p:spPr>
           <a:xfrm>
-            <a:off x="3054165" y="3218712"/>
+            <a:off x="3569731" y="3588363"/>
             <a:ext cx="216000" cy="216000"/>
           </a:xfrm>
           <a:prstGeom prst="ellipse">
@@ -7884,7 +8431,7 @@
         </p:nvSpPr>
         <p:spPr>
           <a:xfrm>
-            <a:off x="8370831" y="1923000"/>
+            <a:off x="8886397" y="2292651"/>
             <a:ext cx="237067" cy="191911"/>
           </a:xfrm>
           <a:prstGeom prst="triangle">
@@ -7952,7 +8499,7 @@
         </p:nvSpPr>
         <p:spPr>
           <a:xfrm>
-            <a:off x="7532630" y="1932456"/>
+            <a:off x="8048196" y="2302107"/>
             <a:ext cx="237067" cy="191911"/>
           </a:xfrm>
           <a:prstGeom prst="triangle">
@@ -8020,7 +8567,7 @@
         </p:nvSpPr>
         <p:spPr>
           <a:xfrm>
-            <a:off x="9090498" y="2191816"/>
+            <a:off x="9606064" y="2561467"/>
             <a:ext cx="237067" cy="191911"/>
           </a:xfrm>
           <a:prstGeom prst="triangle">
@@ -8088,7 +8635,7 @@
         </p:nvSpPr>
         <p:spPr>
           <a:xfrm>
-            <a:off x="8252297" y="3039894"/>
+            <a:off x="8767863" y="3409545"/>
             <a:ext cx="237067" cy="191911"/>
           </a:xfrm>
           <a:prstGeom prst="triangle">
@@ -8156,7 +8703,7 @@
         </p:nvSpPr>
         <p:spPr>
           <a:xfrm>
-            <a:off x="8036496" y="3393577"/>
+            <a:off x="8552062" y="3763228"/>
             <a:ext cx="237067" cy="191911"/>
           </a:xfrm>
           <a:prstGeom prst="triangle">
@@ -8226,7 +8773,7 @@
         </p:nvSpPr>
         <p:spPr>
           <a:xfrm>
-            <a:off x="6533565" y="2191816"/>
+            <a:off x="7049131" y="2561467"/>
             <a:ext cx="180000" cy="180000"/>
           </a:xfrm>
           <a:prstGeom prst="rect">
@@ -8296,7 +8843,7 @@
         </p:nvSpPr>
         <p:spPr>
           <a:xfrm>
-            <a:off x="6533565" y="2895171"/>
+            <a:off x="7049131" y="3264822"/>
             <a:ext cx="180000" cy="180000"/>
           </a:xfrm>
           <a:prstGeom prst="rect">
@@ -8366,7 +8913,7 @@
         </p:nvSpPr>
         <p:spPr>
           <a:xfrm>
-            <a:off x="6533565" y="3308315"/>
+            <a:off x="7049131" y="3677966"/>
             <a:ext cx="180000" cy="180000"/>
           </a:xfrm>
           <a:prstGeom prst="rect">
@@ -8436,7 +8983,7 @@
         </p:nvSpPr>
         <p:spPr>
           <a:xfrm>
-            <a:off x="6952665" y="2920403"/>
+            <a:off x="7468231" y="3290054"/>
             <a:ext cx="180000" cy="180000"/>
           </a:xfrm>
           <a:prstGeom prst="rect">
@@ -8506,7 +9053,7 @@
         </p:nvSpPr>
         <p:spPr>
           <a:xfrm>
-            <a:off x="8015230" y="2437314"/>
+            <a:off x="8530796" y="2806965"/>
             <a:ext cx="180000" cy="180000"/>
           </a:xfrm>
           <a:prstGeom prst="rect">
@@ -8576,7 +9123,7 @@
         </p:nvSpPr>
         <p:spPr>
           <a:xfrm>
-            <a:off x="7428208" y="3300555"/>
+            <a:off x="7943774" y="3670206"/>
             <a:ext cx="180000" cy="180000"/>
           </a:xfrm>
           <a:prstGeom prst="rect">
@@ -8644,7 +9191,7 @@
         </p:nvSpPr>
         <p:spPr>
           <a:xfrm>
-            <a:off x="6846366" y="2164653"/>
+            <a:off x="7361932" y="2534304"/>
             <a:ext cx="2340000" cy="2340000"/>
           </a:xfrm>
           <a:prstGeom prst="ellipse">
@@ -8714,7 +9261,7 @@
         </p:nvSpPr>
         <p:spPr>
           <a:xfrm>
-            <a:off x="7895297" y="3218712"/>
+            <a:off x="8410863" y="3588363"/>
             <a:ext cx="216000" cy="216000"/>
           </a:xfrm>
           <a:prstGeom prst="ellipse">
@@ -8782,7 +9329,7 @@
         </p:nvSpPr>
         <p:spPr>
           <a:xfrm>
-            <a:off x="2428380" y="4629551"/>
+            <a:off x="2943946" y="4999202"/>
             <a:ext cx="1358064" cy="369332"/>
           </a:xfrm>
           <a:prstGeom prst="rect">
@@ -8832,7 +9379,7 @@
         </p:nvSpPr>
         <p:spPr>
           <a:xfrm>
-            <a:off x="3737413" y="4718261"/>
+            <a:off x="4252979" y="5087912"/>
             <a:ext cx="237067" cy="191911"/>
           </a:xfrm>
           <a:prstGeom prst="triangle">
@@ -8900,7 +9447,7 @@
         </p:nvSpPr>
         <p:spPr>
           <a:xfrm>
-            <a:off x="7336198" y="4684092"/>
+            <a:off x="7851764" y="5053743"/>
             <a:ext cx="1358064" cy="369332"/>
           </a:xfrm>
           <a:prstGeom prst="rect">
@@ -8952,7 +9499,7 @@
         </p:nvSpPr>
         <p:spPr>
           <a:xfrm>
-            <a:off x="8682258" y="4778758"/>
+            <a:off x="9197824" y="5148409"/>
             <a:ext cx="180000" cy="180000"/>
           </a:xfrm>
           <a:prstGeom prst="rect">
@@ -9006,6 +9553,551 @@
           </a:p>
         </p:txBody>
       </p:sp>
+      <p:grpSp>
+        <p:nvGrpSpPr>
+          <p:cNvPr id="44" name="Group 43">
+            <a:extLst>
+              <a:ext uri="{FF2B5EF4-FFF2-40B4-BE49-F238E27FC236}">
+                <a16:creationId xmlns:a16="http://schemas.microsoft.com/office/drawing/2014/main" id="{32B3A81B-9A59-1247-A80D-F59E0CA40F5A}"/>
+              </a:ext>
+            </a:extLst>
+          </p:cNvPr>
+          <p:cNvGrpSpPr/>
+          <p:nvPr/>
+        </p:nvGrpSpPr>
+        <p:grpSpPr>
+          <a:xfrm>
+            <a:off x="1585059" y="4974603"/>
+            <a:ext cx="9302184" cy="2054723"/>
+            <a:chOff x="3360126" y="3971848"/>
+            <a:chExt cx="5764444" cy="1050587"/>
+          </a:xfrm>
+        </p:grpSpPr>
+        <p:grpSp>
+          <p:nvGrpSpPr>
+            <p:cNvPr id="46" name="Group 45">
+              <a:extLst>
+                <a:ext uri="{FF2B5EF4-FFF2-40B4-BE49-F238E27FC236}">
+                  <a16:creationId xmlns:a16="http://schemas.microsoft.com/office/drawing/2014/main" id="{A9678CA4-F11C-0142-9968-E46C1DB6B5EA}"/>
+                </a:ext>
+              </a:extLst>
+            </p:cNvPr>
+            <p:cNvGrpSpPr/>
+            <p:nvPr/>
+          </p:nvGrpSpPr>
+          <p:grpSpPr>
+            <a:xfrm>
+              <a:off x="3360126" y="4381750"/>
+              <a:ext cx="2735874" cy="215396"/>
+              <a:chOff x="7237110" y="4330673"/>
+              <a:chExt cx="2735874" cy="215396"/>
+            </a:xfrm>
+          </p:grpSpPr>
+          <p:sp>
+            <p:nvSpPr>
+              <p:cNvPr id="55" name="Intelligent Information Retrieval Laboratory">
+                <a:extLst>
+                  <a:ext uri="{FF2B5EF4-FFF2-40B4-BE49-F238E27FC236}">
+                    <a16:creationId xmlns:a16="http://schemas.microsoft.com/office/drawing/2014/main" id="{AA605323-7EA6-8142-AD85-62E2C3C98F88}"/>
+                  </a:ext>
+                </a:extLst>
+              </p:cNvPr>
+              <p:cNvSpPr txBox="1"/>
+              <p:nvPr/>
+            </p:nvSpPr>
+            <p:spPr>
+              <a:xfrm>
+                <a:off x="7237110" y="4330673"/>
+                <a:ext cx="2590800" cy="215396"/>
+              </a:xfrm>
+              <a:prstGeom prst="rect">
+                <a:avLst/>
+              </a:prstGeom>
+              <a:noFill/>
+              <a:ln w="12700" cap="flat">
+                <a:noFill/>
+                <a:miter lim="400000"/>
+              </a:ln>
+              <a:effectLst/>
+              <a:extLst>
+                <a:ext uri="{C572A759-6A51-4108-AA02-DFA0A04FC94B}">
+                  <ma14:wrappingTextBoxFlag xmlns="" xmlns:m="http://schemas.openxmlformats.org/officeDocument/2006/math" xmlns:a14="http://schemas.microsoft.com/office/drawing/2010/main" xmlns:ma14="http://schemas.microsoft.com/office/mac/drawingml/2011/main" val="1"/>
+                </a:ext>
+              </a:extLst>
+            </p:spPr>
+            <p:txBody>
+              <a:bodyPr wrap="square" lIns="71437" tIns="71437" rIns="71437" bIns="71437" numCol="1" anchor="ctr">
+                <a:spAutoFit/>
+              </a:bodyPr>
+              <a:lstStyle>
+                <a:lvl1pPr algn="l" defTabSz="821531">
+                  <a:defRPr sz="2400" b="0">
+                    <a:solidFill>
+                      <a:srgbClr val="FFFFFF"/>
+                    </a:solidFill>
+                    <a:latin typeface="Helvetica Neue Bold Condensed"/>
+                    <a:ea typeface="Helvetica Neue Bold Condensed"/>
+                    <a:cs typeface="Helvetica Neue Bold Condensed"/>
+                    <a:sym typeface="Helvetica Neue Bold Condensed"/>
+                  </a:defRPr>
+                </a:lvl1pPr>
+              </a:lstStyle>
+              <a:p>
+                <a:r>
+                  <a:rPr kumimoji="0" lang="zh-TW" altLang="en-US" sz="1400" b="0" i="0" u="none" strike="noStrike" cap="none" spc="0" normalizeH="0" baseline="0" dirty="0">
+                    <a:ln>
+                      <a:noFill/>
+                    </a:ln>
+                    <a:solidFill>
+                      <a:schemeClr val="tx1">
+                        <a:alpha val="15000"/>
+                      </a:schemeClr>
+                    </a:solidFill>
+                    <a:effectLst/>
+                    <a:uFillTx/>
+                    <a:latin typeface="Helvetica Neue Bold Condensed"/>
+                    <a:ea typeface="Helvetica Neue Bold Condensed"/>
+                    <a:cs typeface="Helvetica Neue Bold Condensed"/>
+                    <a:sym typeface="Helvetica Neue Bold Condensed"/>
+                  </a:rPr>
+                  <a:t>第</a:t>
+                </a:r>
+                <a:r>
+                  <a:rPr kumimoji="0" lang="en-US" altLang="zh-TW" sz="1400" b="0" i="0" u="none" strike="noStrike" cap="none" spc="0" normalizeH="0" baseline="0" dirty="0">
+                    <a:ln>
+                      <a:noFill/>
+                    </a:ln>
+                    <a:solidFill>
+                      <a:schemeClr val="tx1">
+                        <a:alpha val="15000"/>
+                      </a:schemeClr>
+                    </a:solidFill>
+                    <a:effectLst/>
+                    <a:uFillTx/>
+                    <a:latin typeface="Helvetica Neue Bold Condensed"/>
+                    <a:ea typeface="Helvetica Neue Bold Condensed"/>
+                    <a:cs typeface="Helvetica Neue Bold Condensed"/>
+                    <a:sym typeface="Helvetica Neue Bold Condensed"/>
+                  </a:rPr>
+                  <a:t>13</a:t>
+                </a:r>
+                <a:r>
+                  <a:rPr kumimoji="0" lang="zh-TW" altLang="en-US" sz="1400" b="0" i="0" u="none" strike="noStrike" cap="none" spc="0" normalizeH="0" baseline="0" dirty="0">
+                    <a:ln>
+                      <a:noFill/>
+                    </a:ln>
+                    <a:solidFill>
+                      <a:schemeClr val="tx1">
+                        <a:alpha val="15000"/>
+                      </a:schemeClr>
+                    </a:solidFill>
+                    <a:effectLst/>
+                    <a:uFillTx/>
+                    <a:latin typeface="Helvetica Neue Bold Condensed"/>
+                    <a:ea typeface="Helvetica Neue Bold Condensed"/>
+                    <a:cs typeface="Helvetica Neue Bold Condensed"/>
+                    <a:sym typeface="Helvetica Neue Bold Condensed"/>
+                  </a:rPr>
+                  <a:t>屆 </a:t>
+                </a:r>
+                <a:r>
+                  <a:rPr kumimoji="0" lang="en-US" sz="1800" b="0" i="0" u="none" strike="noStrike" cap="none" spc="0" normalizeH="0" baseline="0" dirty="0">
+                    <a:ln>
+                      <a:noFill/>
+                    </a:ln>
+                    <a:solidFill>
+                      <a:schemeClr val="tx1">
+                        <a:alpha val="15000"/>
+                      </a:schemeClr>
+                    </a:solidFill>
+                    <a:effectLst/>
+                    <a:uFillTx/>
+                    <a:latin typeface="Helvetica Neue Bold Condensed"/>
+                    <a:ea typeface="Helvetica Neue Bold Condensed"/>
+                    <a:cs typeface="Helvetica Neue Bold Condensed"/>
+                    <a:sym typeface="Helvetica Neue Bold Condensed"/>
+                  </a:rPr>
+                  <a:t>iT</a:t>
+                </a:r>
+                <a:r>
+                  <a:rPr kumimoji="0" lang="zh-TW" altLang="en-US" sz="1600" b="0" i="0" u="none" strike="noStrike" cap="none" spc="0" normalizeH="0" baseline="0" dirty="0">
+                    <a:ln>
+                      <a:noFill/>
+                    </a:ln>
+                    <a:solidFill>
+                      <a:schemeClr val="tx1">
+                        <a:alpha val="15000"/>
+                      </a:schemeClr>
+                    </a:solidFill>
+                    <a:effectLst/>
+                    <a:uFillTx/>
+                    <a:latin typeface="Helvetica Neue Bold Condensed"/>
+                    <a:ea typeface="Helvetica Neue Bold Condensed"/>
+                    <a:cs typeface="Helvetica Neue Bold Condensed"/>
+                    <a:sym typeface="Helvetica Neue Bold Condensed"/>
+                  </a:rPr>
+                  <a:t>邦</a:t>
+                </a:r>
+                <a:r>
+                  <a:rPr kumimoji="0" lang="zh-TW" altLang="en-US" sz="1200" b="0" i="0" u="none" strike="noStrike" cap="none" spc="0" normalizeH="0" baseline="0" dirty="0">
+                    <a:ln>
+                      <a:noFill/>
+                    </a:ln>
+                    <a:solidFill>
+                      <a:schemeClr val="tx1">
+                        <a:alpha val="15000"/>
+                      </a:schemeClr>
+                    </a:solidFill>
+                    <a:effectLst/>
+                    <a:uFillTx/>
+                    <a:latin typeface="Helvetica Neue Bold Condensed"/>
+                    <a:ea typeface="Helvetica Neue Bold Condensed"/>
+                    <a:cs typeface="Helvetica Neue Bold Condensed"/>
+                    <a:sym typeface="Helvetica Neue Bold Condensed"/>
+                  </a:rPr>
+                  <a:t>幫忙</a:t>
+                </a:r>
+                <a:r>
+                  <a:rPr kumimoji="0" lang="zh-TW" altLang="en-US" sz="1600" b="0" i="0" u="none" strike="noStrike" cap="none" spc="0" normalizeH="0" baseline="0" dirty="0">
+                    <a:ln>
+                      <a:noFill/>
+                    </a:ln>
+                    <a:solidFill>
+                      <a:schemeClr val="tx1">
+                        <a:alpha val="15000"/>
+                      </a:schemeClr>
+                    </a:solidFill>
+                    <a:effectLst/>
+                    <a:uFillTx/>
+                    <a:latin typeface="Helvetica Neue Bold Condensed"/>
+                    <a:ea typeface="Helvetica Neue Bold Condensed"/>
+                    <a:cs typeface="Helvetica Neue Bold Condensed"/>
+                    <a:sym typeface="Helvetica Neue Bold Condensed"/>
+                  </a:rPr>
+                  <a:t> 鐵人賽</a:t>
+                </a:r>
+                <a:endParaRPr sz="1600" dirty="0">
+                  <a:solidFill>
+                    <a:schemeClr val="tx1">
+                      <a:alpha val="15000"/>
+                    </a:schemeClr>
+                  </a:solidFill>
+                </a:endParaRPr>
+              </a:p>
+            </p:txBody>
+          </p:sp>
+          <p:sp>
+            <p:nvSpPr>
+              <p:cNvPr id="56" name="Intelligent Information Retrieval Laboratory">
+                <a:extLst>
+                  <a:ext uri="{FF2B5EF4-FFF2-40B4-BE49-F238E27FC236}">
+                    <a16:creationId xmlns:a16="http://schemas.microsoft.com/office/drawing/2014/main" id="{F9419B5E-2DBC-E54D-9339-E5EAF5D0652A}"/>
+                  </a:ext>
+                </a:extLst>
+              </p:cNvPr>
+              <p:cNvSpPr txBox="1"/>
+              <p:nvPr/>
+            </p:nvSpPr>
+            <p:spPr>
+              <a:xfrm>
+                <a:off x="8753784" y="4354105"/>
+                <a:ext cx="1219200" cy="183922"/>
+              </a:xfrm>
+              <a:prstGeom prst="rect">
+                <a:avLst/>
+              </a:prstGeom>
+              <a:noFill/>
+              <a:ln w="12700" cap="flat">
+                <a:noFill/>
+                <a:miter lim="400000"/>
+              </a:ln>
+              <a:effectLst/>
+              <a:extLst>
+                <a:ext uri="{C572A759-6A51-4108-AA02-DFA0A04FC94B}">
+                  <ma14:wrappingTextBoxFlag xmlns="" xmlns:m="http://schemas.openxmlformats.org/officeDocument/2006/math" xmlns:a14="http://schemas.microsoft.com/office/drawing/2010/main" xmlns:ma14="http://schemas.microsoft.com/office/mac/drawingml/2011/main" val="1"/>
+                </a:ext>
+              </a:extLst>
+            </p:spPr>
+            <p:txBody>
+              <a:bodyPr wrap="square" lIns="71437" tIns="71437" rIns="71437" bIns="71437" numCol="1" anchor="ctr">
+                <a:spAutoFit/>
+              </a:bodyPr>
+              <a:lstStyle>
+                <a:lvl1pPr algn="l" defTabSz="821531">
+                  <a:defRPr sz="2400" b="0">
+                    <a:solidFill>
+                      <a:srgbClr val="FFFFFF"/>
+                    </a:solidFill>
+                    <a:latin typeface="Helvetica Neue Bold Condensed"/>
+                    <a:ea typeface="Helvetica Neue Bold Condensed"/>
+                    <a:cs typeface="Helvetica Neue Bold Condensed"/>
+                    <a:sym typeface="Helvetica Neue Bold Condensed"/>
+                  </a:defRPr>
+                </a:lvl1pPr>
+              </a:lstStyle>
+              <a:p>
+                <a:r>
+                  <a:rPr kumimoji="0" lang="en-US" altLang="zh-TW" sz="1400" b="0" i="0" u="none" strike="noStrike" cap="none" spc="0" normalizeH="0" baseline="0" dirty="0">
+                    <a:ln>
+                      <a:noFill/>
+                    </a:ln>
+                    <a:solidFill>
+                      <a:schemeClr val="tx1">
+                        <a:alpha val="15000"/>
+                      </a:schemeClr>
+                    </a:solidFill>
+                    <a:effectLst/>
+                    <a:uFillTx/>
+                    <a:latin typeface="Helvetica Neue Bold Condensed"/>
+                    <a:ea typeface="Helvetica Neue Bold Condensed"/>
+                    <a:cs typeface="Helvetica Neue Bold Condensed"/>
+                    <a:sym typeface="Helvetica Neue Bold Condensed"/>
+                  </a:rPr>
+                  <a:t>AI &amp; Data </a:t>
+                </a:r>
+                <a:r>
+                  <a:rPr kumimoji="0" lang="zh-TW" altLang="en-US" sz="1400" b="0" i="0" u="none" strike="noStrike" cap="none" spc="0" normalizeH="0" baseline="0" dirty="0">
+                    <a:ln>
+                      <a:noFill/>
+                    </a:ln>
+                    <a:solidFill>
+                      <a:schemeClr val="tx1">
+                        <a:alpha val="15000"/>
+                      </a:schemeClr>
+                    </a:solidFill>
+                    <a:effectLst/>
+                    <a:uFillTx/>
+                    <a:latin typeface="Helvetica Neue Bold Condensed"/>
+                    <a:ea typeface="Helvetica Neue Bold Condensed"/>
+                    <a:cs typeface="Helvetica Neue Bold Condensed"/>
+                    <a:sym typeface="Helvetica Neue Bold Condensed"/>
+                  </a:rPr>
+                  <a:t>組</a:t>
+                </a:r>
+                <a:endParaRPr sz="1600" dirty="0">
+                  <a:solidFill>
+                    <a:schemeClr val="tx1">
+                      <a:alpha val="15000"/>
+                    </a:schemeClr>
+                  </a:solidFill>
+                </a:endParaRPr>
+              </a:p>
+            </p:txBody>
+          </p:sp>
+        </p:grpSp>
+        <p:grpSp>
+          <p:nvGrpSpPr>
+            <p:cNvPr id="51" name="Group 50">
+              <a:extLst>
+                <a:ext uri="{FF2B5EF4-FFF2-40B4-BE49-F238E27FC236}">
+                  <a16:creationId xmlns:a16="http://schemas.microsoft.com/office/drawing/2014/main" id="{989C2D8C-DC8D-B842-BCBF-74EB50E2C2C2}"/>
+                </a:ext>
+              </a:extLst>
+            </p:cNvPr>
+            <p:cNvGrpSpPr/>
+            <p:nvPr/>
+          </p:nvGrpSpPr>
+          <p:grpSpPr>
+            <a:xfrm>
+              <a:off x="7247835" y="3971848"/>
+              <a:ext cx="1876735" cy="1050587"/>
+              <a:chOff x="3891792" y="3940042"/>
+              <a:chExt cx="1876735" cy="1050587"/>
+            </a:xfrm>
+          </p:grpSpPr>
+          <p:pic>
+            <p:nvPicPr>
+              <p:cNvPr id="52" name="Picture 51">
+                <a:extLst>
+                  <a:ext uri="{FF2B5EF4-FFF2-40B4-BE49-F238E27FC236}">
+                    <a16:creationId xmlns:a16="http://schemas.microsoft.com/office/drawing/2014/main" id="{387C0914-F26E-F044-ABCD-6F3EA61A6C99}"/>
+                  </a:ext>
+                </a:extLst>
+              </p:cNvPr>
+              <p:cNvPicPr>
+                <a:picLocks noChangeAspect="1" noChangeArrowheads="1"/>
+              </p:cNvPicPr>
+              <p:nvPr/>
+            </p:nvPicPr>
+            <p:blipFill>
+              <a:blip r:embed="rId2">
+                <a:duotone>
+                  <a:prstClr val="black"/>
+                  <a:schemeClr val="tx1">
+                    <a:tint val="45000"/>
+                    <a:satMod val="400000"/>
+                  </a:schemeClr>
+                </a:duotone>
+                <a:alphaModFix amt="20000"/>
+              </a:blip>
+              <a:srcRect/>
+              <a:stretch/>
+            </p:blipFill>
+            <p:spPr bwMode="auto">
+              <a:xfrm>
+                <a:off x="4489805" y="3940042"/>
+                <a:ext cx="1050587" cy="1050587"/>
+              </a:xfrm>
+              <a:prstGeom prst="rect">
+                <a:avLst/>
+              </a:prstGeom>
+              <a:noFill/>
+              <a:extLst>
+                <a:ext uri="{909E8E84-426E-40DD-AFC4-6F175D3DCCD1}">
+                  <a14:hiddenFill xmlns:a14="http://schemas.microsoft.com/office/drawing/2010/main">
+                    <a:solidFill>
+                      <a:srgbClr val="FFFFFF"/>
+                    </a:solidFill>
+                  </a14:hiddenFill>
+                </a:ext>
+              </a:extLst>
+            </p:spPr>
+          </p:pic>
+          <p:pic>
+            <p:nvPicPr>
+              <p:cNvPr id="53" name="Picture 4" descr="Youtube logo | Logok">
+                <a:extLst>
+                  <a:ext uri="{FF2B5EF4-FFF2-40B4-BE49-F238E27FC236}">
+                    <a16:creationId xmlns:a16="http://schemas.microsoft.com/office/drawing/2014/main" id="{F1817DC9-B52D-5D4B-B190-F069927FCB54}"/>
+                  </a:ext>
+                </a:extLst>
+              </p:cNvPr>
+              <p:cNvPicPr>
+                <a:picLocks noChangeAspect="1" noChangeArrowheads="1"/>
+              </p:cNvPicPr>
+              <p:nvPr/>
+            </p:nvPicPr>
+            <p:blipFill>
+              <a:blip r:embed="rId3">
+                <a:alphaModFix amt="20000"/>
+                <a:extLst>
+                  <a:ext uri="{28A0092B-C50C-407E-A947-70E740481C1C}">
+                    <a14:useLocalDpi xmlns:a14="http://schemas.microsoft.com/office/drawing/2010/main" val="0"/>
+                  </a:ext>
+                </a:extLst>
+              </a:blip>
+              <a:srcRect/>
+              <a:stretch>
+                <a:fillRect/>
+              </a:stretch>
+            </p:blipFill>
+            <p:spPr bwMode="auto">
+              <a:xfrm>
+                <a:off x="3891792" y="4187926"/>
+                <a:ext cx="739756" cy="554817"/>
+              </a:xfrm>
+              <a:prstGeom prst="rect">
+                <a:avLst/>
+              </a:prstGeom>
+              <a:noFill/>
+              <a:extLst>
+                <a:ext uri="{909E8E84-426E-40DD-AFC4-6F175D3DCCD1}">
+                  <a14:hiddenFill xmlns:a14="http://schemas.microsoft.com/office/drawing/2010/main">
+                    <a:solidFill>
+                      <a:srgbClr val="FFFFFF"/>
+                    </a:solidFill>
+                  </a14:hiddenFill>
+                </a:ext>
+              </a:extLst>
+            </p:spPr>
+          </p:pic>
+          <p:sp>
+            <p:nvSpPr>
+              <p:cNvPr id="54" name="Intelligent Information Retrieval Laboratory">
+                <a:extLst>
+                  <a:ext uri="{FF2B5EF4-FFF2-40B4-BE49-F238E27FC236}">
+                    <a16:creationId xmlns:a16="http://schemas.microsoft.com/office/drawing/2014/main" id="{D9BBF8D7-9399-C547-9F3B-D79A5BBCE6BD}"/>
+                  </a:ext>
+                </a:extLst>
+              </p:cNvPr>
+              <p:cNvSpPr txBox="1"/>
+              <p:nvPr/>
+            </p:nvSpPr>
+            <p:spPr>
+              <a:xfrm>
+                <a:off x="4549327" y="4365369"/>
+                <a:ext cx="1219200" cy="215396"/>
+              </a:xfrm>
+              <a:prstGeom prst="rect">
+                <a:avLst/>
+              </a:prstGeom>
+              <a:noFill/>
+              <a:ln w="12700" cap="flat">
+                <a:noFill/>
+                <a:miter lim="400000"/>
+              </a:ln>
+              <a:effectLst/>
+              <a:extLst>
+                <a:ext uri="{C572A759-6A51-4108-AA02-DFA0A04FC94B}">
+                  <ma14:wrappingTextBoxFlag xmlns="" xmlns:m="http://schemas.openxmlformats.org/officeDocument/2006/math" xmlns:a14="http://schemas.microsoft.com/office/drawing/2010/main" xmlns:ma14="http://schemas.microsoft.com/office/mac/drawingml/2011/main" val="1"/>
+                </a:ext>
+              </a:extLst>
+            </p:spPr>
+            <p:txBody>
+              <a:bodyPr wrap="square" lIns="71437" tIns="71437" rIns="71437" bIns="71437" numCol="1" anchor="ctr">
+                <a:spAutoFit/>
+              </a:bodyPr>
+              <a:lstStyle>
+                <a:lvl1pPr algn="l" defTabSz="821531">
+                  <a:defRPr sz="2400" b="0">
+                    <a:solidFill>
+                      <a:srgbClr val="FFFFFF"/>
+                    </a:solidFill>
+                    <a:latin typeface="Helvetica Neue Bold Condensed"/>
+                    <a:ea typeface="Helvetica Neue Bold Condensed"/>
+                    <a:cs typeface="Helvetica Neue Bold Condensed"/>
+                    <a:sym typeface="Helvetica Neue Bold Condensed"/>
+                  </a:defRPr>
+                </a:lvl1pPr>
+              </a:lstStyle>
+              <a:p>
+                <a:r>
+                  <a:rPr kumimoji="0" lang="en-US" altLang="zh-TW" sz="1800" b="0" i="0" u="none" strike="noStrike" cap="none" spc="0" normalizeH="0" baseline="0" dirty="0">
+                    <a:ln>
+                      <a:noFill/>
+                    </a:ln>
+                    <a:solidFill>
+                      <a:schemeClr val="tx1">
+                        <a:alpha val="15000"/>
+                      </a:schemeClr>
+                    </a:solidFill>
+                    <a:effectLst/>
+                    <a:uFillTx/>
+                    <a:latin typeface="Helvetica Neue Bold Condensed"/>
+                    <a:ea typeface="Helvetica Neue Bold Condensed"/>
+                    <a:cs typeface="Helvetica Neue Bold Condensed"/>
+                    <a:sym typeface="Helvetica Neue Bold Condensed"/>
+                  </a:rPr>
+                  <a:t>10</a:t>
+                </a:r>
+                <a:r>
+                  <a:rPr kumimoji="0" lang="zh-TW" altLang="en-US" sz="1800" b="0" i="0" u="none" strike="noStrike" cap="none" spc="0" normalizeH="0" baseline="0" dirty="0">
+                    <a:ln>
+                      <a:noFill/>
+                    </a:ln>
+                    <a:solidFill>
+                      <a:schemeClr val="tx1">
+                        <a:alpha val="15000"/>
+                      </a:schemeClr>
+                    </a:solidFill>
+                    <a:effectLst/>
+                    <a:uFillTx/>
+                    <a:sym typeface="Helvetica Neue Bold Condensed"/>
+                  </a:rPr>
+                  <a:t>程式中</a:t>
+                </a:r>
+                <a:endParaRPr sz="2000" dirty="0">
+                  <a:solidFill>
+                    <a:schemeClr val="tx1">
+                      <a:alpha val="15000"/>
+                    </a:schemeClr>
+                  </a:solidFill>
+                </a:endParaRPr>
+              </a:p>
+            </p:txBody>
+          </p:sp>
+        </p:grpSp>
+      </p:grpSp>
     </p:spTree>
     <p:extLst>
       <p:ext uri="{BB962C8B-B14F-4D97-AF65-F5344CB8AC3E}">
@@ -9176,6 +10268,611 @@
           <a:chExt cx="0" cy="0"/>
         </a:xfrm>
       </p:grpSpPr>
+      <p:grpSp>
+        <p:nvGrpSpPr>
+          <p:cNvPr id="3" name="Group 2">
+            <a:extLst>
+              <a:ext uri="{FF2B5EF4-FFF2-40B4-BE49-F238E27FC236}">
+                <a16:creationId xmlns:a16="http://schemas.microsoft.com/office/drawing/2014/main" id="{3DADE246-0A4B-204F-996A-4AE188D9D025}"/>
+              </a:ext>
+            </a:extLst>
+          </p:cNvPr>
+          <p:cNvGrpSpPr/>
+          <p:nvPr/>
+        </p:nvGrpSpPr>
+        <p:grpSpPr>
+          <a:xfrm>
+            <a:off x="3432879" y="4446741"/>
+            <a:ext cx="5764444" cy="1050587"/>
+            <a:chOff x="3360126" y="3971848"/>
+            <a:chExt cx="5764444" cy="1050587"/>
+          </a:xfrm>
+        </p:grpSpPr>
+        <p:grpSp>
+          <p:nvGrpSpPr>
+            <p:cNvPr id="4" name="Group 3">
+              <a:extLst>
+                <a:ext uri="{FF2B5EF4-FFF2-40B4-BE49-F238E27FC236}">
+                  <a16:creationId xmlns:a16="http://schemas.microsoft.com/office/drawing/2014/main" id="{4C1BF1FD-93B2-5E4F-8D79-3941045A27A3}"/>
+                </a:ext>
+              </a:extLst>
+            </p:cNvPr>
+            <p:cNvGrpSpPr/>
+            <p:nvPr/>
+          </p:nvGrpSpPr>
+          <p:grpSpPr>
+            <a:xfrm>
+              <a:off x="3360126" y="4324980"/>
+              <a:ext cx="2735874" cy="328935"/>
+              <a:chOff x="7237110" y="4273903"/>
+              <a:chExt cx="2735874" cy="328935"/>
+            </a:xfrm>
+          </p:grpSpPr>
+          <p:sp>
+            <p:nvSpPr>
+              <p:cNvPr id="9" name="Intelligent Information Retrieval Laboratory">
+                <a:extLst>
+                  <a:ext uri="{FF2B5EF4-FFF2-40B4-BE49-F238E27FC236}">
+                    <a16:creationId xmlns:a16="http://schemas.microsoft.com/office/drawing/2014/main" id="{1D481A1F-3045-F349-9124-8BD0F6C5EEB7}"/>
+                  </a:ext>
+                </a:extLst>
+              </p:cNvPr>
+              <p:cNvSpPr txBox="1"/>
+              <p:nvPr/>
+            </p:nvSpPr>
+            <p:spPr>
+              <a:xfrm>
+                <a:off x="7237110" y="4273903"/>
+                <a:ext cx="2590800" cy="328935"/>
+              </a:xfrm>
+              <a:prstGeom prst="rect">
+                <a:avLst/>
+              </a:prstGeom>
+              <a:noFill/>
+              <a:ln w="12700" cap="flat">
+                <a:noFill/>
+                <a:miter lim="400000"/>
+              </a:ln>
+              <a:effectLst/>
+              <a:extLst>
+                <a:ext uri="{C572A759-6A51-4108-AA02-DFA0A04FC94B}">
+                  <ma14:wrappingTextBoxFlag xmlns="" xmlns:m="http://schemas.openxmlformats.org/officeDocument/2006/math" xmlns:a14="http://schemas.microsoft.com/office/drawing/2010/main" xmlns:ma14="http://schemas.microsoft.com/office/mac/drawingml/2011/main" val="1"/>
+                </a:ext>
+              </a:extLst>
+            </p:spPr>
+            <p:txBody>
+              <a:bodyPr wrap="square" lIns="71437" tIns="71437" rIns="71437" bIns="71437" numCol="1" anchor="ctr">
+                <a:spAutoFit/>
+              </a:bodyPr>
+              <a:lstStyle>
+                <a:lvl1pPr algn="l" defTabSz="821531">
+                  <a:defRPr sz="2400" b="0">
+                    <a:solidFill>
+                      <a:srgbClr val="FFFFFF"/>
+                    </a:solidFill>
+                    <a:latin typeface="Helvetica Neue Bold Condensed"/>
+                    <a:ea typeface="Helvetica Neue Bold Condensed"/>
+                    <a:cs typeface="Helvetica Neue Bold Condensed"/>
+                    <a:sym typeface="Helvetica Neue Bold Condensed"/>
+                  </a:defRPr>
+                </a:lvl1pPr>
+              </a:lstStyle>
+              <a:p>
+                <a:r>
+                  <a:rPr kumimoji="0" lang="zh-TW" altLang="en-US" sz="1050" b="0" i="0" u="none" strike="noStrike" cap="none" spc="0" normalizeH="0" baseline="0" dirty="0">
+                    <a:ln>
+                      <a:noFill/>
+                    </a:ln>
+                    <a:solidFill>
+                      <a:schemeClr val="tx1">
+                        <a:alpha val="15000"/>
+                      </a:schemeClr>
+                    </a:solidFill>
+                    <a:effectLst/>
+                    <a:uFillTx/>
+                    <a:latin typeface="Helvetica Neue Bold Condensed"/>
+                    <a:ea typeface="Helvetica Neue Bold Condensed"/>
+                    <a:cs typeface="Helvetica Neue Bold Condensed"/>
+                    <a:sym typeface="Helvetica Neue Bold Condensed"/>
+                  </a:rPr>
+                  <a:t>第</a:t>
+                </a:r>
+                <a:r>
+                  <a:rPr kumimoji="0" lang="en-US" altLang="zh-TW" sz="1050" b="0" i="0" u="none" strike="noStrike" cap="none" spc="0" normalizeH="0" baseline="0" dirty="0">
+                    <a:ln>
+                      <a:noFill/>
+                    </a:ln>
+                    <a:solidFill>
+                      <a:schemeClr val="tx1">
+                        <a:alpha val="15000"/>
+                      </a:schemeClr>
+                    </a:solidFill>
+                    <a:effectLst/>
+                    <a:uFillTx/>
+                    <a:latin typeface="Helvetica Neue Bold Condensed"/>
+                    <a:ea typeface="Helvetica Neue Bold Condensed"/>
+                    <a:cs typeface="Helvetica Neue Bold Condensed"/>
+                    <a:sym typeface="Helvetica Neue Bold Condensed"/>
+                  </a:rPr>
+                  <a:t>13</a:t>
+                </a:r>
+                <a:r>
+                  <a:rPr kumimoji="0" lang="zh-TW" altLang="en-US" sz="1050" b="0" i="0" u="none" strike="noStrike" cap="none" spc="0" normalizeH="0" baseline="0" dirty="0">
+                    <a:ln>
+                      <a:noFill/>
+                    </a:ln>
+                    <a:solidFill>
+                      <a:schemeClr val="tx1">
+                        <a:alpha val="15000"/>
+                      </a:schemeClr>
+                    </a:solidFill>
+                    <a:effectLst/>
+                    <a:uFillTx/>
+                    <a:latin typeface="Helvetica Neue Bold Condensed"/>
+                    <a:ea typeface="Helvetica Neue Bold Condensed"/>
+                    <a:cs typeface="Helvetica Neue Bold Condensed"/>
+                    <a:sym typeface="Helvetica Neue Bold Condensed"/>
+                  </a:rPr>
+                  <a:t>屆 </a:t>
+                </a:r>
+                <a:r>
+                  <a:rPr kumimoji="0" lang="en-US" sz="1200" b="0" i="0" u="none" strike="noStrike" cap="none" spc="0" normalizeH="0" baseline="0" dirty="0">
+                    <a:ln>
+                      <a:noFill/>
+                    </a:ln>
+                    <a:solidFill>
+                      <a:schemeClr val="tx1">
+                        <a:alpha val="15000"/>
+                      </a:schemeClr>
+                    </a:solidFill>
+                    <a:effectLst/>
+                    <a:uFillTx/>
+                    <a:latin typeface="Helvetica Neue Bold Condensed"/>
+                    <a:ea typeface="Helvetica Neue Bold Condensed"/>
+                    <a:cs typeface="Helvetica Neue Bold Condensed"/>
+                    <a:sym typeface="Helvetica Neue Bold Condensed"/>
+                  </a:rPr>
+                  <a:t>iT</a:t>
+                </a:r>
+                <a:r>
+                  <a:rPr kumimoji="0" lang="zh-TW" altLang="en-US" sz="1100" b="0" i="0" u="none" strike="noStrike" cap="none" spc="0" normalizeH="0" baseline="0" dirty="0">
+                    <a:ln>
+                      <a:noFill/>
+                    </a:ln>
+                    <a:solidFill>
+                      <a:schemeClr val="tx1">
+                        <a:alpha val="15000"/>
+                      </a:schemeClr>
+                    </a:solidFill>
+                    <a:effectLst/>
+                    <a:uFillTx/>
+                    <a:latin typeface="Helvetica Neue Bold Condensed"/>
+                    <a:ea typeface="Helvetica Neue Bold Condensed"/>
+                    <a:cs typeface="Helvetica Neue Bold Condensed"/>
+                    <a:sym typeface="Helvetica Neue Bold Condensed"/>
+                  </a:rPr>
+                  <a:t>邦</a:t>
+                </a:r>
+                <a:r>
+                  <a:rPr kumimoji="0" lang="zh-TW" altLang="en-US" sz="1000" b="0" i="0" u="none" strike="noStrike" cap="none" spc="0" normalizeH="0" baseline="0" dirty="0">
+                    <a:ln>
+                      <a:noFill/>
+                    </a:ln>
+                    <a:solidFill>
+                      <a:schemeClr val="tx1">
+                        <a:alpha val="15000"/>
+                      </a:schemeClr>
+                    </a:solidFill>
+                    <a:effectLst/>
+                    <a:uFillTx/>
+                    <a:latin typeface="Helvetica Neue Bold Condensed"/>
+                    <a:ea typeface="Helvetica Neue Bold Condensed"/>
+                    <a:cs typeface="Helvetica Neue Bold Condensed"/>
+                    <a:sym typeface="Helvetica Neue Bold Condensed"/>
+                  </a:rPr>
+                  <a:t>幫忙</a:t>
+                </a:r>
+                <a:r>
+                  <a:rPr kumimoji="0" lang="zh-TW" altLang="en-US" sz="1100" b="0" i="0" u="none" strike="noStrike" cap="none" spc="0" normalizeH="0" baseline="0" dirty="0">
+                    <a:ln>
+                      <a:noFill/>
+                    </a:ln>
+                    <a:solidFill>
+                      <a:schemeClr val="tx1">
+                        <a:alpha val="15000"/>
+                      </a:schemeClr>
+                    </a:solidFill>
+                    <a:effectLst/>
+                    <a:uFillTx/>
+                    <a:latin typeface="Helvetica Neue Bold Condensed"/>
+                    <a:ea typeface="Helvetica Neue Bold Condensed"/>
+                    <a:cs typeface="Helvetica Neue Bold Condensed"/>
+                    <a:sym typeface="Helvetica Neue Bold Condensed"/>
+                  </a:rPr>
+                  <a:t> 鐵人賽</a:t>
+                </a:r>
+                <a:endParaRPr sz="1100" dirty="0">
+                  <a:solidFill>
+                    <a:schemeClr val="tx1">
+                      <a:alpha val="15000"/>
+                    </a:schemeClr>
+                  </a:solidFill>
+                </a:endParaRPr>
+              </a:p>
+            </p:txBody>
+          </p:sp>
+          <p:sp>
+            <p:nvSpPr>
+              <p:cNvPr id="10" name="Intelligent Information Retrieval Laboratory">
+                <a:extLst>
+                  <a:ext uri="{FF2B5EF4-FFF2-40B4-BE49-F238E27FC236}">
+                    <a16:creationId xmlns:a16="http://schemas.microsoft.com/office/drawing/2014/main" id="{39D5B2FE-3F01-F741-8BF1-509263F71066}"/>
+                  </a:ext>
+                </a:extLst>
+              </p:cNvPr>
+              <p:cNvSpPr txBox="1"/>
+              <p:nvPr/>
+            </p:nvSpPr>
+            <p:spPr>
+              <a:xfrm>
+                <a:off x="8753784" y="4289292"/>
+                <a:ext cx="1219200" cy="313546"/>
+              </a:xfrm>
+              <a:prstGeom prst="rect">
+                <a:avLst/>
+              </a:prstGeom>
+              <a:noFill/>
+              <a:ln w="12700" cap="flat">
+                <a:noFill/>
+                <a:miter lim="400000"/>
+              </a:ln>
+              <a:effectLst/>
+              <a:extLst>
+                <a:ext uri="{C572A759-6A51-4108-AA02-DFA0A04FC94B}">
+                  <ma14:wrappingTextBoxFlag xmlns="" xmlns:m="http://schemas.openxmlformats.org/officeDocument/2006/math" xmlns:a14="http://schemas.microsoft.com/office/drawing/2010/main" xmlns:ma14="http://schemas.microsoft.com/office/mac/drawingml/2011/main" val="1"/>
+                </a:ext>
+              </a:extLst>
+            </p:spPr>
+            <p:txBody>
+              <a:bodyPr wrap="square" lIns="71437" tIns="71437" rIns="71437" bIns="71437" numCol="1" anchor="ctr">
+                <a:spAutoFit/>
+              </a:bodyPr>
+              <a:lstStyle>
+                <a:lvl1pPr algn="l" defTabSz="821531">
+                  <a:defRPr sz="2400" b="0">
+                    <a:solidFill>
+                      <a:srgbClr val="FFFFFF"/>
+                    </a:solidFill>
+                    <a:latin typeface="Helvetica Neue Bold Condensed"/>
+                    <a:ea typeface="Helvetica Neue Bold Condensed"/>
+                    <a:cs typeface="Helvetica Neue Bold Condensed"/>
+                    <a:sym typeface="Helvetica Neue Bold Condensed"/>
+                  </a:defRPr>
+                </a:lvl1pPr>
+              </a:lstStyle>
+              <a:p>
+                <a:r>
+                  <a:rPr kumimoji="0" lang="en-US" altLang="zh-TW" sz="1050" b="0" i="0" u="none" strike="noStrike" cap="none" spc="0" normalizeH="0" baseline="0" dirty="0">
+                    <a:ln>
+                      <a:noFill/>
+                    </a:ln>
+                    <a:solidFill>
+                      <a:schemeClr val="tx1">
+                        <a:alpha val="15000"/>
+                      </a:schemeClr>
+                    </a:solidFill>
+                    <a:effectLst/>
+                    <a:uFillTx/>
+                    <a:latin typeface="Helvetica Neue Bold Condensed"/>
+                    <a:ea typeface="Helvetica Neue Bold Condensed"/>
+                    <a:cs typeface="Helvetica Neue Bold Condensed"/>
+                    <a:sym typeface="Helvetica Neue Bold Condensed"/>
+                  </a:rPr>
+                  <a:t>AI &amp; Data </a:t>
+                </a:r>
+                <a:r>
+                  <a:rPr kumimoji="0" lang="zh-TW" altLang="en-US" sz="1050" b="0" i="0" u="none" strike="noStrike" cap="none" spc="0" normalizeH="0" baseline="0" dirty="0">
+                    <a:ln>
+                      <a:noFill/>
+                    </a:ln>
+                    <a:solidFill>
+                      <a:schemeClr val="tx1">
+                        <a:alpha val="15000"/>
+                      </a:schemeClr>
+                    </a:solidFill>
+                    <a:effectLst/>
+                    <a:uFillTx/>
+                    <a:latin typeface="Helvetica Neue Bold Condensed"/>
+                    <a:ea typeface="Helvetica Neue Bold Condensed"/>
+                    <a:cs typeface="Helvetica Neue Bold Condensed"/>
+                    <a:sym typeface="Helvetica Neue Bold Condensed"/>
+                  </a:rPr>
+                  <a:t>組</a:t>
+                </a:r>
+                <a:endParaRPr sz="1100" dirty="0">
+                  <a:solidFill>
+                    <a:schemeClr val="tx1">
+                      <a:alpha val="15000"/>
+                    </a:schemeClr>
+                  </a:solidFill>
+                </a:endParaRPr>
+              </a:p>
+            </p:txBody>
+          </p:sp>
+        </p:grpSp>
+        <p:grpSp>
+          <p:nvGrpSpPr>
+            <p:cNvPr id="5" name="Group 4">
+              <a:extLst>
+                <a:ext uri="{FF2B5EF4-FFF2-40B4-BE49-F238E27FC236}">
+                  <a16:creationId xmlns:a16="http://schemas.microsoft.com/office/drawing/2014/main" id="{5A5EB81C-EF6D-7143-B56D-907412DED536}"/>
+                </a:ext>
+              </a:extLst>
+            </p:cNvPr>
+            <p:cNvGrpSpPr/>
+            <p:nvPr/>
+          </p:nvGrpSpPr>
+          <p:grpSpPr>
+            <a:xfrm>
+              <a:off x="7247835" y="3971848"/>
+              <a:ext cx="1876735" cy="1050587"/>
+              <a:chOff x="3891792" y="3940042"/>
+              <a:chExt cx="1876735" cy="1050587"/>
+            </a:xfrm>
+          </p:grpSpPr>
+          <p:pic>
+            <p:nvPicPr>
+              <p:cNvPr id="6" name="Picture 5">
+                <a:extLst>
+                  <a:ext uri="{FF2B5EF4-FFF2-40B4-BE49-F238E27FC236}">
+                    <a16:creationId xmlns:a16="http://schemas.microsoft.com/office/drawing/2014/main" id="{EE1C5F6A-682E-6441-853C-8EFE4013A85F}"/>
+                  </a:ext>
+                </a:extLst>
+              </p:cNvPr>
+              <p:cNvPicPr>
+                <a:picLocks noChangeAspect="1" noChangeArrowheads="1"/>
+              </p:cNvPicPr>
+              <p:nvPr/>
+            </p:nvPicPr>
+            <p:blipFill>
+              <a:blip r:embed="rId2">
+                <a:duotone>
+                  <a:prstClr val="black"/>
+                  <a:schemeClr val="tx1">
+                    <a:tint val="45000"/>
+                    <a:satMod val="400000"/>
+                  </a:schemeClr>
+                </a:duotone>
+                <a:alphaModFix amt="20000"/>
+              </a:blip>
+              <a:srcRect/>
+              <a:stretch/>
+            </p:blipFill>
+            <p:spPr bwMode="auto">
+              <a:xfrm>
+                <a:off x="4489805" y="3940042"/>
+                <a:ext cx="1050587" cy="1050587"/>
+              </a:xfrm>
+              <a:prstGeom prst="rect">
+                <a:avLst/>
+              </a:prstGeom>
+              <a:noFill/>
+              <a:extLst>
+                <a:ext uri="{909E8E84-426E-40DD-AFC4-6F175D3DCCD1}">
+                  <a14:hiddenFill xmlns:a14="http://schemas.microsoft.com/office/drawing/2010/main">
+                    <a:solidFill>
+                      <a:srgbClr val="FFFFFF"/>
+                    </a:solidFill>
+                  </a14:hiddenFill>
+                </a:ext>
+              </a:extLst>
+            </p:spPr>
+          </p:pic>
+          <p:pic>
+            <p:nvPicPr>
+              <p:cNvPr id="7" name="Picture 4" descr="Youtube logo | Logok">
+                <a:extLst>
+                  <a:ext uri="{FF2B5EF4-FFF2-40B4-BE49-F238E27FC236}">
+                    <a16:creationId xmlns:a16="http://schemas.microsoft.com/office/drawing/2014/main" id="{4D30DB46-945C-3042-82DB-62693E5DAEB2}"/>
+                  </a:ext>
+                </a:extLst>
+              </p:cNvPr>
+              <p:cNvPicPr>
+                <a:picLocks noChangeAspect="1" noChangeArrowheads="1"/>
+              </p:cNvPicPr>
+              <p:nvPr/>
+            </p:nvPicPr>
+            <p:blipFill>
+              <a:blip r:embed="rId3">
+                <a:alphaModFix amt="20000"/>
+                <a:extLst>
+                  <a:ext uri="{28A0092B-C50C-407E-A947-70E740481C1C}">
+                    <a14:useLocalDpi xmlns:a14="http://schemas.microsoft.com/office/drawing/2010/main" val="0"/>
+                  </a:ext>
+                </a:extLst>
+              </a:blip>
+              <a:srcRect/>
+              <a:stretch>
+                <a:fillRect/>
+              </a:stretch>
+            </p:blipFill>
+            <p:spPr bwMode="auto">
+              <a:xfrm>
+                <a:off x="3891792" y="4187926"/>
+                <a:ext cx="739756" cy="554817"/>
+              </a:xfrm>
+              <a:prstGeom prst="rect">
+                <a:avLst/>
+              </a:prstGeom>
+              <a:noFill/>
+              <a:extLst>
+                <a:ext uri="{909E8E84-426E-40DD-AFC4-6F175D3DCCD1}">
+                  <a14:hiddenFill xmlns:a14="http://schemas.microsoft.com/office/drawing/2010/main">
+                    <a:solidFill>
+                      <a:srgbClr val="FFFFFF"/>
+                    </a:solidFill>
+                  </a14:hiddenFill>
+                </a:ext>
+              </a:extLst>
+            </p:spPr>
+          </p:pic>
+          <p:sp>
+            <p:nvSpPr>
+              <p:cNvPr id="8" name="Intelligent Information Retrieval Laboratory">
+                <a:extLst>
+                  <a:ext uri="{FF2B5EF4-FFF2-40B4-BE49-F238E27FC236}">
+                    <a16:creationId xmlns:a16="http://schemas.microsoft.com/office/drawing/2014/main" id="{52481442-8348-994C-8AF8-980ED07EB18F}"/>
+                  </a:ext>
+                </a:extLst>
+              </p:cNvPr>
+              <p:cNvSpPr txBox="1"/>
+              <p:nvPr/>
+            </p:nvSpPr>
+            <p:spPr>
+              <a:xfrm>
+                <a:off x="4549327" y="4308601"/>
+                <a:ext cx="1219200" cy="328935"/>
+              </a:xfrm>
+              <a:prstGeom prst="rect">
+                <a:avLst/>
+              </a:prstGeom>
+              <a:noFill/>
+              <a:ln w="12700" cap="flat">
+                <a:noFill/>
+                <a:miter lim="400000"/>
+              </a:ln>
+              <a:effectLst/>
+              <a:extLst>
+                <a:ext uri="{C572A759-6A51-4108-AA02-DFA0A04FC94B}">
+                  <ma14:wrappingTextBoxFlag xmlns="" xmlns:m="http://schemas.openxmlformats.org/officeDocument/2006/math" xmlns:a14="http://schemas.microsoft.com/office/drawing/2010/main" xmlns:ma14="http://schemas.microsoft.com/office/mac/drawingml/2011/main" val="1"/>
+                </a:ext>
+              </a:extLst>
+            </p:spPr>
+            <p:txBody>
+              <a:bodyPr wrap="square" lIns="71437" tIns="71437" rIns="71437" bIns="71437" numCol="1" anchor="ctr">
+                <a:spAutoFit/>
+              </a:bodyPr>
+              <a:lstStyle>
+                <a:lvl1pPr algn="l" defTabSz="821531">
+                  <a:defRPr sz="2400" b="0">
+                    <a:solidFill>
+                      <a:srgbClr val="FFFFFF"/>
+                    </a:solidFill>
+                    <a:latin typeface="Helvetica Neue Bold Condensed"/>
+                    <a:ea typeface="Helvetica Neue Bold Condensed"/>
+                    <a:cs typeface="Helvetica Neue Bold Condensed"/>
+                    <a:sym typeface="Helvetica Neue Bold Condensed"/>
+                  </a:defRPr>
+                </a:lvl1pPr>
+              </a:lstStyle>
+              <a:p>
+                <a:r>
+                  <a:rPr kumimoji="0" lang="en-US" altLang="zh-TW" sz="1200" b="0" i="0" u="none" strike="noStrike" cap="none" spc="0" normalizeH="0" baseline="0" dirty="0">
+                    <a:ln>
+                      <a:noFill/>
+                    </a:ln>
+                    <a:solidFill>
+                      <a:schemeClr val="tx1">
+                        <a:alpha val="15000"/>
+                      </a:schemeClr>
+                    </a:solidFill>
+                    <a:effectLst/>
+                    <a:uFillTx/>
+                    <a:latin typeface="Helvetica Neue Bold Condensed"/>
+                    <a:ea typeface="Helvetica Neue Bold Condensed"/>
+                    <a:cs typeface="Helvetica Neue Bold Condensed"/>
+                    <a:sym typeface="Helvetica Neue Bold Condensed"/>
+                  </a:rPr>
+                  <a:t>10</a:t>
+                </a:r>
+                <a:r>
+                  <a:rPr kumimoji="0" lang="zh-TW" altLang="en-US" sz="1200" b="0" i="0" u="none" strike="noStrike" cap="none" spc="0" normalizeH="0" baseline="0" dirty="0">
+                    <a:ln>
+                      <a:noFill/>
+                    </a:ln>
+                    <a:solidFill>
+                      <a:schemeClr val="tx1">
+                        <a:alpha val="15000"/>
+                      </a:schemeClr>
+                    </a:solidFill>
+                    <a:effectLst/>
+                    <a:uFillTx/>
+                    <a:sym typeface="Helvetica Neue Bold Condensed"/>
+                  </a:rPr>
+                  <a:t>程式中</a:t>
+                </a:r>
+                <a:endParaRPr sz="1400" dirty="0">
+                  <a:solidFill>
+                    <a:schemeClr val="tx1">
+                      <a:alpha val="15000"/>
+                    </a:schemeClr>
+                  </a:solidFill>
+                </a:endParaRPr>
+              </a:p>
+            </p:txBody>
+          </p:sp>
+        </p:grpSp>
+      </p:grpSp>
+      <p:pic>
+        <p:nvPicPr>
+          <p:cNvPr id="11" name="Picture 10">
+            <a:extLst>
+              <a:ext uri="{FF2B5EF4-FFF2-40B4-BE49-F238E27FC236}">
+                <a16:creationId xmlns:a16="http://schemas.microsoft.com/office/drawing/2014/main" id="{201C17E9-034D-0242-9E5D-C591BC14E7A5}"/>
+              </a:ext>
+            </a:extLst>
+          </p:cNvPr>
+          <p:cNvPicPr>
+            <a:picLocks noChangeAspect="1"/>
+          </p:cNvPicPr>
+          <p:nvPr/>
+        </p:nvPicPr>
+        <p:blipFill>
+          <a:blip r:embed="rId4"/>
+          <a:stretch>
+            <a:fillRect/>
+          </a:stretch>
+        </p:blipFill>
+        <p:spPr>
+          <a:xfrm>
+            <a:off x="4325927" y="2411259"/>
+            <a:ext cx="3652196" cy="2459007"/>
+          </a:xfrm>
+          <a:prstGeom prst="rect">
+            <a:avLst/>
+          </a:prstGeom>
+        </p:spPr>
+      </p:pic>
+    </p:spTree>
+    <p:extLst>
+      <p:ext uri="{BB962C8B-B14F-4D97-AF65-F5344CB8AC3E}">
+        <p14:creationId xmlns:p14="http://schemas.microsoft.com/office/powerpoint/2010/main" val="4144153291"/>
+      </p:ext>
+    </p:extLst>
+  </p:cSld>
+  <p:clrMapOvr>
+    <a:masterClrMapping/>
+  </p:clrMapOvr>
+</p:sld>
+</file>
+
+<file path=ppt/slides/slide4.xml><?xml version="1.0" encoding="utf-8"?>
+<p:sld xmlns:a="http://schemas.openxmlformats.org/drawingml/2006/main" xmlns:r="http://schemas.openxmlformats.org/officeDocument/2006/relationships" xmlns:p="http://schemas.openxmlformats.org/presentationml/2006/main">
+  <p:cSld>
+    <p:spTree>
+      <p:nvGrpSpPr>
+        <p:cNvPr id="1" name=""/>
+        <p:cNvGrpSpPr/>
+        <p:nvPr/>
+      </p:nvGrpSpPr>
+      <p:grpSpPr>
+        <a:xfrm>
+          <a:off x="0" y="0"/>
+          <a:ext cx="0" cy="0"/>
+          <a:chOff x="0" y="0"/>
+          <a:chExt cx="0" cy="0"/>
+        </a:xfrm>
+      </p:grpSpPr>
       <p:pic>
         <p:nvPicPr>
           <p:cNvPr id="2" name="Picture 2" descr="MNIST analysis using KNN | ImportQ">
@@ -9424,6 +11121,551 @@
           </a:p>
         </p:txBody>
       </p:sp>
+      <p:grpSp>
+        <p:nvGrpSpPr>
+          <p:cNvPr id="6" name="Group 5">
+            <a:extLst>
+              <a:ext uri="{FF2B5EF4-FFF2-40B4-BE49-F238E27FC236}">
+                <a16:creationId xmlns:a16="http://schemas.microsoft.com/office/drawing/2014/main" id="{3CEC1F40-BA8B-3A4E-A47B-20300CDE2917}"/>
+              </a:ext>
+            </a:extLst>
+          </p:cNvPr>
+          <p:cNvGrpSpPr/>
+          <p:nvPr/>
+        </p:nvGrpSpPr>
+        <p:grpSpPr>
+          <a:xfrm>
+            <a:off x="1682335" y="4999304"/>
+            <a:ext cx="9302184" cy="2054723"/>
+            <a:chOff x="3360126" y="3971848"/>
+            <a:chExt cx="5764444" cy="1050587"/>
+          </a:xfrm>
+        </p:grpSpPr>
+        <p:grpSp>
+          <p:nvGrpSpPr>
+            <p:cNvPr id="7" name="Group 6">
+              <a:extLst>
+                <a:ext uri="{FF2B5EF4-FFF2-40B4-BE49-F238E27FC236}">
+                  <a16:creationId xmlns:a16="http://schemas.microsoft.com/office/drawing/2014/main" id="{3868E759-F123-EC4D-8DD8-6D99807D7611}"/>
+                </a:ext>
+              </a:extLst>
+            </p:cNvPr>
+            <p:cNvGrpSpPr/>
+            <p:nvPr/>
+          </p:nvGrpSpPr>
+          <p:grpSpPr>
+            <a:xfrm>
+              <a:off x="3360126" y="4381750"/>
+              <a:ext cx="2735874" cy="215396"/>
+              <a:chOff x="7237110" y="4330673"/>
+              <a:chExt cx="2735874" cy="215396"/>
+            </a:xfrm>
+          </p:grpSpPr>
+          <p:sp>
+            <p:nvSpPr>
+              <p:cNvPr id="12" name="Intelligent Information Retrieval Laboratory">
+                <a:extLst>
+                  <a:ext uri="{FF2B5EF4-FFF2-40B4-BE49-F238E27FC236}">
+                    <a16:creationId xmlns:a16="http://schemas.microsoft.com/office/drawing/2014/main" id="{88511888-8C86-F34D-A149-3FB7A5DAB5A7}"/>
+                  </a:ext>
+                </a:extLst>
+              </p:cNvPr>
+              <p:cNvSpPr txBox="1"/>
+              <p:nvPr/>
+            </p:nvSpPr>
+            <p:spPr>
+              <a:xfrm>
+                <a:off x="7237110" y="4330673"/>
+                <a:ext cx="2590800" cy="215396"/>
+              </a:xfrm>
+              <a:prstGeom prst="rect">
+                <a:avLst/>
+              </a:prstGeom>
+              <a:noFill/>
+              <a:ln w="12700" cap="flat">
+                <a:noFill/>
+                <a:miter lim="400000"/>
+              </a:ln>
+              <a:effectLst/>
+              <a:extLst>
+                <a:ext uri="{C572A759-6A51-4108-AA02-DFA0A04FC94B}">
+                  <ma14:wrappingTextBoxFlag xmlns="" xmlns:m="http://schemas.openxmlformats.org/officeDocument/2006/math" xmlns:a14="http://schemas.microsoft.com/office/drawing/2010/main" xmlns:ma14="http://schemas.microsoft.com/office/mac/drawingml/2011/main" val="1"/>
+                </a:ext>
+              </a:extLst>
+            </p:spPr>
+            <p:txBody>
+              <a:bodyPr wrap="square" lIns="71437" tIns="71437" rIns="71437" bIns="71437" numCol="1" anchor="ctr">
+                <a:spAutoFit/>
+              </a:bodyPr>
+              <a:lstStyle>
+                <a:lvl1pPr algn="l" defTabSz="821531">
+                  <a:defRPr sz="2400" b="0">
+                    <a:solidFill>
+                      <a:srgbClr val="FFFFFF"/>
+                    </a:solidFill>
+                    <a:latin typeface="Helvetica Neue Bold Condensed"/>
+                    <a:ea typeface="Helvetica Neue Bold Condensed"/>
+                    <a:cs typeface="Helvetica Neue Bold Condensed"/>
+                    <a:sym typeface="Helvetica Neue Bold Condensed"/>
+                  </a:defRPr>
+                </a:lvl1pPr>
+              </a:lstStyle>
+              <a:p>
+                <a:r>
+                  <a:rPr kumimoji="0" lang="zh-TW" altLang="en-US" sz="1400" b="0" i="0" u="none" strike="noStrike" cap="none" spc="0" normalizeH="0" baseline="0" dirty="0">
+                    <a:ln>
+                      <a:noFill/>
+                    </a:ln>
+                    <a:solidFill>
+                      <a:schemeClr val="tx1">
+                        <a:alpha val="15000"/>
+                      </a:schemeClr>
+                    </a:solidFill>
+                    <a:effectLst/>
+                    <a:uFillTx/>
+                    <a:latin typeface="Helvetica Neue Bold Condensed"/>
+                    <a:ea typeface="Helvetica Neue Bold Condensed"/>
+                    <a:cs typeface="Helvetica Neue Bold Condensed"/>
+                    <a:sym typeface="Helvetica Neue Bold Condensed"/>
+                  </a:rPr>
+                  <a:t>第</a:t>
+                </a:r>
+                <a:r>
+                  <a:rPr kumimoji="0" lang="en-US" altLang="zh-TW" sz="1400" b="0" i="0" u="none" strike="noStrike" cap="none" spc="0" normalizeH="0" baseline="0" dirty="0">
+                    <a:ln>
+                      <a:noFill/>
+                    </a:ln>
+                    <a:solidFill>
+                      <a:schemeClr val="tx1">
+                        <a:alpha val="15000"/>
+                      </a:schemeClr>
+                    </a:solidFill>
+                    <a:effectLst/>
+                    <a:uFillTx/>
+                    <a:latin typeface="Helvetica Neue Bold Condensed"/>
+                    <a:ea typeface="Helvetica Neue Bold Condensed"/>
+                    <a:cs typeface="Helvetica Neue Bold Condensed"/>
+                    <a:sym typeface="Helvetica Neue Bold Condensed"/>
+                  </a:rPr>
+                  <a:t>13</a:t>
+                </a:r>
+                <a:r>
+                  <a:rPr kumimoji="0" lang="zh-TW" altLang="en-US" sz="1400" b="0" i="0" u="none" strike="noStrike" cap="none" spc="0" normalizeH="0" baseline="0" dirty="0">
+                    <a:ln>
+                      <a:noFill/>
+                    </a:ln>
+                    <a:solidFill>
+                      <a:schemeClr val="tx1">
+                        <a:alpha val="15000"/>
+                      </a:schemeClr>
+                    </a:solidFill>
+                    <a:effectLst/>
+                    <a:uFillTx/>
+                    <a:latin typeface="Helvetica Neue Bold Condensed"/>
+                    <a:ea typeface="Helvetica Neue Bold Condensed"/>
+                    <a:cs typeface="Helvetica Neue Bold Condensed"/>
+                    <a:sym typeface="Helvetica Neue Bold Condensed"/>
+                  </a:rPr>
+                  <a:t>屆 </a:t>
+                </a:r>
+                <a:r>
+                  <a:rPr kumimoji="0" lang="en-US" sz="1800" b="0" i="0" u="none" strike="noStrike" cap="none" spc="0" normalizeH="0" baseline="0" dirty="0">
+                    <a:ln>
+                      <a:noFill/>
+                    </a:ln>
+                    <a:solidFill>
+                      <a:schemeClr val="tx1">
+                        <a:alpha val="15000"/>
+                      </a:schemeClr>
+                    </a:solidFill>
+                    <a:effectLst/>
+                    <a:uFillTx/>
+                    <a:latin typeface="Helvetica Neue Bold Condensed"/>
+                    <a:ea typeface="Helvetica Neue Bold Condensed"/>
+                    <a:cs typeface="Helvetica Neue Bold Condensed"/>
+                    <a:sym typeface="Helvetica Neue Bold Condensed"/>
+                  </a:rPr>
+                  <a:t>iT</a:t>
+                </a:r>
+                <a:r>
+                  <a:rPr kumimoji="0" lang="zh-TW" altLang="en-US" sz="1600" b="0" i="0" u="none" strike="noStrike" cap="none" spc="0" normalizeH="0" baseline="0" dirty="0">
+                    <a:ln>
+                      <a:noFill/>
+                    </a:ln>
+                    <a:solidFill>
+                      <a:schemeClr val="tx1">
+                        <a:alpha val="15000"/>
+                      </a:schemeClr>
+                    </a:solidFill>
+                    <a:effectLst/>
+                    <a:uFillTx/>
+                    <a:latin typeface="Helvetica Neue Bold Condensed"/>
+                    <a:ea typeface="Helvetica Neue Bold Condensed"/>
+                    <a:cs typeface="Helvetica Neue Bold Condensed"/>
+                    <a:sym typeface="Helvetica Neue Bold Condensed"/>
+                  </a:rPr>
+                  <a:t>邦</a:t>
+                </a:r>
+                <a:r>
+                  <a:rPr kumimoji="0" lang="zh-TW" altLang="en-US" sz="1200" b="0" i="0" u="none" strike="noStrike" cap="none" spc="0" normalizeH="0" baseline="0" dirty="0">
+                    <a:ln>
+                      <a:noFill/>
+                    </a:ln>
+                    <a:solidFill>
+                      <a:schemeClr val="tx1">
+                        <a:alpha val="15000"/>
+                      </a:schemeClr>
+                    </a:solidFill>
+                    <a:effectLst/>
+                    <a:uFillTx/>
+                    <a:latin typeface="Helvetica Neue Bold Condensed"/>
+                    <a:ea typeface="Helvetica Neue Bold Condensed"/>
+                    <a:cs typeface="Helvetica Neue Bold Condensed"/>
+                    <a:sym typeface="Helvetica Neue Bold Condensed"/>
+                  </a:rPr>
+                  <a:t>幫忙</a:t>
+                </a:r>
+                <a:r>
+                  <a:rPr kumimoji="0" lang="zh-TW" altLang="en-US" sz="1600" b="0" i="0" u="none" strike="noStrike" cap="none" spc="0" normalizeH="0" baseline="0" dirty="0">
+                    <a:ln>
+                      <a:noFill/>
+                    </a:ln>
+                    <a:solidFill>
+                      <a:schemeClr val="tx1">
+                        <a:alpha val="15000"/>
+                      </a:schemeClr>
+                    </a:solidFill>
+                    <a:effectLst/>
+                    <a:uFillTx/>
+                    <a:latin typeface="Helvetica Neue Bold Condensed"/>
+                    <a:ea typeface="Helvetica Neue Bold Condensed"/>
+                    <a:cs typeface="Helvetica Neue Bold Condensed"/>
+                    <a:sym typeface="Helvetica Neue Bold Condensed"/>
+                  </a:rPr>
+                  <a:t> 鐵人賽</a:t>
+                </a:r>
+                <a:endParaRPr sz="1600" dirty="0">
+                  <a:solidFill>
+                    <a:schemeClr val="tx1">
+                      <a:alpha val="15000"/>
+                    </a:schemeClr>
+                  </a:solidFill>
+                </a:endParaRPr>
+              </a:p>
+            </p:txBody>
+          </p:sp>
+          <p:sp>
+            <p:nvSpPr>
+              <p:cNvPr id="13" name="Intelligent Information Retrieval Laboratory">
+                <a:extLst>
+                  <a:ext uri="{FF2B5EF4-FFF2-40B4-BE49-F238E27FC236}">
+                    <a16:creationId xmlns:a16="http://schemas.microsoft.com/office/drawing/2014/main" id="{9ED69B60-C98F-A34F-BD3E-0D30C82958C7}"/>
+                  </a:ext>
+                </a:extLst>
+              </p:cNvPr>
+              <p:cNvSpPr txBox="1"/>
+              <p:nvPr/>
+            </p:nvSpPr>
+            <p:spPr>
+              <a:xfrm>
+                <a:off x="8753784" y="4354105"/>
+                <a:ext cx="1219200" cy="183922"/>
+              </a:xfrm>
+              <a:prstGeom prst="rect">
+                <a:avLst/>
+              </a:prstGeom>
+              <a:noFill/>
+              <a:ln w="12700" cap="flat">
+                <a:noFill/>
+                <a:miter lim="400000"/>
+              </a:ln>
+              <a:effectLst/>
+              <a:extLst>
+                <a:ext uri="{C572A759-6A51-4108-AA02-DFA0A04FC94B}">
+                  <ma14:wrappingTextBoxFlag xmlns="" xmlns:m="http://schemas.openxmlformats.org/officeDocument/2006/math" xmlns:a14="http://schemas.microsoft.com/office/drawing/2010/main" xmlns:ma14="http://schemas.microsoft.com/office/mac/drawingml/2011/main" val="1"/>
+                </a:ext>
+              </a:extLst>
+            </p:spPr>
+            <p:txBody>
+              <a:bodyPr wrap="square" lIns="71437" tIns="71437" rIns="71437" bIns="71437" numCol="1" anchor="ctr">
+                <a:spAutoFit/>
+              </a:bodyPr>
+              <a:lstStyle>
+                <a:lvl1pPr algn="l" defTabSz="821531">
+                  <a:defRPr sz="2400" b="0">
+                    <a:solidFill>
+                      <a:srgbClr val="FFFFFF"/>
+                    </a:solidFill>
+                    <a:latin typeface="Helvetica Neue Bold Condensed"/>
+                    <a:ea typeface="Helvetica Neue Bold Condensed"/>
+                    <a:cs typeface="Helvetica Neue Bold Condensed"/>
+                    <a:sym typeface="Helvetica Neue Bold Condensed"/>
+                  </a:defRPr>
+                </a:lvl1pPr>
+              </a:lstStyle>
+              <a:p>
+                <a:r>
+                  <a:rPr kumimoji="0" lang="en-US" altLang="zh-TW" sz="1400" b="0" i="0" u="none" strike="noStrike" cap="none" spc="0" normalizeH="0" baseline="0" dirty="0">
+                    <a:ln>
+                      <a:noFill/>
+                    </a:ln>
+                    <a:solidFill>
+                      <a:schemeClr val="tx1">
+                        <a:alpha val="15000"/>
+                      </a:schemeClr>
+                    </a:solidFill>
+                    <a:effectLst/>
+                    <a:uFillTx/>
+                    <a:latin typeface="Helvetica Neue Bold Condensed"/>
+                    <a:ea typeface="Helvetica Neue Bold Condensed"/>
+                    <a:cs typeface="Helvetica Neue Bold Condensed"/>
+                    <a:sym typeface="Helvetica Neue Bold Condensed"/>
+                  </a:rPr>
+                  <a:t>AI &amp; Data </a:t>
+                </a:r>
+                <a:r>
+                  <a:rPr kumimoji="0" lang="zh-TW" altLang="en-US" sz="1400" b="0" i="0" u="none" strike="noStrike" cap="none" spc="0" normalizeH="0" baseline="0" dirty="0">
+                    <a:ln>
+                      <a:noFill/>
+                    </a:ln>
+                    <a:solidFill>
+                      <a:schemeClr val="tx1">
+                        <a:alpha val="15000"/>
+                      </a:schemeClr>
+                    </a:solidFill>
+                    <a:effectLst/>
+                    <a:uFillTx/>
+                    <a:latin typeface="Helvetica Neue Bold Condensed"/>
+                    <a:ea typeface="Helvetica Neue Bold Condensed"/>
+                    <a:cs typeface="Helvetica Neue Bold Condensed"/>
+                    <a:sym typeface="Helvetica Neue Bold Condensed"/>
+                  </a:rPr>
+                  <a:t>組</a:t>
+                </a:r>
+                <a:endParaRPr sz="1600" dirty="0">
+                  <a:solidFill>
+                    <a:schemeClr val="tx1">
+                      <a:alpha val="15000"/>
+                    </a:schemeClr>
+                  </a:solidFill>
+                </a:endParaRPr>
+              </a:p>
+            </p:txBody>
+          </p:sp>
+        </p:grpSp>
+        <p:grpSp>
+          <p:nvGrpSpPr>
+            <p:cNvPr id="8" name="Group 7">
+              <a:extLst>
+                <a:ext uri="{FF2B5EF4-FFF2-40B4-BE49-F238E27FC236}">
+                  <a16:creationId xmlns:a16="http://schemas.microsoft.com/office/drawing/2014/main" id="{372713F4-6E54-E343-8820-412FFE37E003}"/>
+                </a:ext>
+              </a:extLst>
+            </p:cNvPr>
+            <p:cNvGrpSpPr/>
+            <p:nvPr/>
+          </p:nvGrpSpPr>
+          <p:grpSpPr>
+            <a:xfrm>
+              <a:off x="7247835" y="3971848"/>
+              <a:ext cx="1876735" cy="1050587"/>
+              <a:chOff x="3891792" y="3940042"/>
+              <a:chExt cx="1876735" cy="1050587"/>
+            </a:xfrm>
+          </p:grpSpPr>
+          <p:pic>
+            <p:nvPicPr>
+              <p:cNvPr id="9" name="Picture 8">
+                <a:extLst>
+                  <a:ext uri="{FF2B5EF4-FFF2-40B4-BE49-F238E27FC236}">
+                    <a16:creationId xmlns:a16="http://schemas.microsoft.com/office/drawing/2014/main" id="{C9220611-FDAD-0D46-80AC-7F49ADD4BB32}"/>
+                  </a:ext>
+                </a:extLst>
+              </p:cNvPr>
+              <p:cNvPicPr>
+                <a:picLocks noChangeAspect="1" noChangeArrowheads="1"/>
+              </p:cNvPicPr>
+              <p:nvPr/>
+            </p:nvPicPr>
+            <p:blipFill>
+              <a:blip r:embed="rId4">
+                <a:duotone>
+                  <a:prstClr val="black"/>
+                  <a:schemeClr val="tx1">
+                    <a:tint val="45000"/>
+                    <a:satMod val="400000"/>
+                  </a:schemeClr>
+                </a:duotone>
+                <a:alphaModFix amt="20000"/>
+              </a:blip>
+              <a:srcRect/>
+              <a:stretch/>
+            </p:blipFill>
+            <p:spPr bwMode="auto">
+              <a:xfrm>
+                <a:off x="4489805" y="3940042"/>
+                <a:ext cx="1050587" cy="1050587"/>
+              </a:xfrm>
+              <a:prstGeom prst="rect">
+                <a:avLst/>
+              </a:prstGeom>
+              <a:noFill/>
+              <a:extLst>
+                <a:ext uri="{909E8E84-426E-40DD-AFC4-6F175D3DCCD1}">
+                  <a14:hiddenFill xmlns:a14="http://schemas.microsoft.com/office/drawing/2010/main">
+                    <a:solidFill>
+                      <a:srgbClr val="FFFFFF"/>
+                    </a:solidFill>
+                  </a14:hiddenFill>
+                </a:ext>
+              </a:extLst>
+            </p:spPr>
+          </p:pic>
+          <p:pic>
+            <p:nvPicPr>
+              <p:cNvPr id="10" name="Picture 4" descr="Youtube logo | Logok">
+                <a:extLst>
+                  <a:ext uri="{FF2B5EF4-FFF2-40B4-BE49-F238E27FC236}">
+                    <a16:creationId xmlns:a16="http://schemas.microsoft.com/office/drawing/2014/main" id="{D6B3575B-49A4-1C49-83F1-EF5F32FFA8E5}"/>
+                  </a:ext>
+                </a:extLst>
+              </p:cNvPr>
+              <p:cNvPicPr>
+                <a:picLocks noChangeAspect="1" noChangeArrowheads="1"/>
+              </p:cNvPicPr>
+              <p:nvPr/>
+            </p:nvPicPr>
+            <p:blipFill>
+              <a:blip r:embed="rId5">
+                <a:alphaModFix amt="20000"/>
+                <a:extLst>
+                  <a:ext uri="{28A0092B-C50C-407E-A947-70E740481C1C}">
+                    <a14:useLocalDpi xmlns:a14="http://schemas.microsoft.com/office/drawing/2010/main" val="0"/>
+                  </a:ext>
+                </a:extLst>
+              </a:blip>
+              <a:srcRect/>
+              <a:stretch>
+                <a:fillRect/>
+              </a:stretch>
+            </p:blipFill>
+            <p:spPr bwMode="auto">
+              <a:xfrm>
+                <a:off x="3891792" y="4187926"/>
+                <a:ext cx="739756" cy="554817"/>
+              </a:xfrm>
+              <a:prstGeom prst="rect">
+                <a:avLst/>
+              </a:prstGeom>
+              <a:noFill/>
+              <a:extLst>
+                <a:ext uri="{909E8E84-426E-40DD-AFC4-6F175D3DCCD1}">
+                  <a14:hiddenFill xmlns:a14="http://schemas.microsoft.com/office/drawing/2010/main">
+                    <a:solidFill>
+                      <a:srgbClr val="FFFFFF"/>
+                    </a:solidFill>
+                  </a14:hiddenFill>
+                </a:ext>
+              </a:extLst>
+            </p:spPr>
+          </p:pic>
+          <p:sp>
+            <p:nvSpPr>
+              <p:cNvPr id="11" name="Intelligent Information Retrieval Laboratory">
+                <a:extLst>
+                  <a:ext uri="{FF2B5EF4-FFF2-40B4-BE49-F238E27FC236}">
+                    <a16:creationId xmlns:a16="http://schemas.microsoft.com/office/drawing/2014/main" id="{7B9734A2-9EF2-1149-BDAB-7CEB8419BA96}"/>
+                  </a:ext>
+                </a:extLst>
+              </p:cNvPr>
+              <p:cNvSpPr txBox="1"/>
+              <p:nvPr/>
+            </p:nvSpPr>
+            <p:spPr>
+              <a:xfrm>
+                <a:off x="4549327" y="4365369"/>
+                <a:ext cx="1219200" cy="215396"/>
+              </a:xfrm>
+              <a:prstGeom prst="rect">
+                <a:avLst/>
+              </a:prstGeom>
+              <a:noFill/>
+              <a:ln w="12700" cap="flat">
+                <a:noFill/>
+                <a:miter lim="400000"/>
+              </a:ln>
+              <a:effectLst/>
+              <a:extLst>
+                <a:ext uri="{C572A759-6A51-4108-AA02-DFA0A04FC94B}">
+                  <ma14:wrappingTextBoxFlag xmlns="" xmlns:m="http://schemas.openxmlformats.org/officeDocument/2006/math" xmlns:a14="http://schemas.microsoft.com/office/drawing/2010/main" xmlns:ma14="http://schemas.microsoft.com/office/mac/drawingml/2011/main" val="1"/>
+                </a:ext>
+              </a:extLst>
+            </p:spPr>
+            <p:txBody>
+              <a:bodyPr wrap="square" lIns="71437" tIns="71437" rIns="71437" bIns="71437" numCol="1" anchor="ctr">
+                <a:spAutoFit/>
+              </a:bodyPr>
+              <a:lstStyle>
+                <a:lvl1pPr algn="l" defTabSz="821531">
+                  <a:defRPr sz="2400" b="0">
+                    <a:solidFill>
+                      <a:srgbClr val="FFFFFF"/>
+                    </a:solidFill>
+                    <a:latin typeface="Helvetica Neue Bold Condensed"/>
+                    <a:ea typeface="Helvetica Neue Bold Condensed"/>
+                    <a:cs typeface="Helvetica Neue Bold Condensed"/>
+                    <a:sym typeface="Helvetica Neue Bold Condensed"/>
+                  </a:defRPr>
+                </a:lvl1pPr>
+              </a:lstStyle>
+              <a:p>
+                <a:r>
+                  <a:rPr kumimoji="0" lang="en-US" altLang="zh-TW" sz="1800" b="0" i="0" u="none" strike="noStrike" cap="none" spc="0" normalizeH="0" baseline="0" dirty="0">
+                    <a:ln>
+                      <a:noFill/>
+                    </a:ln>
+                    <a:solidFill>
+                      <a:schemeClr val="tx1">
+                        <a:alpha val="15000"/>
+                      </a:schemeClr>
+                    </a:solidFill>
+                    <a:effectLst/>
+                    <a:uFillTx/>
+                    <a:latin typeface="Helvetica Neue Bold Condensed"/>
+                    <a:ea typeface="Helvetica Neue Bold Condensed"/>
+                    <a:cs typeface="Helvetica Neue Bold Condensed"/>
+                    <a:sym typeface="Helvetica Neue Bold Condensed"/>
+                  </a:rPr>
+                  <a:t>10</a:t>
+                </a:r>
+                <a:r>
+                  <a:rPr kumimoji="0" lang="zh-TW" altLang="en-US" sz="1800" b="0" i="0" u="none" strike="noStrike" cap="none" spc="0" normalizeH="0" baseline="0" dirty="0">
+                    <a:ln>
+                      <a:noFill/>
+                    </a:ln>
+                    <a:solidFill>
+                      <a:schemeClr val="tx1">
+                        <a:alpha val="15000"/>
+                      </a:schemeClr>
+                    </a:solidFill>
+                    <a:effectLst/>
+                    <a:uFillTx/>
+                    <a:sym typeface="Helvetica Neue Bold Condensed"/>
+                  </a:rPr>
+                  <a:t>程式中</a:t>
+                </a:r>
+                <a:endParaRPr sz="2000" dirty="0">
+                  <a:solidFill>
+                    <a:schemeClr val="tx1">
+                      <a:alpha val="15000"/>
+                    </a:schemeClr>
+                  </a:solidFill>
+                </a:endParaRPr>
+              </a:p>
+            </p:txBody>
+          </p:sp>
+        </p:grpSp>
+      </p:grpSp>
     </p:spTree>
     <p:extLst>
       <p:ext uri="{BB962C8B-B14F-4D97-AF65-F5344CB8AC3E}">
@@ -9437,7 +11679,7 @@
 </p:sld>
 </file>
 
-<file path=ppt/slides/slide4.xml><?xml version="1.0" encoding="utf-8"?>
+<file path=ppt/slides/slide5.xml><?xml version="1.0" encoding="utf-8"?>
 <p:sld xmlns:a="http://schemas.openxmlformats.org/drawingml/2006/main" xmlns:r="http://schemas.openxmlformats.org/officeDocument/2006/relationships" xmlns:p="http://schemas.openxmlformats.org/presentationml/2006/main">
   <p:cSld>
     <p:spTree>
@@ -9475,7 +11717,7 @@
         </p:blipFill>
         <p:spPr>
           <a:xfrm>
-            <a:off x="1719499" y="1517926"/>
+            <a:off x="2059967" y="1517926"/>
             <a:ext cx="3105419" cy="2855737"/>
           </a:xfrm>
           <a:prstGeom prst="rect">
@@ -9505,7 +11747,7 @@
         </p:blipFill>
         <p:spPr>
           <a:xfrm>
-            <a:off x="6374454" y="1517926"/>
+            <a:off x="6714922" y="1517926"/>
             <a:ext cx="2949368" cy="2855737"/>
           </a:xfrm>
           <a:prstGeom prst="rect">
@@ -9527,7 +11769,7 @@
         </p:nvSpPr>
         <p:spPr>
           <a:xfrm>
-            <a:off x="2628706" y="4761456"/>
+            <a:off x="2969174" y="4761456"/>
             <a:ext cx="1222744" cy="353683"/>
           </a:xfrm>
           <a:prstGeom prst="roundRect">
@@ -9605,7 +11847,7 @@
         </p:nvSpPr>
         <p:spPr>
           <a:xfrm>
-            <a:off x="7364427" y="4761457"/>
+            <a:off x="7704895" y="4761457"/>
             <a:ext cx="1222744" cy="353683"/>
           </a:xfrm>
           <a:prstGeom prst="roundRect">
@@ -9676,10 +11918,1160 @@
           </a:p>
         </p:txBody>
       </p:sp>
+      <p:grpSp>
+        <p:nvGrpSpPr>
+          <p:cNvPr id="8" name="Group 7">
+            <a:extLst>
+              <a:ext uri="{FF2B5EF4-FFF2-40B4-BE49-F238E27FC236}">
+                <a16:creationId xmlns:a16="http://schemas.microsoft.com/office/drawing/2014/main" id="{9CDB57B7-102F-654E-A11F-83F5C9718AC4}"/>
+              </a:ext>
+            </a:extLst>
+          </p:cNvPr>
+          <p:cNvGrpSpPr/>
+          <p:nvPr/>
+        </p:nvGrpSpPr>
+        <p:grpSpPr>
+          <a:xfrm>
+            <a:off x="1692063" y="4581015"/>
+            <a:ext cx="9302184" cy="2054723"/>
+            <a:chOff x="3360126" y="3971848"/>
+            <a:chExt cx="5764444" cy="1050587"/>
+          </a:xfrm>
+        </p:grpSpPr>
+        <p:grpSp>
+          <p:nvGrpSpPr>
+            <p:cNvPr id="9" name="Group 8">
+              <a:extLst>
+                <a:ext uri="{FF2B5EF4-FFF2-40B4-BE49-F238E27FC236}">
+                  <a16:creationId xmlns:a16="http://schemas.microsoft.com/office/drawing/2014/main" id="{09DA1512-C965-5C4B-AF93-327A54D75AA3}"/>
+                </a:ext>
+              </a:extLst>
+            </p:cNvPr>
+            <p:cNvGrpSpPr/>
+            <p:nvPr/>
+          </p:nvGrpSpPr>
+          <p:grpSpPr>
+            <a:xfrm>
+              <a:off x="3360126" y="4381750"/>
+              <a:ext cx="2735874" cy="215396"/>
+              <a:chOff x="7237110" y="4330673"/>
+              <a:chExt cx="2735874" cy="215396"/>
+            </a:xfrm>
+          </p:grpSpPr>
+          <p:sp>
+            <p:nvSpPr>
+              <p:cNvPr id="14" name="Intelligent Information Retrieval Laboratory">
+                <a:extLst>
+                  <a:ext uri="{FF2B5EF4-FFF2-40B4-BE49-F238E27FC236}">
+                    <a16:creationId xmlns:a16="http://schemas.microsoft.com/office/drawing/2014/main" id="{37F5ED64-A040-6946-9033-AA704809EA25}"/>
+                  </a:ext>
+                </a:extLst>
+              </p:cNvPr>
+              <p:cNvSpPr txBox="1"/>
+              <p:nvPr/>
+            </p:nvSpPr>
+            <p:spPr>
+              <a:xfrm>
+                <a:off x="7237110" y="4330673"/>
+                <a:ext cx="2590800" cy="215396"/>
+              </a:xfrm>
+              <a:prstGeom prst="rect">
+                <a:avLst/>
+              </a:prstGeom>
+              <a:noFill/>
+              <a:ln w="12700" cap="flat">
+                <a:noFill/>
+                <a:miter lim="400000"/>
+              </a:ln>
+              <a:effectLst/>
+              <a:extLst>
+                <a:ext uri="{C572A759-6A51-4108-AA02-DFA0A04FC94B}">
+                  <ma14:wrappingTextBoxFlag xmlns="" xmlns:m="http://schemas.openxmlformats.org/officeDocument/2006/math" xmlns:a14="http://schemas.microsoft.com/office/drawing/2010/main" xmlns:ma14="http://schemas.microsoft.com/office/mac/drawingml/2011/main" val="1"/>
+                </a:ext>
+              </a:extLst>
+            </p:spPr>
+            <p:txBody>
+              <a:bodyPr wrap="square" lIns="71437" tIns="71437" rIns="71437" bIns="71437" numCol="1" anchor="ctr">
+                <a:spAutoFit/>
+              </a:bodyPr>
+              <a:lstStyle>
+                <a:lvl1pPr algn="l" defTabSz="821531">
+                  <a:defRPr sz="2400" b="0">
+                    <a:solidFill>
+                      <a:srgbClr val="FFFFFF"/>
+                    </a:solidFill>
+                    <a:latin typeface="Helvetica Neue Bold Condensed"/>
+                    <a:ea typeface="Helvetica Neue Bold Condensed"/>
+                    <a:cs typeface="Helvetica Neue Bold Condensed"/>
+                    <a:sym typeface="Helvetica Neue Bold Condensed"/>
+                  </a:defRPr>
+                </a:lvl1pPr>
+              </a:lstStyle>
+              <a:p>
+                <a:r>
+                  <a:rPr kumimoji="0" lang="zh-TW" altLang="en-US" sz="1400" b="0" i="0" u="none" strike="noStrike" cap="none" spc="0" normalizeH="0" baseline="0" dirty="0">
+                    <a:ln>
+                      <a:noFill/>
+                    </a:ln>
+                    <a:solidFill>
+                      <a:schemeClr val="tx1">
+                        <a:alpha val="15000"/>
+                      </a:schemeClr>
+                    </a:solidFill>
+                    <a:effectLst/>
+                    <a:uFillTx/>
+                    <a:latin typeface="Helvetica Neue Bold Condensed"/>
+                    <a:ea typeface="Helvetica Neue Bold Condensed"/>
+                    <a:cs typeface="Helvetica Neue Bold Condensed"/>
+                    <a:sym typeface="Helvetica Neue Bold Condensed"/>
+                  </a:rPr>
+                  <a:t>第</a:t>
+                </a:r>
+                <a:r>
+                  <a:rPr kumimoji="0" lang="en-US" altLang="zh-TW" sz="1400" b="0" i="0" u="none" strike="noStrike" cap="none" spc="0" normalizeH="0" baseline="0" dirty="0">
+                    <a:ln>
+                      <a:noFill/>
+                    </a:ln>
+                    <a:solidFill>
+                      <a:schemeClr val="tx1">
+                        <a:alpha val="15000"/>
+                      </a:schemeClr>
+                    </a:solidFill>
+                    <a:effectLst/>
+                    <a:uFillTx/>
+                    <a:latin typeface="Helvetica Neue Bold Condensed"/>
+                    <a:ea typeface="Helvetica Neue Bold Condensed"/>
+                    <a:cs typeface="Helvetica Neue Bold Condensed"/>
+                    <a:sym typeface="Helvetica Neue Bold Condensed"/>
+                  </a:rPr>
+                  <a:t>13</a:t>
+                </a:r>
+                <a:r>
+                  <a:rPr kumimoji="0" lang="zh-TW" altLang="en-US" sz="1400" b="0" i="0" u="none" strike="noStrike" cap="none" spc="0" normalizeH="0" baseline="0" dirty="0">
+                    <a:ln>
+                      <a:noFill/>
+                    </a:ln>
+                    <a:solidFill>
+                      <a:schemeClr val="tx1">
+                        <a:alpha val="15000"/>
+                      </a:schemeClr>
+                    </a:solidFill>
+                    <a:effectLst/>
+                    <a:uFillTx/>
+                    <a:latin typeface="Helvetica Neue Bold Condensed"/>
+                    <a:ea typeface="Helvetica Neue Bold Condensed"/>
+                    <a:cs typeface="Helvetica Neue Bold Condensed"/>
+                    <a:sym typeface="Helvetica Neue Bold Condensed"/>
+                  </a:rPr>
+                  <a:t>屆 </a:t>
+                </a:r>
+                <a:r>
+                  <a:rPr kumimoji="0" lang="en-US" sz="1800" b="0" i="0" u="none" strike="noStrike" cap="none" spc="0" normalizeH="0" baseline="0" dirty="0">
+                    <a:ln>
+                      <a:noFill/>
+                    </a:ln>
+                    <a:solidFill>
+                      <a:schemeClr val="tx1">
+                        <a:alpha val="15000"/>
+                      </a:schemeClr>
+                    </a:solidFill>
+                    <a:effectLst/>
+                    <a:uFillTx/>
+                    <a:latin typeface="Helvetica Neue Bold Condensed"/>
+                    <a:ea typeface="Helvetica Neue Bold Condensed"/>
+                    <a:cs typeface="Helvetica Neue Bold Condensed"/>
+                    <a:sym typeface="Helvetica Neue Bold Condensed"/>
+                  </a:rPr>
+                  <a:t>iT</a:t>
+                </a:r>
+                <a:r>
+                  <a:rPr kumimoji="0" lang="zh-TW" altLang="en-US" sz="1600" b="0" i="0" u="none" strike="noStrike" cap="none" spc="0" normalizeH="0" baseline="0" dirty="0">
+                    <a:ln>
+                      <a:noFill/>
+                    </a:ln>
+                    <a:solidFill>
+                      <a:schemeClr val="tx1">
+                        <a:alpha val="15000"/>
+                      </a:schemeClr>
+                    </a:solidFill>
+                    <a:effectLst/>
+                    <a:uFillTx/>
+                    <a:latin typeface="Helvetica Neue Bold Condensed"/>
+                    <a:ea typeface="Helvetica Neue Bold Condensed"/>
+                    <a:cs typeface="Helvetica Neue Bold Condensed"/>
+                    <a:sym typeface="Helvetica Neue Bold Condensed"/>
+                  </a:rPr>
+                  <a:t>邦</a:t>
+                </a:r>
+                <a:r>
+                  <a:rPr kumimoji="0" lang="zh-TW" altLang="en-US" sz="1200" b="0" i="0" u="none" strike="noStrike" cap="none" spc="0" normalizeH="0" baseline="0" dirty="0">
+                    <a:ln>
+                      <a:noFill/>
+                    </a:ln>
+                    <a:solidFill>
+                      <a:schemeClr val="tx1">
+                        <a:alpha val="15000"/>
+                      </a:schemeClr>
+                    </a:solidFill>
+                    <a:effectLst/>
+                    <a:uFillTx/>
+                    <a:latin typeface="Helvetica Neue Bold Condensed"/>
+                    <a:ea typeface="Helvetica Neue Bold Condensed"/>
+                    <a:cs typeface="Helvetica Neue Bold Condensed"/>
+                    <a:sym typeface="Helvetica Neue Bold Condensed"/>
+                  </a:rPr>
+                  <a:t>幫忙</a:t>
+                </a:r>
+                <a:r>
+                  <a:rPr kumimoji="0" lang="zh-TW" altLang="en-US" sz="1600" b="0" i="0" u="none" strike="noStrike" cap="none" spc="0" normalizeH="0" baseline="0" dirty="0">
+                    <a:ln>
+                      <a:noFill/>
+                    </a:ln>
+                    <a:solidFill>
+                      <a:schemeClr val="tx1">
+                        <a:alpha val="15000"/>
+                      </a:schemeClr>
+                    </a:solidFill>
+                    <a:effectLst/>
+                    <a:uFillTx/>
+                    <a:latin typeface="Helvetica Neue Bold Condensed"/>
+                    <a:ea typeface="Helvetica Neue Bold Condensed"/>
+                    <a:cs typeface="Helvetica Neue Bold Condensed"/>
+                    <a:sym typeface="Helvetica Neue Bold Condensed"/>
+                  </a:rPr>
+                  <a:t> 鐵人賽</a:t>
+                </a:r>
+                <a:endParaRPr sz="1600" dirty="0">
+                  <a:solidFill>
+                    <a:schemeClr val="tx1">
+                      <a:alpha val="15000"/>
+                    </a:schemeClr>
+                  </a:solidFill>
+                </a:endParaRPr>
+              </a:p>
+            </p:txBody>
+          </p:sp>
+          <p:sp>
+            <p:nvSpPr>
+              <p:cNvPr id="15" name="Intelligent Information Retrieval Laboratory">
+                <a:extLst>
+                  <a:ext uri="{FF2B5EF4-FFF2-40B4-BE49-F238E27FC236}">
+                    <a16:creationId xmlns:a16="http://schemas.microsoft.com/office/drawing/2014/main" id="{6893A8AF-4D45-E241-870D-01E6AA8B39D6}"/>
+                  </a:ext>
+                </a:extLst>
+              </p:cNvPr>
+              <p:cNvSpPr txBox="1"/>
+              <p:nvPr/>
+            </p:nvSpPr>
+            <p:spPr>
+              <a:xfrm>
+                <a:off x="8753784" y="4354105"/>
+                <a:ext cx="1219200" cy="183922"/>
+              </a:xfrm>
+              <a:prstGeom prst="rect">
+                <a:avLst/>
+              </a:prstGeom>
+              <a:noFill/>
+              <a:ln w="12700" cap="flat">
+                <a:noFill/>
+                <a:miter lim="400000"/>
+              </a:ln>
+              <a:effectLst/>
+              <a:extLst>
+                <a:ext uri="{C572A759-6A51-4108-AA02-DFA0A04FC94B}">
+                  <ma14:wrappingTextBoxFlag xmlns="" xmlns:m="http://schemas.openxmlformats.org/officeDocument/2006/math" xmlns:a14="http://schemas.microsoft.com/office/drawing/2010/main" xmlns:ma14="http://schemas.microsoft.com/office/mac/drawingml/2011/main" val="1"/>
+                </a:ext>
+              </a:extLst>
+            </p:spPr>
+            <p:txBody>
+              <a:bodyPr wrap="square" lIns="71437" tIns="71437" rIns="71437" bIns="71437" numCol="1" anchor="ctr">
+                <a:spAutoFit/>
+              </a:bodyPr>
+              <a:lstStyle>
+                <a:lvl1pPr algn="l" defTabSz="821531">
+                  <a:defRPr sz="2400" b="0">
+                    <a:solidFill>
+                      <a:srgbClr val="FFFFFF"/>
+                    </a:solidFill>
+                    <a:latin typeface="Helvetica Neue Bold Condensed"/>
+                    <a:ea typeface="Helvetica Neue Bold Condensed"/>
+                    <a:cs typeface="Helvetica Neue Bold Condensed"/>
+                    <a:sym typeface="Helvetica Neue Bold Condensed"/>
+                  </a:defRPr>
+                </a:lvl1pPr>
+              </a:lstStyle>
+              <a:p>
+                <a:r>
+                  <a:rPr kumimoji="0" lang="en-US" altLang="zh-TW" sz="1400" b="0" i="0" u="none" strike="noStrike" cap="none" spc="0" normalizeH="0" baseline="0" dirty="0">
+                    <a:ln>
+                      <a:noFill/>
+                    </a:ln>
+                    <a:solidFill>
+                      <a:schemeClr val="tx1">
+                        <a:alpha val="15000"/>
+                      </a:schemeClr>
+                    </a:solidFill>
+                    <a:effectLst/>
+                    <a:uFillTx/>
+                    <a:latin typeface="Helvetica Neue Bold Condensed"/>
+                    <a:ea typeface="Helvetica Neue Bold Condensed"/>
+                    <a:cs typeface="Helvetica Neue Bold Condensed"/>
+                    <a:sym typeface="Helvetica Neue Bold Condensed"/>
+                  </a:rPr>
+                  <a:t>AI &amp; Data </a:t>
+                </a:r>
+                <a:r>
+                  <a:rPr kumimoji="0" lang="zh-TW" altLang="en-US" sz="1400" b="0" i="0" u="none" strike="noStrike" cap="none" spc="0" normalizeH="0" baseline="0" dirty="0">
+                    <a:ln>
+                      <a:noFill/>
+                    </a:ln>
+                    <a:solidFill>
+                      <a:schemeClr val="tx1">
+                        <a:alpha val="15000"/>
+                      </a:schemeClr>
+                    </a:solidFill>
+                    <a:effectLst/>
+                    <a:uFillTx/>
+                    <a:latin typeface="Helvetica Neue Bold Condensed"/>
+                    <a:ea typeface="Helvetica Neue Bold Condensed"/>
+                    <a:cs typeface="Helvetica Neue Bold Condensed"/>
+                    <a:sym typeface="Helvetica Neue Bold Condensed"/>
+                  </a:rPr>
+                  <a:t>組</a:t>
+                </a:r>
+                <a:endParaRPr sz="1600" dirty="0">
+                  <a:solidFill>
+                    <a:schemeClr val="tx1">
+                      <a:alpha val="15000"/>
+                    </a:schemeClr>
+                  </a:solidFill>
+                </a:endParaRPr>
+              </a:p>
+            </p:txBody>
+          </p:sp>
+        </p:grpSp>
+        <p:grpSp>
+          <p:nvGrpSpPr>
+            <p:cNvPr id="10" name="Group 9">
+              <a:extLst>
+                <a:ext uri="{FF2B5EF4-FFF2-40B4-BE49-F238E27FC236}">
+                  <a16:creationId xmlns:a16="http://schemas.microsoft.com/office/drawing/2014/main" id="{CFE960B8-F3CC-884A-B827-804BBAF657B5}"/>
+                </a:ext>
+              </a:extLst>
+            </p:cNvPr>
+            <p:cNvGrpSpPr/>
+            <p:nvPr/>
+          </p:nvGrpSpPr>
+          <p:grpSpPr>
+            <a:xfrm>
+              <a:off x="7247835" y="3971848"/>
+              <a:ext cx="1876735" cy="1050587"/>
+              <a:chOff x="3891792" y="3940042"/>
+              <a:chExt cx="1876735" cy="1050587"/>
+            </a:xfrm>
+          </p:grpSpPr>
+          <p:pic>
+            <p:nvPicPr>
+              <p:cNvPr id="11" name="Picture 10">
+                <a:extLst>
+                  <a:ext uri="{FF2B5EF4-FFF2-40B4-BE49-F238E27FC236}">
+                    <a16:creationId xmlns:a16="http://schemas.microsoft.com/office/drawing/2014/main" id="{051B110E-2D87-E642-B75D-DAA3B97709E1}"/>
+                  </a:ext>
+                </a:extLst>
+              </p:cNvPr>
+              <p:cNvPicPr>
+                <a:picLocks noChangeAspect="1" noChangeArrowheads="1"/>
+              </p:cNvPicPr>
+              <p:nvPr/>
+            </p:nvPicPr>
+            <p:blipFill>
+              <a:blip r:embed="rId4">
+                <a:duotone>
+                  <a:prstClr val="black"/>
+                  <a:schemeClr val="tx1">
+                    <a:tint val="45000"/>
+                    <a:satMod val="400000"/>
+                  </a:schemeClr>
+                </a:duotone>
+                <a:alphaModFix amt="20000"/>
+              </a:blip>
+              <a:srcRect/>
+              <a:stretch/>
+            </p:blipFill>
+            <p:spPr bwMode="auto">
+              <a:xfrm>
+                <a:off x="4489805" y="3940042"/>
+                <a:ext cx="1050587" cy="1050587"/>
+              </a:xfrm>
+              <a:prstGeom prst="rect">
+                <a:avLst/>
+              </a:prstGeom>
+              <a:noFill/>
+              <a:extLst>
+                <a:ext uri="{909E8E84-426E-40DD-AFC4-6F175D3DCCD1}">
+                  <a14:hiddenFill xmlns:a14="http://schemas.microsoft.com/office/drawing/2010/main">
+                    <a:solidFill>
+                      <a:srgbClr val="FFFFFF"/>
+                    </a:solidFill>
+                  </a14:hiddenFill>
+                </a:ext>
+              </a:extLst>
+            </p:spPr>
+          </p:pic>
+          <p:pic>
+            <p:nvPicPr>
+              <p:cNvPr id="12" name="Picture 4" descr="Youtube logo | Logok">
+                <a:extLst>
+                  <a:ext uri="{FF2B5EF4-FFF2-40B4-BE49-F238E27FC236}">
+                    <a16:creationId xmlns:a16="http://schemas.microsoft.com/office/drawing/2014/main" id="{7A7E8FF2-35D0-8946-8B51-178EEDDCB562}"/>
+                  </a:ext>
+                </a:extLst>
+              </p:cNvPr>
+              <p:cNvPicPr>
+                <a:picLocks noChangeAspect="1" noChangeArrowheads="1"/>
+              </p:cNvPicPr>
+              <p:nvPr/>
+            </p:nvPicPr>
+            <p:blipFill>
+              <a:blip r:embed="rId5">
+                <a:alphaModFix amt="20000"/>
+                <a:extLst>
+                  <a:ext uri="{28A0092B-C50C-407E-A947-70E740481C1C}">
+                    <a14:useLocalDpi xmlns:a14="http://schemas.microsoft.com/office/drawing/2010/main" val="0"/>
+                  </a:ext>
+                </a:extLst>
+              </a:blip>
+              <a:srcRect/>
+              <a:stretch>
+                <a:fillRect/>
+              </a:stretch>
+            </p:blipFill>
+            <p:spPr bwMode="auto">
+              <a:xfrm>
+                <a:off x="3891792" y="4187926"/>
+                <a:ext cx="739756" cy="554817"/>
+              </a:xfrm>
+              <a:prstGeom prst="rect">
+                <a:avLst/>
+              </a:prstGeom>
+              <a:noFill/>
+              <a:extLst>
+                <a:ext uri="{909E8E84-426E-40DD-AFC4-6F175D3DCCD1}">
+                  <a14:hiddenFill xmlns:a14="http://schemas.microsoft.com/office/drawing/2010/main">
+                    <a:solidFill>
+                      <a:srgbClr val="FFFFFF"/>
+                    </a:solidFill>
+                  </a14:hiddenFill>
+                </a:ext>
+              </a:extLst>
+            </p:spPr>
+          </p:pic>
+          <p:sp>
+            <p:nvSpPr>
+              <p:cNvPr id="13" name="Intelligent Information Retrieval Laboratory">
+                <a:extLst>
+                  <a:ext uri="{FF2B5EF4-FFF2-40B4-BE49-F238E27FC236}">
+                    <a16:creationId xmlns:a16="http://schemas.microsoft.com/office/drawing/2014/main" id="{F70E5AE9-A447-E34D-9AC9-7E36E35E0F96}"/>
+                  </a:ext>
+                </a:extLst>
+              </p:cNvPr>
+              <p:cNvSpPr txBox="1"/>
+              <p:nvPr/>
+            </p:nvSpPr>
+            <p:spPr>
+              <a:xfrm>
+                <a:off x="4549327" y="4365369"/>
+                <a:ext cx="1219200" cy="215396"/>
+              </a:xfrm>
+              <a:prstGeom prst="rect">
+                <a:avLst/>
+              </a:prstGeom>
+              <a:noFill/>
+              <a:ln w="12700" cap="flat">
+                <a:noFill/>
+                <a:miter lim="400000"/>
+              </a:ln>
+              <a:effectLst/>
+              <a:extLst>
+                <a:ext uri="{C572A759-6A51-4108-AA02-DFA0A04FC94B}">
+                  <ma14:wrappingTextBoxFlag xmlns="" xmlns:m="http://schemas.openxmlformats.org/officeDocument/2006/math" xmlns:a14="http://schemas.microsoft.com/office/drawing/2010/main" xmlns:ma14="http://schemas.microsoft.com/office/mac/drawingml/2011/main" val="1"/>
+                </a:ext>
+              </a:extLst>
+            </p:spPr>
+            <p:txBody>
+              <a:bodyPr wrap="square" lIns="71437" tIns="71437" rIns="71437" bIns="71437" numCol="1" anchor="ctr">
+                <a:spAutoFit/>
+              </a:bodyPr>
+              <a:lstStyle>
+                <a:lvl1pPr algn="l" defTabSz="821531">
+                  <a:defRPr sz="2400" b="0">
+                    <a:solidFill>
+                      <a:srgbClr val="FFFFFF"/>
+                    </a:solidFill>
+                    <a:latin typeface="Helvetica Neue Bold Condensed"/>
+                    <a:ea typeface="Helvetica Neue Bold Condensed"/>
+                    <a:cs typeface="Helvetica Neue Bold Condensed"/>
+                    <a:sym typeface="Helvetica Neue Bold Condensed"/>
+                  </a:defRPr>
+                </a:lvl1pPr>
+              </a:lstStyle>
+              <a:p>
+                <a:r>
+                  <a:rPr kumimoji="0" lang="en-US" altLang="zh-TW" sz="1800" b="0" i="0" u="none" strike="noStrike" cap="none" spc="0" normalizeH="0" baseline="0" dirty="0">
+                    <a:ln>
+                      <a:noFill/>
+                    </a:ln>
+                    <a:solidFill>
+                      <a:schemeClr val="tx1">
+                        <a:alpha val="15000"/>
+                      </a:schemeClr>
+                    </a:solidFill>
+                    <a:effectLst/>
+                    <a:uFillTx/>
+                    <a:latin typeface="Helvetica Neue Bold Condensed"/>
+                    <a:ea typeface="Helvetica Neue Bold Condensed"/>
+                    <a:cs typeface="Helvetica Neue Bold Condensed"/>
+                    <a:sym typeface="Helvetica Neue Bold Condensed"/>
+                  </a:rPr>
+                  <a:t>10</a:t>
+                </a:r>
+                <a:r>
+                  <a:rPr kumimoji="0" lang="zh-TW" altLang="en-US" sz="1800" b="0" i="0" u="none" strike="noStrike" cap="none" spc="0" normalizeH="0" baseline="0" dirty="0">
+                    <a:ln>
+                      <a:noFill/>
+                    </a:ln>
+                    <a:solidFill>
+                      <a:schemeClr val="tx1">
+                        <a:alpha val="15000"/>
+                      </a:schemeClr>
+                    </a:solidFill>
+                    <a:effectLst/>
+                    <a:uFillTx/>
+                    <a:sym typeface="Helvetica Neue Bold Condensed"/>
+                  </a:rPr>
+                  <a:t>程式中</a:t>
+                </a:r>
+                <a:endParaRPr sz="2000" dirty="0">
+                  <a:solidFill>
+                    <a:schemeClr val="tx1">
+                      <a:alpha val="15000"/>
+                    </a:schemeClr>
+                  </a:solidFill>
+                </a:endParaRPr>
+              </a:p>
+            </p:txBody>
+          </p:sp>
+        </p:grpSp>
+      </p:grpSp>
     </p:spTree>
     <p:extLst>
       <p:ext uri="{BB962C8B-B14F-4D97-AF65-F5344CB8AC3E}">
         <p14:creationId xmlns:p14="http://schemas.microsoft.com/office/powerpoint/2010/main" val="606792388"/>
+      </p:ext>
+    </p:extLst>
+  </p:cSld>
+  <p:clrMapOvr>
+    <a:masterClrMapping/>
+  </p:clrMapOvr>
+</p:sld>
+</file>
+
+<file path=ppt/slides/slide6.xml><?xml version="1.0" encoding="utf-8"?>
+<p:sld xmlns:a="http://schemas.openxmlformats.org/drawingml/2006/main" xmlns:r="http://schemas.openxmlformats.org/officeDocument/2006/relationships" xmlns:p="http://schemas.openxmlformats.org/presentationml/2006/main">
+  <p:cSld>
+    <p:spTree>
+      <p:nvGrpSpPr>
+        <p:cNvPr id="1" name=""/>
+        <p:cNvGrpSpPr/>
+        <p:nvPr/>
+      </p:nvGrpSpPr>
+      <p:grpSpPr>
+        <a:xfrm>
+          <a:off x="0" y="0"/>
+          <a:ext cx="0" cy="0"/>
+          <a:chOff x="0" y="0"/>
+          <a:chExt cx="0" cy="0"/>
+        </a:xfrm>
+      </p:grpSpPr>
+      <p:pic>
+        <p:nvPicPr>
+          <p:cNvPr id="3" name="Picture 2">
+            <a:extLst>
+              <a:ext uri="{FF2B5EF4-FFF2-40B4-BE49-F238E27FC236}">
+                <a16:creationId xmlns:a16="http://schemas.microsoft.com/office/drawing/2014/main" id="{C62817DA-3E88-3C42-8FD6-2A0036C4B0C7}"/>
+              </a:ext>
+            </a:extLst>
+          </p:cNvPr>
+          <p:cNvPicPr>
+            <a:picLocks noChangeAspect="1"/>
+          </p:cNvPicPr>
+          <p:nvPr/>
+        </p:nvPicPr>
+        <p:blipFill>
+          <a:blip r:embed="rId2"/>
+          <a:stretch>
+            <a:fillRect/>
+          </a:stretch>
+        </p:blipFill>
+        <p:spPr>
+          <a:xfrm>
+            <a:off x="3420758" y="2338286"/>
+            <a:ext cx="5350483" cy="2525578"/>
+          </a:xfrm>
+          <a:prstGeom prst="rect">
+            <a:avLst/>
+          </a:prstGeom>
+        </p:spPr>
+      </p:pic>
+      <p:grpSp>
+        <p:nvGrpSpPr>
+          <p:cNvPr id="4" name="Group 3">
+            <a:extLst>
+              <a:ext uri="{FF2B5EF4-FFF2-40B4-BE49-F238E27FC236}">
+                <a16:creationId xmlns:a16="http://schemas.microsoft.com/office/drawing/2014/main" id="{81BC885B-3F91-A84D-8FD9-3FF0A5D84D33}"/>
+              </a:ext>
+            </a:extLst>
+          </p:cNvPr>
+          <p:cNvGrpSpPr/>
+          <p:nvPr/>
+        </p:nvGrpSpPr>
+        <p:grpSpPr>
+          <a:xfrm>
+            <a:off x="3432879" y="4446741"/>
+            <a:ext cx="5764444" cy="1050587"/>
+            <a:chOff x="3360126" y="3971848"/>
+            <a:chExt cx="5764444" cy="1050587"/>
+          </a:xfrm>
+        </p:grpSpPr>
+        <p:grpSp>
+          <p:nvGrpSpPr>
+            <p:cNvPr id="5" name="Group 4">
+              <a:extLst>
+                <a:ext uri="{FF2B5EF4-FFF2-40B4-BE49-F238E27FC236}">
+                  <a16:creationId xmlns:a16="http://schemas.microsoft.com/office/drawing/2014/main" id="{645E3E20-8CDB-FE4B-A491-7468156374D3}"/>
+                </a:ext>
+              </a:extLst>
+            </p:cNvPr>
+            <p:cNvGrpSpPr/>
+            <p:nvPr/>
+          </p:nvGrpSpPr>
+          <p:grpSpPr>
+            <a:xfrm>
+              <a:off x="3360126" y="4324980"/>
+              <a:ext cx="2735874" cy="328935"/>
+              <a:chOff x="7237110" y="4273903"/>
+              <a:chExt cx="2735874" cy="328935"/>
+            </a:xfrm>
+          </p:grpSpPr>
+          <p:sp>
+            <p:nvSpPr>
+              <p:cNvPr id="10" name="Intelligent Information Retrieval Laboratory">
+                <a:extLst>
+                  <a:ext uri="{FF2B5EF4-FFF2-40B4-BE49-F238E27FC236}">
+                    <a16:creationId xmlns:a16="http://schemas.microsoft.com/office/drawing/2014/main" id="{85546912-C99F-5742-8951-6369CEAA9EC6}"/>
+                  </a:ext>
+                </a:extLst>
+              </p:cNvPr>
+              <p:cNvSpPr txBox="1"/>
+              <p:nvPr/>
+            </p:nvSpPr>
+            <p:spPr>
+              <a:xfrm>
+                <a:off x="7237110" y="4273903"/>
+                <a:ext cx="2590800" cy="328935"/>
+              </a:xfrm>
+              <a:prstGeom prst="rect">
+                <a:avLst/>
+              </a:prstGeom>
+              <a:noFill/>
+              <a:ln w="12700" cap="flat">
+                <a:noFill/>
+                <a:miter lim="400000"/>
+              </a:ln>
+              <a:effectLst/>
+              <a:extLst>
+                <a:ext uri="{C572A759-6A51-4108-AA02-DFA0A04FC94B}">
+                  <ma14:wrappingTextBoxFlag xmlns="" xmlns:m="http://schemas.openxmlformats.org/officeDocument/2006/math" xmlns:a14="http://schemas.microsoft.com/office/drawing/2010/main" xmlns:ma14="http://schemas.microsoft.com/office/mac/drawingml/2011/main" val="1"/>
+                </a:ext>
+              </a:extLst>
+            </p:spPr>
+            <p:txBody>
+              <a:bodyPr wrap="square" lIns="71437" tIns="71437" rIns="71437" bIns="71437" numCol="1" anchor="ctr">
+                <a:spAutoFit/>
+              </a:bodyPr>
+              <a:lstStyle>
+                <a:lvl1pPr algn="l" defTabSz="821531">
+                  <a:defRPr sz="2400" b="0">
+                    <a:solidFill>
+                      <a:srgbClr val="FFFFFF"/>
+                    </a:solidFill>
+                    <a:latin typeface="Helvetica Neue Bold Condensed"/>
+                    <a:ea typeface="Helvetica Neue Bold Condensed"/>
+                    <a:cs typeface="Helvetica Neue Bold Condensed"/>
+                    <a:sym typeface="Helvetica Neue Bold Condensed"/>
+                  </a:defRPr>
+                </a:lvl1pPr>
+              </a:lstStyle>
+              <a:p>
+                <a:r>
+                  <a:rPr kumimoji="0" lang="zh-TW" altLang="en-US" sz="1050" b="0" i="0" u="none" strike="noStrike" cap="none" spc="0" normalizeH="0" baseline="0" dirty="0">
+                    <a:ln>
+                      <a:noFill/>
+                    </a:ln>
+                    <a:solidFill>
+                      <a:schemeClr val="tx1">
+                        <a:alpha val="15000"/>
+                      </a:schemeClr>
+                    </a:solidFill>
+                    <a:effectLst/>
+                    <a:uFillTx/>
+                    <a:latin typeface="Helvetica Neue Bold Condensed"/>
+                    <a:ea typeface="Helvetica Neue Bold Condensed"/>
+                    <a:cs typeface="Helvetica Neue Bold Condensed"/>
+                    <a:sym typeface="Helvetica Neue Bold Condensed"/>
+                  </a:rPr>
+                  <a:t>第</a:t>
+                </a:r>
+                <a:r>
+                  <a:rPr kumimoji="0" lang="en-US" altLang="zh-TW" sz="1050" b="0" i="0" u="none" strike="noStrike" cap="none" spc="0" normalizeH="0" baseline="0" dirty="0">
+                    <a:ln>
+                      <a:noFill/>
+                    </a:ln>
+                    <a:solidFill>
+                      <a:schemeClr val="tx1">
+                        <a:alpha val="15000"/>
+                      </a:schemeClr>
+                    </a:solidFill>
+                    <a:effectLst/>
+                    <a:uFillTx/>
+                    <a:latin typeface="Helvetica Neue Bold Condensed"/>
+                    <a:ea typeface="Helvetica Neue Bold Condensed"/>
+                    <a:cs typeface="Helvetica Neue Bold Condensed"/>
+                    <a:sym typeface="Helvetica Neue Bold Condensed"/>
+                  </a:rPr>
+                  <a:t>13</a:t>
+                </a:r>
+                <a:r>
+                  <a:rPr kumimoji="0" lang="zh-TW" altLang="en-US" sz="1050" b="0" i="0" u="none" strike="noStrike" cap="none" spc="0" normalizeH="0" baseline="0" dirty="0">
+                    <a:ln>
+                      <a:noFill/>
+                    </a:ln>
+                    <a:solidFill>
+                      <a:schemeClr val="tx1">
+                        <a:alpha val="15000"/>
+                      </a:schemeClr>
+                    </a:solidFill>
+                    <a:effectLst/>
+                    <a:uFillTx/>
+                    <a:latin typeface="Helvetica Neue Bold Condensed"/>
+                    <a:ea typeface="Helvetica Neue Bold Condensed"/>
+                    <a:cs typeface="Helvetica Neue Bold Condensed"/>
+                    <a:sym typeface="Helvetica Neue Bold Condensed"/>
+                  </a:rPr>
+                  <a:t>屆 </a:t>
+                </a:r>
+                <a:r>
+                  <a:rPr kumimoji="0" lang="en-US" sz="1200" b="0" i="0" u="none" strike="noStrike" cap="none" spc="0" normalizeH="0" baseline="0" dirty="0">
+                    <a:ln>
+                      <a:noFill/>
+                    </a:ln>
+                    <a:solidFill>
+                      <a:schemeClr val="tx1">
+                        <a:alpha val="15000"/>
+                      </a:schemeClr>
+                    </a:solidFill>
+                    <a:effectLst/>
+                    <a:uFillTx/>
+                    <a:latin typeface="Helvetica Neue Bold Condensed"/>
+                    <a:ea typeface="Helvetica Neue Bold Condensed"/>
+                    <a:cs typeface="Helvetica Neue Bold Condensed"/>
+                    <a:sym typeface="Helvetica Neue Bold Condensed"/>
+                  </a:rPr>
+                  <a:t>iT</a:t>
+                </a:r>
+                <a:r>
+                  <a:rPr kumimoji="0" lang="zh-TW" altLang="en-US" sz="1100" b="0" i="0" u="none" strike="noStrike" cap="none" spc="0" normalizeH="0" baseline="0" dirty="0">
+                    <a:ln>
+                      <a:noFill/>
+                    </a:ln>
+                    <a:solidFill>
+                      <a:schemeClr val="tx1">
+                        <a:alpha val="15000"/>
+                      </a:schemeClr>
+                    </a:solidFill>
+                    <a:effectLst/>
+                    <a:uFillTx/>
+                    <a:latin typeface="Helvetica Neue Bold Condensed"/>
+                    <a:ea typeface="Helvetica Neue Bold Condensed"/>
+                    <a:cs typeface="Helvetica Neue Bold Condensed"/>
+                    <a:sym typeface="Helvetica Neue Bold Condensed"/>
+                  </a:rPr>
+                  <a:t>邦</a:t>
+                </a:r>
+                <a:r>
+                  <a:rPr kumimoji="0" lang="zh-TW" altLang="en-US" sz="1000" b="0" i="0" u="none" strike="noStrike" cap="none" spc="0" normalizeH="0" baseline="0" dirty="0">
+                    <a:ln>
+                      <a:noFill/>
+                    </a:ln>
+                    <a:solidFill>
+                      <a:schemeClr val="tx1">
+                        <a:alpha val="15000"/>
+                      </a:schemeClr>
+                    </a:solidFill>
+                    <a:effectLst/>
+                    <a:uFillTx/>
+                    <a:latin typeface="Helvetica Neue Bold Condensed"/>
+                    <a:ea typeface="Helvetica Neue Bold Condensed"/>
+                    <a:cs typeface="Helvetica Neue Bold Condensed"/>
+                    <a:sym typeface="Helvetica Neue Bold Condensed"/>
+                  </a:rPr>
+                  <a:t>幫忙</a:t>
+                </a:r>
+                <a:r>
+                  <a:rPr kumimoji="0" lang="zh-TW" altLang="en-US" sz="1100" b="0" i="0" u="none" strike="noStrike" cap="none" spc="0" normalizeH="0" baseline="0" dirty="0">
+                    <a:ln>
+                      <a:noFill/>
+                    </a:ln>
+                    <a:solidFill>
+                      <a:schemeClr val="tx1">
+                        <a:alpha val="15000"/>
+                      </a:schemeClr>
+                    </a:solidFill>
+                    <a:effectLst/>
+                    <a:uFillTx/>
+                    <a:latin typeface="Helvetica Neue Bold Condensed"/>
+                    <a:ea typeface="Helvetica Neue Bold Condensed"/>
+                    <a:cs typeface="Helvetica Neue Bold Condensed"/>
+                    <a:sym typeface="Helvetica Neue Bold Condensed"/>
+                  </a:rPr>
+                  <a:t> 鐵人賽</a:t>
+                </a:r>
+                <a:endParaRPr sz="1100" dirty="0">
+                  <a:solidFill>
+                    <a:schemeClr val="tx1">
+                      <a:alpha val="15000"/>
+                    </a:schemeClr>
+                  </a:solidFill>
+                </a:endParaRPr>
+              </a:p>
+            </p:txBody>
+          </p:sp>
+          <p:sp>
+            <p:nvSpPr>
+              <p:cNvPr id="11" name="Intelligent Information Retrieval Laboratory">
+                <a:extLst>
+                  <a:ext uri="{FF2B5EF4-FFF2-40B4-BE49-F238E27FC236}">
+                    <a16:creationId xmlns:a16="http://schemas.microsoft.com/office/drawing/2014/main" id="{C0193536-07AE-7C41-89B7-0B6AE52F29B8}"/>
+                  </a:ext>
+                </a:extLst>
+              </p:cNvPr>
+              <p:cNvSpPr txBox="1"/>
+              <p:nvPr/>
+            </p:nvSpPr>
+            <p:spPr>
+              <a:xfrm>
+                <a:off x="8753784" y="4289292"/>
+                <a:ext cx="1219200" cy="313546"/>
+              </a:xfrm>
+              <a:prstGeom prst="rect">
+                <a:avLst/>
+              </a:prstGeom>
+              <a:noFill/>
+              <a:ln w="12700" cap="flat">
+                <a:noFill/>
+                <a:miter lim="400000"/>
+              </a:ln>
+              <a:effectLst/>
+              <a:extLst>
+                <a:ext uri="{C572A759-6A51-4108-AA02-DFA0A04FC94B}">
+                  <ma14:wrappingTextBoxFlag xmlns="" xmlns:m="http://schemas.openxmlformats.org/officeDocument/2006/math" xmlns:a14="http://schemas.microsoft.com/office/drawing/2010/main" xmlns:ma14="http://schemas.microsoft.com/office/mac/drawingml/2011/main" val="1"/>
+                </a:ext>
+              </a:extLst>
+            </p:spPr>
+            <p:txBody>
+              <a:bodyPr wrap="square" lIns="71437" tIns="71437" rIns="71437" bIns="71437" numCol="1" anchor="ctr">
+                <a:spAutoFit/>
+              </a:bodyPr>
+              <a:lstStyle>
+                <a:lvl1pPr algn="l" defTabSz="821531">
+                  <a:defRPr sz="2400" b="0">
+                    <a:solidFill>
+                      <a:srgbClr val="FFFFFF"/>
+                    </a:solidFill>
+                    <a:latin typeface="Helvetica Neue Bold Condensed"/>
+                    <a:ea typeface="Helvetica Neue Bold Condensed"/>
+                    <a:cs typeface="Helvetica Neue Bold Condensed"/>
+                    <a:sym typeface="Helvetica Neue Bold Condensed"/>
+                  </a:defRPr>
+                </a:lvl1pPr>
+              </a:lstStyle>
+              <a:p>
+                <a:r>
+                  <a:rPr kumimoji="0" lang="en-US" altLang="zh-TW" sz="1050" b="0" i="0" u="none" strike="noStrike" cap="none" spc="0" normalizeH="0" baseline="0" dirty="0">
+                    <a:ln>
+                      <a:noFill/>
+                    </a:ln>
+                    <a:solidFill>
+                      <a:schemeClr val="tx1">
+                        <a:alpha val="15000"/>
+                      </a:schemeClr>
+                    </a:solidFill>
+                    <a:effectLst/>
+                    <a:uFillTx/>
+                    <a:latin typeface="Helvetica Neue Bold Condensed"/>
+                    <a:ea typeface="Helvetica Neue Bold Condensed"/>
+                    <a:cs typeface="Helvetica Neue Bold Condensed"/>
+                    <a:sym typeface="Helvetica Neue Bold Condensed"/>
+                  </a:rPr>
+                  <a:t>AI &amp; Data </a:t>
+                </a:r>
+                <a:r>
+                  <a:rPr kumimoji="0" lang="zh-TW" altLang="en-US" sz="1050" b="0" i="0" u="none" strike="noStrike" cap="none" spc="0" normalizeH="0" baseline="0" dirty="0">
+                    <a:ln>
+                      <a:noFill/>
+                    </a:ln>
+                    <a:solidFill>
+                      <a:schemeClr val="tx1">
+                        <a:alpha val="15000"/>
+                      </a:schemeClr>
+                    </a:solidFill>
+                    <a:effectLst/>
+                    <a:uFillTx/>
+                    <a:latin typeface="Helvetica Neue Bold Condensed"/>
+                    <a:ea typeface="Helvetica Neue Bold Condensed"/>
+                    <a:cs typeface="Helvetica Neue Bold Condensed"/>
+                    <a:sym typeface="Helvetica Neue Bold Condensed"/>
+                  </a:rPr>
+                  <a:t>組</a:t>
+                </a:r>
+                <a:endParaRPr sz="1100" dirty="0">
+                  <a:solidFill>
+                    <a:schemeClr val="tx1">
+                      <a:alpha val="15000"/>
+                    </a:schemeClr>
+                  </a:solidFill>
+                </a:endParaRPr>
+              </a:p>
+            </p:txBody>
+          </p:sp>
+        </p:grpSp>
+        <p:grpSp>
+          <p:nvGrpSpPr>
+            <p:cNvPr id="6" name="Group 5">
+              <a:extLst>
+                <a:ext uri="{FF2B5EF4-FFF2-40B4-BE49-F238E27FC236}">
+                  <a16:creationId xmlns:a16="http://schemas.microsoft.com/office/drawing/2014/main" id="{8CE03DA4-1A9B-8245-BFA2-5758FC121ADF}"/>
+                </a:ext>
+              </a:extLst>
+            </p:cNvPr>
+            <p:cNvGrpSpPr/>
+            <p:nvPr/>
+          </p:nvGrpSpPr>
+          <p:grpSpPr>
+            <a:xfrm>
+              <a:off x="7247835" y="3971848"/>
+              <a:ext cx="1876735" cy="1050587"/>
+              <a:chOff x="3891792" y="3940042"/>
+              <a:chExt cx="1876735" cy="1050587"/>
+            </a:xfrm>
+          </p:grpSpPr>
+          <p:pic>
+            <p:nvPicPr>
+              <p:cNvPr id="7" name="Picture 6">
+                <a:extLst>
+                  <a:ext uri="{FF2B5EF4-FFF2-40B4-BE49-F238E27FC236}">
+                    <a16:creationId xmlns:a16="http://schemas.microsoft.com/office/drawing/2014/main" id="{F578656B-DBFC-BA41-9B5D-5E913D9270D2}"/>
+                  </a:ext>
+                </a:extLst>
+              </p:cNvPr>
+              <p:cNvPicPr>
+                <a:picLocks noChangeAspect="1" noChangeArrowheads="1"/>
+              </p:cNvPicPr>
+              <p:nvPr/>
+            </p:nvPicPr>
+            <p:blipFill>
+              <a:blip r:embed="rId3">
+                <a:duotone>
+                  <a:prstClr val="black"/>
+                  <a:schemeClr val="tx1">
+                    <a:tint val="45000"/>
+                    <a:satMod val="400000"/>
+                  </a:schemeClr>
+                </a:duotone>
+                <a:alphaModFix amt="20000"/>
+              </a:blip>
+              <a:srcRect/>
+              <a:stretch/>
+            </p:blipFill>
+            <p:spPr bwMode="auto">
+              <a:xfrm>
+                <a:off x="4489805" y="3940042"/>
+                <a:ext cx="1050587" cy="1050587"/>
+              </a:xfrm>
+              <a:prstGeom prst="rect">
+                <a:avLst/>
+              </a:prstGeom>
+              <a:noFill/>
+              <a:extLst>
+                <a:ext uri="{909E8E84-426E-40DD-AFC4-6F175D3DCCD1}">
+                  <a14:hiddenFill xmlns:a14="http://schemas.microsoft.com/office/drawing/2010/main">
+                    <a:solidFill>
+                      <a:srgbClr val="FFFFFF"/>
+                    </a:solidFill>
+                  </a14:hiddenFill>
+                </a:ext>
+              </a:extLst>
+            </p:spPr>
+          </p:pic>
+          <p:pic>
+            <p:nvPicPr>
+              <p:cNvPr id="8" name="Picture 4" descr="Youtube logo | Logok">
+                <a:extLst>
+                  <a:ext uri="{FF2B5EF4-FFF2-40B4-BE49-F238E27FC236}">
+                    <a16:creationId xmlns:a16="http://schemas.microsoft.com/office/drawing/2014/main" id="{7FCC4176-B536-A249-BE3A-2E548EF1DD0A}"/>
+                  </a:ext>
+                </a:extLst>
+              </p:cNvPr>
+              <p:cNvPicPr>
+                <a:picLocks noChangeAspect="1" noChangeArrowheads="1"/>
+              </p:cNvPicPr>
+              <p:nvPr/>
+            </p:nvPicPr>
+            <p:blipFill>
+              <a:blip r:embed="rId4">
+                <a:alphaModFix amt="20000"/>
+                <a:extLst>
+                  <a:ext uri="{28A0092B-C50C-407E-A947-70E740481C1C}">
+                    <a14:useLocalDpi xmlns:a14="http://schemas.microsoft.com/office/drawing/2010/main" val="0"/>
+                  </a:ext>
+                </a:extLst>
+              </a:blip>
+              <a:srcRect/>
+              <a:stretch>
+                <a:fillRect/>
+              </a:stretch>
+            </p:blipFill>
+            <p:spPr bwMode="auto">
+              <a:xfrm>
+                <a:off x="3891792" y="4187926"/>
+                <a:ext cx="739756" cy="554817"/>
+              </a:xfrm>
+              <a:prstGeom prst="rect">
+                <a:avLst/>
+              </a:prstGeom>
+              <a:noFill/>
+              <a:extLst>
+                <a:ext uri="{909E8E84-426E-40DD-AFC4-6F175D3DCCD1}">
+                  <a14:hiddenFill xmlns:a14="http://schemas.microsoft.com/office/drawing/2010/main">
+                    <a:solidFill>
+                      <a:srgbClr val="FFFFFF"/>
+                    </a:solidFill>
+                  </a14:hiddenFill>
+                </a:ext>
+              </a:extLst>
+            </p:spPr>
+          </p:pic>
+          <p:sp>
+            <p:nvSpPr>
+              <p:cNvPr id="9" name="Intelligent Information Retrieval Laboratory">
+                <a:extLst>
+                  <a:ext uri="{FF2B5EF4-FFF2-40B4-BE49-F238E27FC236}">
+                    <a16:creationId xmlns:a16="http://schemas.microsoft.com/office/drawing/2014/main" id="{F0341EC8-59C9-3346-AECA-0F070FED04AD}"/>
+                  </a:ext>
+                </a:extLst>
+              </p:cNvPr>
+              <p:cNvSpPr txBox="1"/>
+              <p:nvPr/>
+            </p:nvSpPr>
+            <p:spPr>
+              <a:xfrm>
+                <a:off x="4549327" y="4308601"/>
+                <a:ext cx="1219200" cy="328935"/>
+              </a:xfrm>
+              <a:prstGeom prst="rect">
+                <a:avLst/>
+              </a:prstGeom>
+              <a:noFill/>
+              <a:ln w="12700" cap="flat">
+                <a:noFill/>
+                <a:miter lim="400000"/>
+              </a:ln>
+              <a:effectLst/>
+              <a:extLst>
+                <a:ext uri="{C572A759-6A51-4108-AA02-DFA0A04FC94B}">
+                  <ma14:wrappingTextBoxFlag xmlns="" xmlns:m="http://schemas.openxmlformats.org/officeDocument/2006/math" xmlns:a14="http://schemas.microsoft.com/office/drawing/2010/main" xmlns:ma14="http://schemas.microsoft.com/office/mac/drawingml/2011/main" val="1"/>
+                </a:ext>
+              </a:extLst>
+            </p:spPr>
+            <p:txBody>
+              <a:bodyPr wrap="square" lIns="71437" tIns="71437" rIns="71437" bIns="71437" numCol="1" anchor="ctr">
+                <a:spAutoFit/>
+              </a:bodyPr>
+              <a:lstStyle>
+                <a:lvl1pPr algn="l" defTabSz="821531">
+                  <a:defRPr sz="2400" b="0">
+                    <a:solidFill>
+                      <a:srgbClr val="FFFFFF"/>
+                    </a:solidFill>
+                    <a:latin typeface="Helvetica Neue Bold Condensed"/>
+                    <a:ea typeface="Helvetica Neue Bold Condensed"/>
+                    <a:cs typeface="Helvetica Neue Bold Condensed"/>
+                    <a:sym typeface="Helvetica Neue Bold Condensed"/>
+                  </a:defRPr>
+                </a:lvl1pPr>
+              </a:lstStyle>
+              <a:p>
+                <a:r>
+                  <a:rPr kumimoji="0" lang="en-US" altLang="zh-TW" sz="1200" b="0" i="0" u="none" strike="noStrike" cap="none" spc="0" normalizeH="0" baseline="0" dirty="0">
+                    <a:ln>
+                      <a:noFill/>
+                    </a:ln>
+                    <a:solidFill>
+                      <a:schemeClr val="tx1">
+                        <a:alpha val="15000"/>
+                      </a:schemeClr>
+                    </a:solidFill>
+                    <a:effectLst/>
+                    <a:uFillTx/>
+                    <a:latin typeface="Helvetica Neue Bold Condensed"/>
+                    <a:ea typeface="Helvetica Neue Bold Condensed"/>
+                    <a:cs typeface="Helvetica Neue Bold Condensed"/>
+                    <a:sym typeface="Helvetica Neue Bold Condensed"/>
+                  </a:rPr>
+                  <a:t>10</a:t>
+                </a:r>
+                <a:r>
+                  <a:rPr kumimoji="0" lang="zh-TW" altLang="en-US" sz="1200" b="0" i="0" u="none" strike="noStrike" cap="none" spc="0" normalizeH="0" baseline="0" dirty="0">
+                    <a:ln>
+                      <a:noFill/>
+                    </a:ln>
+                    <a:solidFill>
+                      <a:schemeClr val="tx1">
+                        <a:alpha val="15000"/>
+                      </a:schemeClr>
+                    </a:solidFill>
+                    <a:effectLst/>
+                    <a:uFillTx/>
+                    <a:sym typeface="Helvetica Neue Bold Condensed"/>
+                  </a:rPr>
+                  <a:t>程式中</a:t>
+                </a:r>
+                <a:endParaRPr sz="1400" dirty="0">
+                  <a:solidFill>
+                    <a:schemeClr val="tx1">
+                      <a:alpha val="15000"/>
+                    </a:schemeClr>
+                  </a:solidFill>
+                </a:endParaRPr>
+              </a:p>
+            </p:txBody>
+          </p:sp>
+        </p:grpSp>
+      </p:grpSp>
+    </p:spTree>
+    <p:extLst>
+      <p:ext uri="{BB962C8B-B14F-4D97-AF65-F5344CB8AC3E}">
+        <p14:creationId xmlns:p14="http://schemas.microsoft.com/office/powerpoint/2010/main" val="645566887"/>
       </p:ext>
     </p:extLst>
   </p:cSld>

--- a/_posts/ithome/2021/10.KNN/10.KNN.pptx
+++ b/_posts/ithome/2021/10.KNN/10.KNN.pptx
@@ -266,7 +266,7 @@
           <a:p>
             <a:fld id="{32A48CA4-AC9B-A849-A20F-CF8CEE1BB5FD}" type="datetimeFigureOut">
               <a:rPr lang="en-TW" smtClean="0"/>
-              <a:t>2021/9/22</a:t>
+              <a:t>2022/3/11</a:t>
             </a:fld>
             <a:endParaRPr lang="en-TW"/>
           </a:p>
@@ -466,7 +466,7 @@
           <a:p>
             <a:fld id="{32A48CA4-AC9B-A849-A20F-CF8CEE1BB5FD}" type="datetimeFigureOut">
               <a:rPr lang="en-TW" smtClean="0"/>
-              <a:t>2021/9/22</a:t>
+              <a:t>2022/3/11</a:t>
             </a:fld>
             <a:endParaRPr lang="en-TW"/>
           </a:p>
@@ -676,7 +676,7 @@
           <a:p>
             <a:fld id="{32A48CA4-AC9B-A849-A20F-CF8CEE1BB5FD}" type="datetimeFigureOut">
               <a:rPr lang="en-TW" smtClean="0"/>
-              <a:t>2021/9/22</a:t>
+              <a:t>2022/3/11</a:t>
             </a:fld>
             <a:endParaRPr lang="en-TW"/>
           </a:p>
@@ -876,7 +876,7 @@
           <a:p>
             <a:fld id="{32A48CA4-AC9B-A849-A20F-CF8CEE1BB5FD}" type="datetimeFigureOut">
               <a:rPr lang="en-TW" smtClean="0"/>
-              <a:t>2021/9/22</a:t>
+              <a:t>2022/3/11</a:t>
             </a:fld>
             <a:endParaRPr lang="en-TW"/>
           </a:p>
@@ -1152,7 +1152,7 @@
           <a:p>
             <a:fld id="{32A48CA4-AC9B-A849-A20F-CF8CEE1BB5FD}" type="datetimeFigureOut">
               <a:rPr lang="en-TW" smtClean="0"/>
-              <a:t>2021/9/22</a:t>
+              <a:t>2022/3/11</a:t>
             </a:fld>
             <a:endParaRPr lang="en-TW"/>
           </a:p>
@@ -1420,7 +1420,7 @@
           <a:p>
             <a:fld id="{32A48CA4-AC9B-A849-A20F-CF8CEE1BB5FD}" type="datetimeFigureOut">
               <a:rPr lang="en-TW" smtClean="0"/>
-              <a:t>2021/9/22</a:t>
+              <a:t>2022/3/11</a:t>
             </a:fld>
             <a:endParaRPr lang="en-TW"/>
           </a:p>
@@ -1835,7 +1835,7 @@
           <a:p>
             <a:fld id="{32A48CA4-AC9B-A849-A20F-CF8CEE1BB5FD}" type="datetimeFigureOut">
               <a:rPr lang="en-TW" smtClean="0"/>
-              <a:t>2021/9/22</a:t>
+              <a:t>2022/3/11</a:t>
             </a:fld>
             <a:endParaRPr lang="en-TW"/>
           </a:p>
@@ -1977,7 +1977,7 @@
           <a:p>
             <a:fld id="{32A48CA4-AC9B-A849-A20F-CF8CEE1BB5FD}" type="datetimeFigureOut">
               <a:rPr lang="en-TW" smtClean="0"/>
-              <a:t>2021/9/22</a:t>
+              <a:t>2022/3/11</a:t>
             </a:fld>
             <a:endParaRPr lang="en-TW"/>
           </a:p>
@@ -2090,7 +2090,7 @@
           <a:p>
             <a:fld id="{32A48CA4-AC9B-A849-A20F-CF8CEE1BB5FD}" type="datetimeFigureOut">
               <a:rPr lang="en-TW" smtClean="0"/>
-              <a:t>2021/9/22</a:t>
+              <a:t>2022/3/11</a:t>
             </a:fld>
             <a:endParaRPr lang="en-TW"/>
           </a:p>
@@ -2403,7 +2403,7 @@
           <a:p>
             <a:fld id="{32A48CA4-AC9B-A849-A20F-CF8CEE1BB5FD}" type="datetimeFigureOut">
               <a:rPr lang="en-TW" smtClean="0"/>
-              <a:t>2021/9/22</a:t>
+              <a:t>2022/3/11</a:t>
             </a:fld>
             <a:endParaRPr lang="en-TW"/>
           </a:p>
@@ -2692,7 +2692,7 @@
           <a:p>
             <a:fld id="{32A48CA4-AC9B-A849-A20F-CF8CEE1BB5FD}" type="datetimeFigureOut">
               <a:rPr lang="en-TW" smtClean="0"/>
-              <a:t>2021/9/22</a:t>
+              <a:t>2022/3/11</a:t>
             </a:fld>
             <a:endParaRPr lang="en-TW"/>
           </a:p>
@@ -2935,7 +2935,7 @@
           <a:p>
             <a:fld id="{32A48CA4-AC9B-A849-A20F-CF8CEE1BB5FD}" type="datetimeFigureOut">
               <a:rPr lang="en-TW" smtClean="0"/>
-              <a:t>2021/9/22</a:t>
+              <a:t>2022/3/11</a:t>
             </a:fld>
             <a:endParaRPr lang="en-TW"/>
           </a:p>
@@ -6045,8 +6045,8 @@
         </p:nvSpPr>
         <p:spPr>
           <a:xfrm>
-            <a:off x="8758608" y="4148841"/>
-            <a:ext cx="601447" cy="369332"/>
+            <a:off x="8758607" y="4148841"/>
+            <a:ext cx="601448" cy="369332"/>
           </a:xfrm>
           <a:prstGeom prst="rect">
             <a:avLst/>
@@ -6076,7 +6076,7 @@
                 <a:latin typeface="Arial"/>
                 <a:ea typeface="微软雅黑"/>
               </a:rPr>
-              <a:t>K=3</a:t>
+              <a:t>K=5</a:t>
             </a:r>
           </a:p>
         </p:txBody>
@@ -6149,7 +6149,7 @@
               <a:effectLst/>
               <a:extLst>
                 <a:ext uri="{C572A759-6A51-4108-AA02-DFA0A04FC94B}">
-                  <ma14:wrappingTextBoxFlag xmlns="" xmlns:m="http://schemas.openxmlformats.org/officeDocument/2006/math" xmlns:a14="http://schemas.microsoft.com/office/drawing/2010/main" xmlns:ma14="http://schemas.microsoft.com/office/mac/drawingml/2011/main" val="1"/>
+                  <ma14:wrappingTextBoxFlag xmlns:ma14="http://schemas.microsoft.com/office/mac/drawingml/2011/main" xmlns:a14="http://schemas.microsoft.com/office/drawing/2010/main" xmlns:m="http://schemas.openxmlformats.org/officeDocument/2006/math" xmlns="" val="1"/>
                 </a:ext>
               </a:extLst>
             </p:spPr>
@@ -6342,7 +6342,7 @@
               <a:effectLst/>
               <a:extLst>
                 <a:ext uri="{C572A759-6A51-4108-AA02-DFA0A04FC94B}">
-                  <ma14:wrappingTextBoxFlag xmlns="" xmlns:m="http://schemas.openxmlformats.org/officeDocument/2006/math" xmlns:a14="http://schemas.microsoft.com/office/drawing/2010/main" xmlns:ma14="http://schemas.microsoft.com/office/mac/drawingml/2011/main" val="1"/>
+                  <ma14:wrappingTextBoxFlag xmlns:ma14="http://schemas.microsoft.com/office/mac/drawingml/2011/main" xmlns:a14="http://schemas.microsoft.com/office/drawing/2010/main" xmlns:m="http://schemas.openxmlformats.org/officeDocument/2006/math" xmlns="" val="1"/>
                 </a:ext>
               </a:extLst>
             </p:spPr>
@@ -6557,7 +6557,7 @@
               <a:effectLst/>
               <a:extLst>
                 <a:ext uri="{C572A759-6A51-4108-AA02-DFA0A04FC94B}">
-                  <ma14:wrappingTextBoxFlag xmlns="" xmlns:m="http://schemas.openxmlformats.org/officeDocument/2006/math" xmlns:a14="http://schemas.microsoft.com/office/drawing/2010/main" xmlns:ma14="http://schemas.microsoft.com/office/mac/drawingml/2011/main" val="1"/>
+                  <ma14:wrappingTextBoxFlag xmlns:ma14="http://schemas.microsoft.com/office/mac/drawingml/2011/main" xmlns:a14="http://schemas.microsoft.com/office/drawing/2010/main" xmlns:m="http://schemas.openxmlformats.org/officeDocument/2006/math" xmlns="" val="1"/>
                 </a:ext>
               </a:extLst>
             </p:spPr>
@@ -9360,7 +9360,7 @@
                 <a:latin typeface="Arial"/>
                 <a:ea typeface="微软雅黑"/>
               </a:rPr>
-              <a:t>K=2 分類為</a:t>
+              <a:t>K=3 分類為</a:t>
             </a:r>
           </a:p>
         </p:txBody>
@@ -9478,7 +9478,7 @@
                 <a:latin typeface="Arial"/>
                 <a:ea typeface="微软雅黑"/>
               </a:rPr>
-              <a:t>K=2 分類為</a:t>
+              <a:t>K=5 分類為</a:t>
             </a:r>
           </a:p>
         </p:txBody>
@@ -9621,7 +9621,7 @@
               <a:effectLst/>
               <a:extLst>
                 <a:ext uri="{C572A759-6A51-4108-AA02-DFA0A04FC94B}">
-                  <ma14:wrappingTextBoxFlag xmlns="" xmlns:m="http://schemas.openxmlformats.org/officeDocument/2006/math" xmlns:a14="http://schemas.microsoft.com/office/drawing/2010/main" xmlns:ma14="http://schemas.microsoft.com/office/mac/drawingml/2011/main" val="1"/>
+                  <ma14:wrappingTextBoxFlag xmlns:ma14="http://schemas.microsoft.com/office/mac/drawingml/2011/main" xmlns:a14="http://schemas.microsoft.com/office/drawing/2010/main" xmlns:m="http://schemas.openxmlformats.org/officeDocument/2006/math" xmlns="" val="1"/>
                 </a:ext>
               </a:extLst>
             </p:spPr>
@@ -9814,7 +9814,7 @@
               <a:effectLst/>
               <a:extLst>
                 <a:ext uri="{C572A759-6A51-4108-AA02-DFA0A04FC94B}">
-                  <ma14:wrappingTextBoxFlag xmlns="" xmlns:m="http://schemas.openxmlformats.org/officeDocument/2006/math" xmlns:a14="http://schemas.microsoft.com/office/drawing/2010/main" xmlns:ma14="http://schemas.microsoft.com/office/mac/drawingml/2011/main" val="1"/>
+                  <ma14:wrappingTextBoxFlag xmlns:ma14="http://schemas.microsoft.com/office/mac/drawingml/2011/main" xmlns:a14="http://schemas.microsoft.com/office/drawing/2010/main" xmlns:m="http://schemas.openxmlformats.org/officeDocument/2006/math" xmlns="" val="1"/>
                 </a:ext>
               </a:extLst>
             </p:spPr>
@@ -10029,7 +10029,7 @@
               <a:effectLst/>
               <a:extLst>
                 <a:ext uri="{C572A759-6A51-4108-AA02-DFA0A04FC94B}">
-                  <ma14:wrappingTextBoxFlag xmlns="" xmlns:m="http://schemas.openxmlformats.org/officeDocument/2006/math" xmlns:a14="http://schemas.microsoft.com/office/drawing/2010/main" xmlns:ma14="http://schemas.microsoft.com/office/mac/drawingml/2011/main" val="1"/>
+                  <ma14:wrappingTextBoxFlag xmlns:ma14="http://schemas.microsoft.com/office/mac/drawingml/2011/main" xmlns:a14="http://schemas.microsoft.com/office/drawing/2010/main" xmlns:m="http://schemas.openxmlformats.org/officeDocument/2006/math" xmlns="" val="1"/>
                 </a:ext>
               </a:extLst>
             </p:spPr>
@@ -10336,7 +10336,7 @@
               <a:effectLst/>
               <a:extLst>
                 <a:ext uri="{C572A759-6A51-4108-AA02-DFA0A04FC94B}">
-                  <ma14:wrappingTextBoxFlag xmlns="" xmlns:m="http://schemas.openxmlformats.org/officeDocument/2006/math" xmlns:a14="http://schemas.microsoft.com/office/drawing/2010/main" xmlns:ma14="http://schemas.microsoft.com/office/mac/drawingml/2011/main" val="1"/>
+                  <ma14:wrappingTextBoxFlag xmlns:ma14="http://schemas.microsoft.com/office/mac/drawingml/2011/main" xmlns:a14="http://schemas.microsoft.com/office/drawing/2010/main" xmlns:m="http://schemas.openxmlformats.org/officeDocument/2006/math" xmlns="" val="1"/>
                 </a:ext>
               </a:extLst>
             </p:spPr>
@@ -10529,7 +10529,7 @@
               <a:effectLst/>
               <a:extLst>
                 <a:ext uri="{C572A759-6A51-4108-AA02-DFA0A04FC94B}">
-                  <ma14:wrappingTextBoxFlag xmlns="" xmlns:m="http://schemas.openxmlformats.org/officeDocument/2006/math" xmlns:a14="http://schemas.microsoft.com/office/drawing/2010/main" xmlns:ma14="http://schemas.microsoft.com/office/mac/drawingml/2011/main" val="1"/>
+                  <ma14:wrappingTextBoxFlag xmlns:ma14="http://schemas.microsoft.com/office/mac/drawingml/2011/main" xmlns:a14="http://schemas.microsoft.com/office/drawing/2010/main" xmlns:m="http://schemas.openxmlformats.org/officeDocument/2006/math" xmlns="" val="1"/>
                 </a:ext>
               </a:extLst>
             </p:spPr>
@@ -10744,7 +10744,7 @@
               <a:effectLst/>
               <a:extLst>
                 <a:ext uri="{C572A759-6A51-4108-AA02-DFA0A04FC94B}">
-                  <ma14:wrappingTextBoxFlag xmlns="" xmlns:m="http://schemas.openxmlformats.org/officeDocument/2006/math" xmlns:a14="http://schemas.microsoft.com/office/drawing/2010/main" xmlns:ma14="http://schemas.microsoft.com/office/mac/drawingml/2011/main" val="1"/>
+                  <ma14:wrappingTextBoxFlag xmlns:ma14="http://schemas.microsoft.com/office/mac/drawingml/2011/main" xmlns:a14="http://schemas.microsoft.com/office/drawing/2010/main" xmlns:m="http://schemas.openxmlformats.org/officeDocument/2006/math" xmlns="" val="1"/>
                 </a:ext>
               </a:extLst>
             </p:spPr>
@@ -11189,7 +11189,7 @@
               <a:effectLst/>
               <a:extLst>
                 <a:ext uri="{C572A759-6A51-4108-AA02-DFA0A04FC94B}">
-                  <ma14:wrappingTextBoxFlag xmlns="" xmlns:m="http://schemas.openxmlformats.org/officeDocument/2006/math" xmlns:a14="http://schemas.microsoft.com/office/drawing/2010/main" xmlns:ma14="http://schemas.microsoft.com/office/mac/drawingml/2011/main" val="1"/>
+                  <ma14:wrappingTextBoxFlag xmlns:ma14="http://schemas.microsoft.com/office/mac/drawingml/2011/main" xmlns:a14="http://schemas.microsoft.com/office/drawing/2010/main" xmlns:m="http://schemas.openxmlformats.org/officeDocument/2006/math" xmlns="" val="1"/>
                 </a:ext>
               </a:extLst>
             </p:spPr>
@@ -11382,7 +11382,7 @@
               <a:effectLst/>
               <a:extLst>
                 <a:ext uri="{C572A759-6A51-4108-AA02-DFA0A04FC94B}">
-                  <ma14:wrappingTextBoxFlag xmlns="" xmlns:m="http://schemas.openxmlformats.org/officeDocument/2006/math" xmlns:a14="http://schemas.microsoft.com/office/drawing/2010/main" xmlns:ma14="http://schemas.microsoft.com/office/mac/drawingml/2011/main" val="1"/>
+                  <ma14:wrappingTextBoxFlag xmlns:ma14="http://schemas.microsoft.com/office/mac/drawingml/2011/main" xmlns:a14="http://schemas.microsoft.com/office/drawing/2010/main" xmlns:m="http://schemas.openxmlformats.org/officeDocument/2006/math" xmlns="" val="1"/>
                 </a:ext>
               </a:extLst>
             </p:spPr>
@@ -11597,7 +11597,7 @@
               <a:effectLst/>
               <a:extLst>
                 <a:ext uri="{C572A759-6A51-4108-AA02-DFA0A04FC94B}">
-                  <ma14:wrappingTextBoxFlag xmlns="" xmlns:m="http://schemas.openxmlformats.org/officeDocument/2006/math" xmlns:a14="http://schemas.microsoft.com/office/drawing/2010/main" xmlns:ma14="http://schemas.microsoft.com/office/mac/drawingml/2011/main" val="1"/>
+                  <ma14:wrappingTextBoxFlag xmlns:ma14="http://schemas.microsoft.com/office/mac/drawingml/2011/main" xmlns:a14="http://schemas.microsoft.com/office/drawing/2010/main" xmlns:m="http://schemas.openxmlformats.org/officeDocument/2006/math" xmlns="" val="1"/>
                 </a:ext>
               </a:extLst>
             </p:spPr>
@@ -11986,7 +11986,7 @@
               <a:effectLst/>
               <a:extLst>
                 <a:ext uri="{C572A759-6A51-4108-AA02-DFA0A04FC94B}">
-                  <ma14:wrappingTextBoxFlag xmlns="" xmlns:m="http://schemas.openxmlformats.org/officeDocument/2006/math" xmlns:a14="http://schemas.microsoft.com/office/drawing/2010/main" xmlns:ma14="http://schemas.microsoft.com/office/mac/drawingml/2011/main" val="1"/>
+                  <ma14:wrappingTextBoxFlag xmlns:ma14="http://schemas.microsoft.com/office/mac/drawingml/2011/main" xmlns:a14="http://schemas.microsoft.com/office/drawing/2010/main" xmlns:m="http://schemas.openxmlformats.org/officeDocument/2006/math" xmlns="" val="1"/>
                 </a:ext>
               </a:extLst>
             </p:spPr>
@@ -12179,7 +12179,7 @@
               <a:effectLst/>
               <a:extLst>
                 <a:ext uri="{C572A759-6A51-4108-AA02-DFA0A04FC94B}">
-                  <ma14:wrappingTextBoxFlag xmlns="" xmlns:m="http://schemas.openxmlformats.org/officeDocument/2006/math" xmlns:a14="http://schemas.microsoft.com/office/drawing/2010/main" xmlns:ma14="http://schemas.microsoft.com/office/mac/drawingml/2011/main" val="1"/>
+                  <ma14:wrappingTextBoxFlag xmlns:ma14="http://schemas.microsoft.com/office/mac/drawingml/2011/main" xmlns:a14="http://schemas.microsoft.com/office/drawing/2010/main" xmlns:m="http://schemas.openxmlformats.org/officeDocument/2006/math" xmlns="" val="1"/>
                 </a:ext>
               </a:extLst>
             </p:spPr>
@@ -12394,7 +12394,7 @@
               <a:effectLst/>
               <a:extLst>
                 <a:ext uri="{C572A759-6A51-4108-AA02-DFA0A04FC94B}">
-                  <ma14:wrappingTextBoxFlag xmlns="" xmlns:m="http://schemas.openxmlformats.org/officeDocument/2006/math" xmlns:a14="http://schemas.microsoft.com/office/drawing/2010/main" xmlns:ma14="http://schemas.microsoft.com/office/mac/drawingml/2011/main" val="1"/>
+                  <ma14:wrappingTextBoxFlag xmlns:ma14="http://schemas.microsoft.com/office/mac/drawingml/2011/main" xmlns:a14="http://schemas.microsoft.com/office/drawing/2010/main" xmlns:m="http://schemas.openxmlformats.org/officeDocument/2006/math" xmlns="" val="1"/>
                 </a:ext>
               </a:extLst>
             </p:spPr>
@@ -12591,7 +12591,7 @@
               <a:effectLst/>
               <a:extLst>
                 <a:ext uri="{C572A759-6A51-4108-AA02-DFA0A04FC94B}">
-                  <ma14:wrappingTextBoxFlag xmlns="" xmlns:m="http://schemas.openxmlformats.org/officeDocument/2006/math" xmlns:a14="http://schemas.microsoft.com/office/drawing/2010/main" xmlns:ma14="http://schemas.microsoft.com/office/mac/drawingml/2011/main" val="1"/>
+                  <ma14:wrappingTextBoxFlag xmlns:ma14="http://schemas.microsoft.com/office/mac/drawingml/2011/main" xmlns:a14="http://schemas.microsoft.com/office/drawing/2010/main" xmlns:m="http://schemas.openxmlformats.org/officeDocument/2006/math" xmlns="" val="1"/>
                 </a:ext>
               </a:extLst>
             </p:spPr>
@@ -12784,7 +12784,7 @@
               <a:effectLst/>
               <a:extLst>
                 <a:ext uri="{C572A759-6A51-4108-AA02-DFA0A04FC94B}">
-                  <ma14:wrappingTextBoxFlag xmlns="" xmlns:m="http://schemas.openxmlformats.org/officeDocument/2006/math" xmlns:a14="http://schemas.microsoft.com/office/drawing/2010/main" xmlns:ma14="http://schemas.microsoft.com/office/mac/drawingml/2011/main" val="1"/>
+                  <ma14:wrappingTextBoxFlag xmlns:ma14="http://schemas.microsoft.com/office/mac/drawingml/2011/main" xmlns:a14="http://schemas.microsoft.com/office/drawing/2010/main" xmlns:m="http://schemas.openxmlformats.org/officeDocument/2006/math" xmlns="" val="1"/>
                 </a:ext>
               </a:extLst>
             </p:spPr>
@@ -12999,7 +12999,7 @@
               <a:effectLst/>
               <a:extLst>
                 <a:ext uri="{C572A759-6A51-4108-AA02-DFA0A04FC94B}">
-                  <ma14:wrappingTextBoxFlag xmlns="" xmlns:m="http://schemas.openxmlformats.org/officeDocument/2006/math" xmlns:a14="http://schemas.microsoft.com/office/drawing/2010/main" xmlns:ma14="http://schemas.microsoft.com/office/mac/drawingml/2011/main" val="1"/>
+                  <ma14:wrappingTextBoxFlag xmlns:ma14="http://schemas.microsoft.com/office/mac/drawingml/2011/main" xmlns:a14="http://schemas.microsoft.com/office/drawing/2010/main" xmlns:m="http://schemas.openxmlformats.org/officeDocument/2006/math" xmlns="" val="1"/>
                 </a:ext>
               </a:extLst>
             </p:spPr>
